--- a/assets/documents/190411 Snake.pptx
+++ b/assets/documents/190411 Snake.pptx
@@ -7,11 +7,18 @@
   <p:sldIdLst>
     <p:sldId id="256" r:id="rId2"/>
     <p:sldId id="257" r:id="rId3"/>
-    <p:sldId id="262" r:id="rId4"/>
-    <p:sldId id="263" r:id="rId5"/>
-    <p:sldId id="258" r:id="rId6"/>
-    <p:sldId id="261" r:id="rId7"/>
-    <p:sldId id="260" r:id="rId8"/>
+    <p:sldId id="264" r:id="rId4"/>
+    <p:sldId id="262" r:id="rId5"/>
+    <p:sldId id="263" r:id="rId6"/>
+    <p:sldId id="270" r:id="rId7"/>
+    <p:sldId id="265" r:id="rId8"/>
+    <p:sldId id="269" r:id="rId9"/>
+    <p:sldId id="274" r:id="rId10"/>
+    <p:sldId id="273" r:id="rId11"/>
+    <p:sldId id="275" r:id="rId12"/>
+    <p:sldId id="271" r:id="rId13"/>
+    <p:sldId id="276" r:id="rId14"/>
+    <p:sldId id="260" r:id="rId15"/>
   </p:sldIdLst>
   <p:sldSz cx="12192000" cy="6858000"/>
   <p:notesSz cx="6858000" cy="9144000"/>
@@ -110,246 +117,12 @@
       </a:defRPr>
     </a:lvl9pPr>
   </p:defaultTextStyle>
+  <p:extLst>
+    <p:ext uri="{EFAFB233-063F-42B5-8137-9DF3F51BA10A}">
+      <p15:sldGuideLst xmlns:p15="http://schemas.microsoft.com/office/powerpoint/2012/main"/>
+    </p:ext>
+  </p:extLst>
 </p:presentation>
-</file>
-
-<file path=ppt/revisionInfo.xml><?xml version="1.0" encoding="utf-8"?>
-<p1510:revInfo xmlns:a="http://schemas.openxmlformats.org/drawingml/2006/main" xmlns:r="http://schemas.openxmlformats.org/officeDocument/2006/relationships" xmlns:p1510="http://schemas.microsoft.com/office/powerpoint/2015/10/main">
-  <p1510:revLst>
-    <p1510:client id="{E22D34C2-AEDB-4292-BC4E-3F3DB69BC000}" v="54" dt="2019-04-11T00:12:34.157"/>
-  </p1510:revLst>
-</p1510:revInfo>
-</file>
-
-<file path=ppt/changesInfos/changesInfo1.xml><?xml version="1.0" encoding="utf-8"?>
-<pc:chgInfo xmlns:a="http://schemas.openxmlformats.org/drawingml/2006/main" xmlns:r="http://schemas.openxmlformats.org/officeDocument/2006/relationships" xmlns:ac="http://schemas.microsoft.com/office/drawing/2013/main/command" xmlns:pc="http://schemas.microsoft.com/office/powerpoint/2013/main/command">
-  <pc:docChgLst>
-    <pc:chgData name="南 ことり" userId="6098f8e77f692dc6" providerId="LiveId" clId="{E22D34C2-AEDB-4292-BC4E-3F3DB69BC000}"/>
-    <pc:docChg chg="undo custSel addSld modSld sldOrd modMainMaster">
-      <pc:chgData name="南 ことり" userId="6098f8e77f692dc6" providerId="LiveId" clId="{E22D34C2-AEDB-4292-BC4E-3F3DB69BC000}" dt="2019-04-11T00:13:23.109" v="603" actId="1076"/>
-      <pc:docMkLst>
-        <pc:docMk/>
-      </pc:docMkLst>
-      <pc:sldChg chg="setBg">
-        <pc:chgData name="南 ことり" userId="6098f8e77f692dc6" providerId="LiveId" clId="{E22D34C2-AEDB-4292-BC4E-3F3DB69BC000}" dt="2019-04-10T20:18:14.872" v="12"/>
-        <pc:sldMkLst>
-          <pc:docMk/>
-          <pc:sldMk cId="3101457408" sldId="256"/>
-        </pc:sldMkLst>
-      </pc:sldChg>
-      <pc:sldChg chg="modSp">
-        <pc:chgData name="南 ことり" userId="6098f8e77f692dc6" providerId="LiveId" clId="{E22D34C2-AEDB-4292-BC4E-3F3DB69BC000}" dt="2019-04-11T00:11:18.535" v="555"/>
-        <pc:sldMkLst>
-          <pc:docMk/>
-          <pc:sldMk cId="4109517247" sldId="257"/>
-        </pc:sldMkLst>
-        <pc:spChg chg="mod">
-          <ac:chgData name="南 ことり" userId="6098f8e77f692dc6" providerId="LiveId" clId="{E22D34C2-AEDB-4292-BC4E-3F3DB69BC000}" dt="2019-04-11T00:11:18.535" v="555"/>
-          <ac:spMkLst>
-            <pc:docMk/>
-            <pc:sldMk cId="4109517247" sldId="257"/>
-            <ac:spMk id="3" creationId="{A5DB9546-E46F-4E22-BD22-A7036F5FA822}"/>
-          </ac:spMkLst>
-        </pc:spChg>
-      </pc:sldChg>
-      <pc:sldChg chg="modSp">
-        <pc:chgData name="南 ことり" userId="6098f8e77f692dc6" providerId="LiveId" clId="{E22D34C2-AEDB-4292-BC4E-3F3DB69BC000}" dt="2019-04-10T23:58:22.122" v="259" actId="404"/>
-        <pc:sldMkLst>
-          <pc:docMk/>
-          <pc:sldMk cId="2291003960" sldId="258"/>
-        </pc:sldMkLst>
-        <pc:spChg chg="mod">
-          <ac:chgData name="南 ことり" userId="6098f8e77f692dc6" providerId="LiveId" clId="{E22D34C2-AEDB-4292-BC4E-3F3DB69BC000}" dt="2019-04-10T23:58:22.122" v="259" actId="404"/>
-          <ac:spMkLst>
-            <pc:docMk/>
-            <pc:sldMk cId="2291003960" sldId="258"/>
-            <ac:spMk id="13" creationId="{3A3330A6-7D11-4B91-BFF6-B4C4B0E7A75F}"/>
-          </ac:spMkLst>
-        </pc:spChg>
-      </pc:sldChg>
-      <pc:sldChg chg="modSp">
-        <pc:chgData name="南 ことり" userId="6098f8e77f692dc6" providerId="LiveId" clId="{E22D34C2-AEDB-4292-BC4E-3F3DB69BC000}" dt="2019-04-10T23:58:38.593" v="262" actId="255"/>
-        <pc:sldMkLst>
-          <pc:docMk/>
-          <pc:sldMk cId="3861205007" sldId="261"/>
-        </pc:sldMkLst>
-        <pc:spChg chg="mod">
-          <ac:chgData name="南 ことり" userId="6098f8e77f692dc6" providerId="LiveId" clId="{E22D34C2-AEDB-4292-BC4E-3F3DB69BC000}" dt="2019-04-10T23:58:38.593" v="262" actId="255"/>
-          <ac:spMkLst>
-            <pc:docMk/>
-            <pc:sldMk cId="3861205007" sldId="261"/>
-            <ac:spMk id="5" creationId="{24B61D4F-6F1E-484A-9C81-338FA9C926FD}"/>
-          </ac:spMkLst>
-        </pc:spChg>
-      </pc:sldChg>
-      <pc:sldChg chg="addSp delSp modSp add ord">
-        <pc:chgData name="南 ことり" userId="6098f8e77f692dc6" providerId="LiveId" clId="{E22D34C2-AEDB-4292-BC4E-3F3DB69BC000}" dt="2019-04-11T00:13:23.109" v="603" actId="1076"/>
-        <pc:sldMkLst>
-          <pc:docMk/>
-          <pc:sldMk cId="4048952201" sldId="262"/>
-        </pc:sldMkLst>
-        <pc:spChg chg="add del mod">
-          <ac:chgData name="南 ことり" userId="6098f8e77f692dc6" providerId="LiveId" clId="{E22D34C2-AEDB-4292-BC4E-3F3DB69BC000}" dt="2019-04-11T00:13:19.701" v="602" actId="1076"/>
-          <ac:spMkLst>
-            <pc:docMk/>
-            <pc:sldMk cId="4048952201" sldId="262"/>
-            <ac:spMk id="3" creationId="{EA5A28E1-8C34-4C71-B5E7-CCCF6D32D5C3}"/>
-          </ac:spMkLst>
-        </pc:spChg>
-        <pc:spChg chg="add del mod">
-          <ac:chgData name="南 ことり" userId="6098f8e77f692dc6" providerId="LiveId" clId="{E22D34C2-AEDB-4292-BC4E-3F3DB69BC000}" dt="2019-04-10T23:54:17.585" v="230" actId="11529"/>
-          <ac:spMkLst>
-            <pc:docMk/>
-            <pc:sldMk cId="4048952201" sldId="262"/>
-            <ac:spMk id="5" creationId="{21265C91-755D-4BE3-BFE4-1D096BE77AFE}"/>
-          </ac:spMkLst>
-        </pc:spChg>
-        <pc:spChg chg="add del mod">
-          <ac:chgData name="南 ことり" userId="6098f8e77f692dc6" providerId="LiveId" clId="{E22D34C2-AEDB-4292-BC4E-3F3DB69BC000}" dt="2019-04-11T00:12:29.804" v="587" actId="478"/>
-          <ac:spMkLst>
-            <pc:docMk/>
-            <pc:sldMk cId="4048952201" sldId="262"/>
-            <ac:spMk id="6" creationId="{50F9C39B-03C2-4399-8E47-1A779F429E00}"/>
-          </ac:spMkLst>
-        </pc:spChg>
-        <pc:spChg chg="add del mod">
-          <ac:chgData name="南 ことり" userId="6098f8e77f692dc6" providerId="LiveId" clId="{E22D34C2-AEDB-4292-BC4E-3F3DB69BC000}" dt="2019-04-11T00:12:31.163" v="588" actId="478"/>
-          <ac:spMkLst>
-            <pc:docMk/>
-            <pc:sldMk cId="4048952201" sldId="262"/>
-            <ac:spMk id="8" creationId="{1231D2DB-E682-433D-9DED-429F02C14195}"/>
-          </ac:spMkLst>
-        </pc:spChg>
-        <pc:spChg chg="add del mod">
-          <ac:chgData name="南 ことり" userId="6098f8e77f692dc6" providerId="LiveId" clId="{E22D34C2-AEDB-4292-BC4E-3F3DB69BC000}" dt="2019-04-11T00:12:31.885" v="589" actId="478"/>
-          <ac:spMkLst>
-            <pc:docMk/>
-            <pc:sldMk cId="4048952201" sldId="262"/>
-            <ac:spMk id="9" creationId="{DF1A3389-2613-4EFF-B010-436B577C32BC}"/>
-          </ac:spMkLst>
-        </pc:spChg>
-        <pc:spChg chg="add mod">
-          <ac:chgData name="南 ことり" userId="6098f8e77f692dc6" providerId="LiveId" clId="{E22D34C2-AEDB-4292-BC4E-3F3DB69BC000}" dt="2019-04-11T00:13:23.109" v="603" actId="1076"/>
-          <ac:spMkLst>
-            <pc:docMk/>
-            <pc:sldMk cId="4048952201" sldId="262"/>
-            <ac:spMk id="10" creationId="{14D02864-19FB-4E79-BDF8-8A37679805D4}"/>
-          </ac:spMkLst>
-        </pc:spChg>
-        <pc:spChg chg="del mod">
-          <ac:chgData name="南 ことり" userId="6098f8e77f692dc6" providerId="LiveId" clId="{E22D34C2-AEDB-4292-BC4E-3F3DB69BC000}" dt="2019-04-10T23:48:32.158" v="20" actId="478"/>
-          <ac:spMkLst>
-            <pc:docMk/>
-            <pc:sldMk cId="4048952201" sldId="262"/>
-            <ac:spMk id="13" creationId="{3A3330A6-7D11-4B91-BFF6-B4C4B0E7A75F}"/>
-          </ac:spMkLst>
-        </pc:spChg>
-      </pc:sldChg>
-      <pc:sldChg chg="add">
-        <pc:chgData name="南 ことり" userId="6098f8e77f692dc6" providerId="LiveId" clId="{E22D34C2-AEDB-4292-BC4E-3F3DB69BC000}" dt="2019-04-11T00:11:44.359" v="556"/>
-        <pc:sldMkLst>
-          <pc:docMk/>
-          <pc:sldMk cId="2356314354" sldId="263"/>
-        </pc:sldMkLst>
-      </pc:sldChg>
-      <pc:sldMasterChg chg="setBg modSldLayout">
-        <pc:chgData name="南 ことり" userId="6098f8e77f692dc6" providerId="LiveId" clId="{E22D34C2-AEDB-4292-BC4E-3F3DB69BC000}" dt="2019-04-10T20:18:14.872" v="12"/>
-        <pc:sldMasterMkLst>
-          <pc:docMk/>
-          <pc:sldMasterMk cId="861932516" sldId="2147483672"/>
-        </pc:sldMasterMkLst>
-        <pc:sldLayoutChg chg="setBg">
-          <pc:chgData name="南 ことり" userId="6098f8e77f692dc6" providerId="LiveId" clId="{E22D34C2-AEDB-4292-BC4E-3F3DB69BC000}" dt="2019-04-10T20:18:14.872" v="12"/>
-          <pc:sldLayoutMkLst>
-            <pc:docMk/>
-            <pc:sldMasterMk cId="861932516" sldId="2147483672"/>
-            <pc:sldLayoutMk cId="1420918475" sldId="2147483673"/>
-          </pc:sldLayoutMkLst>
-        </pc:sldLayoutChg>
-        <pc:sldLayoutChg chg="setBg">
-          <pc:chgData name="南 ことり" userId="6098f8e77f692dc6" providerId="LiveId" clId="{E22D34C2-AEDB-4292-BC4E-3F3DB69BC000}" dt="2019-04-10T20:18:14.872" v="12"/>
-          <pc:sldLayoutMkLst>
-            <pc:docMk/>
-            <pc:sldMasterMk cId="861932516" sldId="2147483672"/>
-            <pc:sldLayoutMk cId="1553927838" sldId="2147483674"/>
-          </pc:sldLayoutMkLst>
-        </pc:sldLayoutChg>
-        <pc:sldLayoutChg chg="setBg">
-          <pc:chgData name="南 ことり" userId="6098f8e77f692dc6" providerId="LiveId" clId="{E22D34C2-AEDB-4292-BC4E-3F3DB69BC000}" dt="2019-04-10T20:18:14.872" v="12"/>
-          <pc:sldLayoutMkLst>
-            <pc:docMk/>
-            <pc:sldMasterMk cId="861932516" sldId="2147483672"/>
-            <pc:sldLayoutMk cId="1713541363" sldId="2147483675"/>
-          </pc:sldLayoutMkLst>
-        </pc:sldLayoutChg>
-        <pc:sldLayoutChg chg="setBg">
-          <pc:chgData name="南 ことり" userId="6098f8e77f692dc6" providerId="LiveId" clId="{E22D34C2-AEDB-4292-BC4E-3F3DB69BC000}" dt="2019-04-10T20:18:14.872" v="12"/>
-          <pc:sldLayoutMkLst>
-            <pc:docMk/>
-            <pc:sldMasterMk cId="861932516" sldId="2147483672"/>
-            <pc:sldLayoutMk cId="2281181816" sldId="2147483676"/>
-          </pc:sldLayoutMkLst>
-        </pc:sldLayoutChg>
-        <pc:sldLayoutChg chg="setBg">
-          <pc:chgData name="南 ことり" userId="6098f8e77f692dc6" providerId="LiveId" clId="{E22D34C2-AEDB-4292-BC4E-3F3DB69BC000}" dt="2019-04-10T20:18:14.872" v="12"/>
-          <pc:sldLayoutMkLst>
-            <pc:docMk/>
-            <pc:sldMasterMk cId="861932516" sldId="2147483672"/>
-            <pc:sldLayoutMk cId="3148716584" sldId="2147483677"/>
-          </pc:sldLayoutMkLst>
-        </pc:sldLayoutChg>
-        <pc:sldLayoutChg chg="setBg">
-          <pc:chgData name="南 ことり" userId="6098f8e77f692dc6" providerId="LiveId" clId="{E22D34C2-AEDB-4292-BC4E-3F3DB69BC000}" dt="2019-04-10T20:18:14.872" v="12"/>
-          <pc:sldLayoutMkLst>
-            <pc:docMk/>
-            <pc:sldMasterMk cId="861932516" sldId="2147483672"/>
-            <pc:sldLayoutMk cId="842392258" sldId="2147483678"/>
-          </pc:sldLayoutMkLst>
-        </pc:sldLayoutChg>
-        <pc:sldLayoutChg chg="setBg">
-          <pc:chgData name="南 ことり" userId="6098f8e77f692dc6" providerId="LiveId" clId="{E22D34C2-AEDB-4292-BC4E-3F3DB69BC000}" dt="2019-04-10T20:18:14.872" v="12"/>
-          <pc:sldLayoutMkLst>
-            <pc:docMk/>
-            <pc:sldMasterMk cId="861932516" sldId="2147483672"/>
-            <pc:sldLayoutMk cId="3172780589" sldId="2147483679"/>
-          </pc:sldLayoutMkLst>
-        </pc:sldLayoutChg>
-        <pc:sldLayoutChg chg="setBg">
-          <pc:chgData name="南 ことり" userId="6098f8e77f692dc6" providerId="LiveId" clId="{E22D34C2-AEDB-4292-BC4E-3F3DB69BC000}" dt="2019-04-10T20:18:14.872" v="12"/>
-          <pc:sldLayoutMkLst>
-            <pc:docMk/>
-            <pc:sldMasterMk cId="861932516" sldId="2147483672"/>
-            <pc:sldLayoutMk cId="1989202697" sldId="2147483680"/>
-          </pc:sldLayoutMkLst>
-        </pc:sldLayoutChg>
-        <pc:sldLayoutChg chg="setBg">
-          <pc:chgData name="南 ことり" userId="6098f8e77f692dc6" providerId="LiveId" clId="{E22D34C2-AEDB-4292-BC4E-3F3DB69BC000}" dt="2019-04-10T20:18:14.872" v="12"/>
-          <pc:sldLayoutMkLst>
-            <pc:docMk/>
-            <pc:sldMasterMk cId="861932516" sldId="2147483672"/>
-            <pc:sldLayoutMk cId="1485523660" sldId="2147483681"/>
-          </pc:sldLayoutMkLst>
-        </pc:sldLayoutChg>
-        <pc:sldLayoutChg chg="setBg">
-          <pc:chgData name="南 ことり" userId="6098f8e77f692dc6" providerId="LiveId" clId="{E22D34C2-AEDB-4292-BC4E-3F3DB69BC000}" dt="2019-04-10T20:18:14.872" v="12"/>
-          <pc:sldLayoutMkLst>
-            <pc:docMk/>
-            <pc:sldMasterMk cId="861932516" sldId="2147483672"/>
-            <pc:sldLayoutMk cId="1344256019" sldId="2147483682"/>
-          </pc:sldLayoutMkLst>
-        </pc:sldLayoutChg>
-        <pc:sldLayoutChg chg="setBg">
-          <pc:chgData name="南 ことり" userId="6098f8e77f692dc6" providerId="LiveId" clId="{E22D34C2-AEDB-4292-BC4E-3F3DB69BC000}" dt="2019-04-10T20:18:14.872" v="12"/>
-          <pc:sldLayoutMkLst>
-            <pc:docMk/>
-            <pc:sldMasterMk cId="861932516" sldId="2147483672"/>
-            <pc:sldLayoutMk cId="2729870412" sldId="2147483683"/>
-          </pc:sldLayoutMkLst>
-        </pc:sldLayoutChg>
-      </pc:sldMasterChg>
-    </pc:docChg>
-  </pc:docChgLst>
-</pc:chgInfo>
 </file>
 
 <file path=ppt/slideLayouts/slideLayout1.xml><?xml version="1.0" encoding="utf-8"?>
@@ -483,7 +256,7 @@
           <a:p>
             <a:fld id="{B90BEA2C-3201-4761-9310-F4310B223CDE}" type="datetimeFigureOut">
               <a:rPr lang="ko-KR" altLang="en-US" smtClean="0"/>
-              <a:t>2019-04-11</a:t>
+              <a:t>2019-04-18</a:t>
             </a:fld>
             <a:endParaRPr lang="ko-KR" altLang="en-US"/>
           </a:p>
@@ -653,7 +426,7 @@
           <a:p>
             <a:fld id="{B90BEA2C-3201-4761-9310-F4310B223CDE}" type="datetimeFigureOut">
               <a:rPr lang="ko-KR" altLang="en-US" smtClean="0"/>
-              <a:t>2019-04-11</a:t>
+              <a:t>2019-04-18</a:t>
             </a:fld>
             <a:endParaRPr lang="ko-KR" altLang="en-US"/>
           </a:p>
@@ -833,7 +606,7 @@
           <a:p>
             <a:fld id="{B90BEA2C-3201-4761-9310-F4310B223CDE}" type="datetimeFigureOut">
               <a:rPr lang="ko-KR" altLang="en-US" smtClean="0"/>
-              <a:t>2019-04-11</a:t>
+              <a:t>2019-04-18</a:t>
             </a:fld>
             <a:endParaRPr lang="ko-KR" altLang="en-US"/>
           </a:p>
@@ -1003,7 +776,7 @@
           <a:p>
             <a:fld id="{B90BEA2C-3201-4761-9310-F4310B223CDE}" type="datetimeFigureOut">
               <a:rPr lang="ko-KR" altLang="en-US" smtClean="0"/>
-              <a:t>2019-04-11</a:t>
+              <a:t>2019-04-18</a:t>
             </a:fld>
             <a:endParaRPr lang="ko-KR" altLang="en-US"/>
           </a:p>
@@ -1249,7 +1022,7 @@
           <a:p>
             <a:fld id="{B90BEA2C-3201-4761-9310-F4310B223CDE}" type="datetimeFigureOut">
               <a:rPr lang="ko-KR" altLang="en-US" smtClean="0"/>
-              <a:t>2019-04-11</a:t>
+              <a:t>2019-04-18</a:t>
             </a:fld>
             <a:endParaRPr lang="ko-KR" altLang="en-US"/>
           </a:p>
@@ -1481,7 +1254,7 @@
           <a:p>
             <a:fld id="{B90BEA2C-3201-4761-9310-F4310B223CDE}" type="datetimeFigureOut">
               <a:rPr lang="ko-KR" altLang="en-US" smtClean="0"/>
-              <a:t>2019-04-11</a:t>
+              <a:t>2019-04-18</a:t>
             </a:fld>
             <a:endParaRPr lang="ko-KR" altLang="en-US"/>
           </a:p>
@@ -1848,7 +1621,7 @@
           <a:p>
             <a:fld id="{B90BEA2C-3201-4761-9310-F4310B223CDE}" type="datetimeFigureOut">
               <a:rPr lang="ko-KR" altLang="en-US" smtClean="0"/>
-              <a:t>2019-04-11</a:t>
+              <a:t>2019-04-18</a:t>
             </a:fld>
             <a:endParaRPr lang="ko-KR" altLang="en-US"/>
           </a:p>
@@ -1966,7 +1739,7 @@
           <a:p>
             <a:fld id="{B90BEA2C-3201-4761-9310-F4310B223CDE}" type="datetimeFigureOut">
               <a:rPr lang="ko-KR" altLang="en-US" smtClean="0"/>
-              <a:t>2019-04-11</a:t>
+              <a:t>2019-04-18</a:t>
             </a:fld>
             <a:endParaRPr lang="ko-KR" altLang="en-US"/>
           </a:p>
@@ -2061,7 +1834,7 @@
           <a:p>
             <a:fld id="{B90BEA2C-3201-4761-9310-F4310B223CDE}" type="datetimeFigureOut">
               <a:rPr lang="ko-KR" altLang="en-US" smtClean="0"/>
-              <a:t>2019-04-11</a:t>
+              <a:t>2019-04-18</a:t>
             </a:fld>
             <a:endParaRPr lang="ko-KR" altLang="en-US"/>
           </a:p>
@@ -2338,7 +2111,7 @@
           <a:p>
             <a:fld id="{B90BEA2C-3201-4761-9310-F4310B223CDE}" type="datetimeFigureOut">
               <a:rPr lang="ko-KR" altLang="en-US" smtClean="0"/>
-              <a:t>2019-04-11</a:t>
+              <a:t>2019-04-18</a:t>
             </a:fld>
             <a:endParaRPr lang="ko-KR" altLang="en-US"/>
           </a:p>
@@ -2595,7 +2368,7 @@
           <a:p>
             <a:fld id="{B90BEA2C-3201-4761-9310-F4310B223CDE}" type="datetimeFigureOut">
               <a:rPr lang="ko-KR" altLang="en-US" smtClean="0"/>
-              <a:t>2019-04-11</a:t>
+              <a:t>2019-04-18</a:t>
             </a:fld>
             <a:endParaRPr lang="ko-KR" altLang="en-US"/>
           </a:p>
@@ -2814,7 +2587,7 @@
           <a:p>
             <a:fld id="{B90BEA2C-3201-4761-9310-F4310B223CDE}" type="datetimeFigureOut">
               <a:rPr lang="ko-KR" altLang="en-US" smtClean="0"/>
-              <a:t>2019-04-11</a:t>
+              <a:t>2019-04-18</a:t>
             </a:fld>
             <a:endParaRPr lang="ko-KR" altLang="en-US"/>
           </a:p>
@@ -3268,6 +3041,3214 @@
 </p:sld>
 </file>
 
+<file path=ppt/slides/slide10.xml><?xml version="1.0" encoding="utf-8"?>
+<p:sld xmlns:a="http://schemas.openxmlformats.org/drawingml/2006/main" xmlns:r="http://schemas.openxmlformats.org/officeDocument/2006/relationships" xmlns:p="http://schemas.openxmlformats.org/presentationml/2006/main">
+  <p:cSld>
+    <p:spTree>
+      <p:nvGrpSpPr>
+        <p:cNvPr id="1" name=""/>
+        <p:cNvGrpSpPr/>
+        <p:nvPr/>
+      </p:nvGrpSpPr>
+      <p:grpSpPr>
+        <a:xfrm>
+          <a:off x="0" y="0"/>
+          <a:ext cx="0" cy="0"/>
+          <a:chOff x="0" y="0"/>
+          <a:chExt cx="0" cy="0"/>
+        </a:xfrm>
+      </p:grpSpPr>
+      <p:sp>
+        <p:nvSpPr>
+          <p:cNvPr id="2" name="제목 1">
+            <a:extLst>
+              <a:ext uri="{FF2B5EF4-FFF2-40B4-BE49-F238E27FC236}">
+                <a16:creationId xmlns:a16="http://schemas.microsoft.com/office/drawing/2014/main" id="{20E10F42-3C4D-4DA0-83C7-982533B8A7A6}"/>
+              </a:ext>
+            </a:extLst>
+          </p:cNvPr>
+          <p:cNvSpPr>
+            <a:spLocks noGrp="1"/>
+          </p:cNvSpPr>
+          <p:nvPr>
+            <p:ph type="title"/>
+          </p:nvPr>
+        </p:nvSpPr>
+        <p:spPr/>
+        <p:txBody>
+          <a:bodyPr/>
+          <a:lstStyle/>
+          <a:p>
+            <a:r>
+              <a:rPr lang="en-US" altLang="ko-KR" dirty="0"/>
+              <a:t>Current Progress – Team A</a:t>
+            </a:r>
+            <a:endParaRPr lang="ko-KR" altLang="en-US" dirty="0"/>
+          </a:p>
+        </p:txBody>
+      </p:sp>
+      <p:pic>
+        <p:nvPicPr>
+          <p:cNvPr id="4" name="그림 3">
+            <a:hlinkClick r:id="" action="ppaction://noaction"/>
+            <a:extLst>
+              <a:ext uri="{FF2B5EF4-FFF2-40B4-BE49-F238E27FC236}">
+                <a16:creationId xmlns:a16="http://schemas.microsoft.com/office/drawing/2014/main" id="{86DF1427-FD62-4173-A112-DF852CE9EA83}"/>
+              </a:ext>
+            </a:extLst>
+          </p:cNvPr>
+          <p:cNvPicPr>
+            <a:picLocks noChangeAspect="1"/>
+          </p:cNvPicPr>
+          <p:nvPr/>
+        </p:nvPicPr>
+        <p:blipFill rotWithShape="1">
+          <a:blip r:embed="rId2">
+            <a:alphaModFix amt="50000"/>
+            <a:extLst>
+              <a:ext uri="{28A0092B-C50C-407E-A947-70E740481C1C}">
+                <a14:useLocalDpi xmlns:a14="http://schemas.microsoft.com/office/drawing/2010/main" val="0"/>
+              </a:ext>
+            </a:extLst>
+          </a:blip>
+          <a:srcRect l="34761" t="25054" r="35174" b="27076"/>
+          <a:stretch/>
+        </p:blipFill>
+        <p:spPr>
+          <a:xfrm>
+            <a:off x="10874189" y="5786345"/>
+            <a:ext cx="1317811" cy="1049103"/>
+          </a:xfrm>
+          <a:prstGeom prst="rect">
+            <a:avLst/>
+          </a:prstGeom>
+        </p:spPr>
+      </p:pic>
+      <p:pic>
+        <p:nvPicPr>
+          <p:cNvPr id="10" name="그림 9">
+            <a:extLst>
+              <a:ext uri="{FF2B5EF4-FFF2-40B4-BE49-F238E27FC236}">
+                <a16:creationId xmlns:a16="http://schemas.microsoft.com/office/drawing/2014/main" id="{A1AF4307-A72A-45AF-8FE8-75B1721D16B2}"/>
+              </a:ext>
+            </a:extLst>
+          </p:cNvPr>
+          <p:cNvPicPr>
+            <a:picLocks noChangeAspect="1"/>
+          </p:cNvPicPr>
+          <p:nvPr/>
+        </p:nvPicPr>
+        <p:blipFill>
+          <a:blip r:embed="rId3">
+            <a:extLst>
+              <a:ext uri="{28A0092B-C50C-407E-A947-70E740481C1C}">
+                <a14:useLocalDpi xmlns:a14="http://schemas.microsoft.com/office/drawing/2010/main" val="0"/>
+              </a:ext>
+            </a:extLst>
+          </a:blip>
+          <a:stretch>
+            <a:fillRect/>
+          </a:stretch>
+        </p:blipFill>
+        <p:spPr>
+          <a:xfrm>
+            <a:off x="1322747" y="1426208"/>
+            <a:ext cx="4780952" cy="5066667"/>
+          </a:xfrm>
+          <a:prstGeom prst="rect">
+            <a:avLst/>
+          </a:prstGeom>
+        </p:spPr>
+      </p:pic>
+      <p:sp>
+        <p:nvSpPr>
+          <p:cNvPr id="11" name="TextBox 10">
+            <a:extLst>
+              <a:ext uri="{FF2B5EF4-FFF2-40B4-BE49-F238E27FC236}">
+                <a16:creationId xmlns:a16="http://schemas.microsoft.com/office/drawing/2014/main" id="{A16B5766-C3FB-47A2-A34E-CE0F8A069B90}"/>
+              </a:ext>
+            </a:extLst>
+          </p:cNvPr>
+          <p:cNvSpPr txBox="1"/>
+          <p:nvPr/>
+        </p:nvSpPr>
+        <p:spPr>
+          <a:xfrm>
+            <a:off x="1371515" y="2747833"/>
+            <a:ext cx="1851209" cy="584775"/>
+          </a:xfrm>
+          <a:prstGeom prst="rect">
+            <a:avLst/>
+          </a:prstGeom>
+          <a:solidFill>
+            <a:schemeClr val="bg1"/>
+          </a:solidFill>
+          <a:ln>
+            <a:solidFill>
+              <a:schemeClr val="bg1"/>
+            </a:solidFill>
+          </a:ln>
+        </p:spPr>
+        <p:txBody>
+          <a:bodyPr wrap="square" rtlCol="0">
+            <a:spAutoFit/>
+          </a:bodyPr>
+          <a:lstStyle/>
+          <a:p>
+            <a:pPr algn="ctr"/>
+            <a:r>
+              <a:rPr lang="en-US" altLang="ko-KR" sz="3200" dirty="0"/>
+              <a:t>SENSOR</a:t>
+            </a:r>
+            <a:endParaRPr lang="ko-KR" altLang="en-US" sz="3200" dirty="0"/>
+          </a:p>
+        </p:txBody>
+      </p:sp>
+      <p:sp>
+        <p:nvSpPr>
+          <p:cNvPr id="13" name="TextBox 12">
+            <a:extLst>
+              <a:ext uri="{FF2B5EF4-FFF2-40B4-BE49-F238E27FC236}">
+                <a16:creationId xmlns:a16="http://schemas.microsoft.com/office/drawing/2014/main" id="{76E06BAB-3B77-4D56-94B9-EE8DFA33336B}"/>
+              </a:ext>
+            </a:extLst>
+          </p:cNvPr>
+          <p:cNvSpPr txBox="1"/>
+          <p:nvPr/>
+        </p:nvSpPr>
+        <p:spPr>
+          <a:xfrm>
+            <a:off x="3087115" y="3336293"/>
+            <a:ext cx="508599" cy="1246495"/>
+          </a:xfrm>
+          <a:prstGeom prst="rect">
+            <a:avLst/>
+          </a:prstGeom>
+          <a:solidFill>
+            <a:schemeClr val="bg1"/>
+          </a:solidFill>
+          <a:ln>
+            <a:noFill/>
+          </a:ln>
+        </p:spPr>
+        <p:txBody>
+          <a:bodyPr wrap="square" rtlCol="0">
+            <a:spAutoFit/>
+          </a:bodyPr>
+          <a:lstStyle/>
+          <a:p>
+            <a:pPr algn="ctr"/>
+            <a:r>
+              <a:rPr lang="en-US" altLang="ko-KR" sz="1500" dirty="0">
+                <a:highlight>
+                  <a:srgbClr val="000000"/>
+                </a:highlight>
+              </a:rPr>
+              <a:t>0.2</a:t>
+            </a:r>
+          </a:p>
+          <a:p>
+            <a:pPr algn="ctr"/>
+            <a:r>
+              <a:rPr lang="en-US" altLang="ko-KR" sz="1500" dirty="0">
+                <a:highlight>
+                  <a:srgbClr val="000000"/>
+                </a:highlight>
+              </a:rPr>
+              <a:t>0.4</a:t>
+            </a:r>
+          </a:p>
+          <a:p>
+            <a:pPr algn="ctr"/>
+            <a:r>
+              <a:rPr lang="en-US" altLang="ko-KR" sz="1500" dirty="0">
+                <a:highlight>
+                  <a:srgbClr val="000000"/>
+                </a:highlight>
+              </a:rPr>
+              <a:t>0.6</a:t>
+            </a:r>
+          </a:p>
+          <a:p>
+            <a:pPr algn="ctr"/>
+            <a:r>
+              <a:rPr lang="en-US" altLang="ko-KR" sz="1500" dirty="0">
+                <a:highlight>
+                  <a:srgbClr val="000000"/>
+                </a:highlight>
+              </a:rPr>
+              <a:t>0.8</a:t>
+            </a:r>
+          </a:p>
+          <a:p>
+            <a:pPr algn="ctr"/>
+            <a:r>
+              <a:rPr lang="en-US" altLang="ko-KR" sz="1500" dirty="0">
+                <a:highlight>
+                  <a:srgbClr val="000000"/>
+                </a:highlight>
+              </a:rPr>
+              <a:t>1.0</a:t>
+            </a:r>
+          </a:p>
+        </p:txBody>
+      </p:sp>
+      <p:sp>
+        <p:nvSpPr>
+          <p:cNvPr id="15" name="화살표: 오른쪽 14">
+            <a:extLst>
+              <a:ext uri="{FF2B5EF4-FFF2-40B4-BE49-F238E27FC236}">
+                <a16:creationId xmlns:a16="http://schemas.microsoft.com/office/drawing/2014/main" id="{AC45200E-768C-4905-ACF1-4353C6A18A77}"/>
+              </a:ext>
+            </a:extLst>
+          </p:cNvPr>
+          <p:cNvSpPr/>
+          <p:nvPr/>
+        </p:nvSpPr>
+        <p:spPr>
+          <a:xfrm rot="5400000">
+            <a:off x="8448904" y="2864369"/>
+            <a:ext cx="443352" cy="358165"/>
+          </a:xfrm>
+          <a:prstGeom prst="rightArrow">
+            <a:avLst>
+              <a:gd name="adj1" fmla="val 47222"/>
+              <a:gd name="adj2" fmla="val 68056"/>
+            </a:avLst>
+          </a:prstGeom>
+          <a:solidFill>
+            <a:schemeClr val="tx1"/>
+          </a:solidFill>
+          <a:ln w="76200">
+            <a:noFill/>
+          </a:ln>
+        </p:spPr>
+        <p:style>
+          <a:lnRef idx="2">
+            <a:schemeClr val="accent1">
+              <a:shade val="50000"/>
+            </a:schemeClr>
+          </a:lnRef>
+          <a:fillRef idx="1">
+            <a:schemeClr val="accent1"/>
+          </a:fillRef>
+          <a:effectRef idx="0">
+            <a:schemeClr val="accent1"/>
+          </a:effectRef>
+          <a:fontRef idx="minor">
+            <a:schemeClr val="lt1"/>
+          </a:fontRef>
+        </p:style>
+        <p:txBody>
+          <a:bodyPr rtlCol="0" anchor="ctr"/>
+          <a:lstStyle/>
+          <a:p>
+            <a:pPr algn="ctr"/>
+            <a:endParaRPr lang="ko-KR" altLang="en-US"/>
+          </a:p>
+        </p:txBody>
+      </p:sp>
+      <p:sp>
+        <p:nvSpPr>
+          <p:cNvPr id="5" name="직사각형 4">
+            <a:extLst>
+              <a:ext uri="{FF2B5EF4-FFF2-40B4-BE49-F238E27FC236}">
+                <a16:creationId xmlns:a16="http://schemas.microsoft.com/office/drawing/2014/main" id="{B7A292B2-2E19-433A-9A57-BDA6535D846D}"/>
+              </a:ext>
+            </a:extLst>
+          </p:cNvPr>
+          <p:cNvSpPr/>
+          <p:nvPr/>
+        </p:nvSpPr>
+        <p:spPr>
+          <a:xfrm>
+            <a:off x="7098436" y="3419793"/>
+            <a:ext cx="1359668" cy="369332"/>
+          </a:xfrm>
+          <a:prstGeom prst="rect">
+            <a:avLst/>
+          </a:prstGeom>
+        </p:spPr>
+        <p:txBody>
+          <a:bodyPr wrap="none">
+            <a:spAutoFit/>
+          </a:bodyPr>
+          <a:lstStyle/>
+          <a:p>
+            <a:r>
+              <a:rPr lang="en-US" altLang="ko-KR" dirty="0"/>
+              <a:t>Input Layer</a:t>
+            </a:r>
+          </a:p>
+        </p:txBody>
+      </p:sp>
+      <p:sp>
+        <p:nvSpPr>
+          <p:cNvPr id="6" name="직사각형 5">
+            <a:extLst>
+              <a:ext uri="{FF2B5EF4-FFF2-40B4-BE49-F238E27FC236}">
+                <a16:creationId xmlns:a16="http://schemas.microsoft.com/office/drawing/2014/main" id="{68FD64C9-3E75-493B-A0FE-A734A97E2836}"/>
+              </a:ext>
+            </a:extLst>
+          </p:cNvPr>
+          <p:cNvSpPr/>
+          <p:nvPr/>
+        </p:nvSpPr>
+        <p:spPr>
+          <a:xfrm>
+            <a:off x="6799910" y="1954985"/>
+            <a:ext cx="3746160" cy="369332"/>
+          </a:xfrm>
+          <a:prstGeom prst="rect">
+            <a:avLst/>
+          </a:prstGeom>
+        </p:spPr>
+        <p:txBody>
+          <a:bodyPr wrap="square">
+            <a:spAutoFit/>
+          </a:bodyPr>
+          <a:lstStyle/>
+          <a:p>
+            <a:r>
+              <a:rPr lang="en-US" altLang="ko-KR" dirty="0"/>
+              <a:t>Snake[0].pos + </a:t>
+            </a:r>
+            <a:r>
+              <a:rPr lang="en-US" altLang="ko-KR" dirty="0" err="1"/>
+              <a:t>i</a:t>
+            </a:r>
+            <a:r>
+              <a:rPr lang="en-US" altLang="ko-KR" dirty="0"/>
+              <a:t> == Snack[0].pos</a:t>
+            </a:r>
+          </a:p>
+        </p:txBody>
+      </p:sp>
+      <p:sp>
+        <p:nvSpPr>
+          <p:cNvPr id="18" name="화살표: 오른쪽 17">
+            <a:extLst>
+              <a:ext uri="{FF2B5EF4-FFF2-40B4-BE49-F238E27FC236}">
+                <a16:creationId xmlns:a16="http://schemas.microsoft.com/office/drawing/2014/main" id="{39E9B640-5200-467A-A894-72ADD82A852B}"/>
+              </a:ext>
+            </a:extLst>
+          </p:cNvPr>
+          <p:cNvSpPr/>
+          <p:nvPr/>
+        </p:nvSpPr>
+        <p:spPr>
+          <a:xfrm rot="5400000">
+            <a:off x="8451312" y="4646500"/>
+            <a:ext cx="443352" cy="358165"/>
+          </a:xfrm>
+          <a:prstGeom prst="rightArrow">
+            <a:avLst>
+              <a:gd name="adj1" fmla="val 47222"/>
+              <a:gd name="adj2" fmla="val 68056"/>
+            </a:avLst>
+          </a:prstGeom>
+          <a:solidFill>
+            <a:schemeClr val="tx1"/>
+          </a:solidFill>
+          <a:ln w="76200">
+            <a:noFill/>
+          </a:ln>
+        </p:spPr>
+        <p:style>
+          <a:lnRef idx="2">
+            <a:schemeClr val="accent1">
+              <a:shade val="50000"/>
+            </a:schemeClr>
+          </a:lnRef>
+          <a:fillRef idx="1">
+            <a:schemeClr val="accent1"/>
+          </a:fillRef>
+          <a:effectRef idx="0">
+            <a:schemeClr val="accent1"/>
+          </a:effectRef>
+          <a:fontRef idx="minor">
+            <a:schemeClr val="lt1"/>
+          </a:fontRef>
+        </p:style>
+        <p:txBody>
+          <a:bodyPr rtlCol="0" anchor="ctr"/>
+          <a:lstStyle/>
+          <a:p>
+            <a:pPr algn="ctr"/>
+            <a:endParaRPr lang="ko-KR" altLang="en-US"/>
+          </a:p>
+        </p:txBody>
+      </p:sp>
+      <p:sp>
+        <p:nvSpPr>
+          <p:cNvPr id="7" name="직사각형 6">
+            <a:extLst>
+              <a:ext uri="{FF2B5EF4-FFF2-40B4-BE49-F238E27FC236}">
+                <a16:creationId xmlns:a16="http://schemas.microsoft.com/office/drawing/2014/main" id="{389E9BB3-E619-4D52-865C-1286069325D5}"/>
+              </a:ext>
+            </a:extLst>
+          </p:cNvPr>
+          <p:cNvSpPr/>
+          <p:nvPr/>
+        </p:nvSpPr>
+        <p:spPr>
+          <a:xfrm>
+            <a:off x="7098436" y="5279847"/>
+            <a:ext cx="1568058" cy="369332"/>
+          </a:xfrm>
+          <a:prstGeom prst="rect">
+            <a:avLst/>
+          </a:prstGeom>
+        </p:spPr>
+        <p:txBody>
+          <a:bodyPr wrap="none">
+            <a:spAutoFit/>
+          </a:bodyPr>
+          <a:lstStyle/>
+          <a:p>
+            <a:pPr algn="ctr"/>
+            <a:r>
+              <a:rPr lang="en-US" altLang="ko-KR" dirty="0">
+                <a:latin typeface="+mj-ea"/>
+              </a:rPr>
+              <a:t>Output</a:t>
+            </a:r>
+            <a:r>
+              <a:rPr lang="ko-KR" altLang="en-US" dirty="0">
+                <a:latin typeface="+mj-ea"/>
+              </a:rPr>
+              <a:t> </a:t>
+            </a:r>
+            <a:r>
+              <a:rPr lang="en-US" altLang="ko-KR" dirty="0">
+                <a:latin typeface="+mj-ea"/>
+              </a:rPr>
+              <a:t>Layer</a:t>
+            </a:r>
+          </a:p>
+        </p:txBody>
+      </p:sp>
+      <p:sp>
+        <p:nvSpPr>
+          <p:cNvPr id="8" name="직사각형 7">
+            <a:extLst>
+              <a:ext uri="{FF2B5EF4-FFF2-40B4-BE49-F238E27FC236}">
+                <a16:creationId xmlns:a16="http://schemas.microsoft.com/office/drawing/2014/main" id="{4FB2F88F-63C5-435C-9049-4E96EFB16E4C}"/>
+              </a:ext>
+            </a:extLst>
+          </p:cNvPr>
+          <p:cNvSpPr/>
+          <p:nvPr/>
+        </p:nvSpPr>
+        <p:spPr>
+          <a:xfrm>
+            <a:off x="8062001" y="3909819"/>
+            <a:ext cx="1208985" cy="369332"/>
+          </a:xfrm>
+          <a:prstGeom prst="rect">
+            <a:avLst/>
+          </a:prstGeom>
+        </p:spPr>
+        <p:txBody>
+          <a:bodyPr wrap="none">
+            <a:spAutoFit/>
+          </a:bodyPr>
+          <a:lstStyle/>
+          <a:p>
+            <a:r>
+              <a:rPr lang="en-US" altLang="ko-KR" dirty="0"/>
+              <a:t>1 - 0.2 * </a:t>
+            </a:r>
+            <a:r>
+              <a:rPr lang="en-US" altLang="ko-KR" dirty="0" err="1"/>
+              <a:t>i</a:t>
+            </a:r>
+            <a:endParaRPr lang="ko-KR" altLang="en-US" dirty="0"/>
+          </a:p>
+        </p:txBody>
+      </p:sp>
+      <p:sp>
+        <p:nvSpPr>
+          <p:cNvPr id="9" name="직사각형 8">
+            <a:extLst>
+              <a:ext uri="{FF2B5EF4-FFF2-40B4-BE49-F238E27FC236}">
+                <a16:creationId xmlns:a16="http://schemas.microsoft.com/office/drawing/2014/main" id="{58CD2508-5D22-48B3-894E-05E6EE084F63}"/>
+              </a:ext>
+            </a:extLst>
+          </p:cNvPr>
+          <p:cNvSpPr/>
+          <p:nvPr/>
+        </p:nvSpPr>
+        <p:spPr>
+          <a:xfrm>
+            <a:off x="7778270" y="5771405"/>
+            <a:ext cx="2505814" cy="369332"/>
+          </a:xfrm>
+          <a:prstGeom prst="rect">
+            <a:avLst/>
+          </a:prstGeom>
+        </p:spPr>
+        <p:txBody>
+          <a:bodyPr wrap="none">
+            <a:spAutoFit/>
+          </a:bodyPr>
+          <a:lstStyle/>
+          <a:p>
+            <a:r>
+              <a:rPr lang="en-US" altLang="ko-KR" dirty="0">
+                <a:latin typeface="+mj-ea"/>
+              </a:rPr>
+              <a:t>Up, Down, Left, Right</a:t>
+            </a:r>
+            <a:endParaRPr lang="ko-KR" altLang="en-US" dirty="0"/>
+          </a:p>
+        </p:txBody>
+      </p:sp>
+    </p:spTree>
+    <p:extLst>
+      <p:ext uri="{BB962C8B-B14F-4D97-AF65-F5344CB8AC3E}">
+        <p14:creationId xmlns:p14="http://schemas.microsoft.com/office/powerpoint/2010/main" val="2459559219"/>
+      </p:ext>
+    </p:extLst>
+  </p:cSld>
+  <p:clrMapOvr>
+    <a:masterClrMapping/>
+  </p:clrMapOvr>
+  <mc:AlternateContent xmlns:mc="http://schemas.openxmlformats.org/markup-compatibility/2006" xmlns:p14="http://schemas.microsoft.com/office/powerpoint/2010/main">
+    <mc:Choice Requires="p14">
+      <p:transition spd="med" p14:dur="700">
+        <p:fade/>
+      </p:transition>
+    </mc:Choice>
+    <mc:Fallback xmlns="">
+      <p:transition spd="med">
+        <p:fade/>
+      </p:transition>
+    </mc:Fallback>
+  </mc:AlternateContent>
+  <p:timing>
+    <p:tnLst>
+      <p:par>
+        <p:cTn id="1" dur="indefinite" restart="never" nodeType="tmRoot">
+          <p:childTnLst>
+            <p:seq concurrent="1" nextAc="seek">
+              <p:cTn id="2" dur="indefinite" nodeType="mainSeq">
+                <p:childTnLst>
+                  <p:par>
+                    <p:cTn id="3" fill="hold">
+                      <p:stCondLst>
+                        <p:cond delay="indefinite"/>
+                      </p:stCondLst>
+                      <p:childTnLst>
+                        <p:par>
+                          <p:cTn id="4" fill="hold">
+                            <p:stCondLst>
+                              <p:cond delay="0"/>
+                            </p:stCondLst>
+                            <p:childTnLst>
+                              <p:par>
+                                <p:cTn id="5" presetID="10" presetClass="entr" presetSubtype="0" fill="hold" nodeType="clickEffect">
+                                  <p:stCondLst>
+                                    <p:cond delay="0"/>
+                                  </p:stCondLst>
+                                  <p:childTnLst>
+                                    <p:set>
+                                      <p:cBhvr>
+                                        <p:cTn id="6" dur="1" fill="hold">
+                                          <p:stCondLst>
+                                            <p:cond delay="0"/>
+                                          </p:stCondLst>
+                                        </p:cTn>
+                                        <p:tgtEl>
+                                          <p:spTgt spid="6">
+                                            <p:txEl>
+                                              <p:pRg st="0" end="0"/>
+                                            </p:txEl>
+                                          </p:spTgt>
+                                        </p:tgtEl>
+                                        <p:attrNameLst>
+                                          <p:attrName>style.visibility</p:attrName>
+                                        </p:attrNameLst>
+                                      </p:cBhvr>
+                                      <p:to>
+                                        <p:strVal val="visible"/>
+                                      </p:to>
+                                    </p:set>
+                                    <p:animEffect transition="in" filter="fade">
+                                      <p:cBhvr>
+                                        <p:cTn id="7" dur="500"/>
+                                        <p:tgtEl>
+                                          <p:spTgt spid="6">
+                                            <p:txEl>
+                                              <p:pRg st="0" end="0"/>
+                                            </p:txEl>
+                                          </p:spTgt>
+                                        </p:tgtEl>
+                                      </p:cBhvr>
+                                    </p:animEffect>
+                                  </p:childTnLst>
+                                </p:cTn>
+                              </p:par>
+                            </p:childTnLst>
+                          </p:cTn>
+                        </p:par>
+                      </p:childTnLst>
+                    </p:cTn>
+                  </p:par>
+                  <p:par>
+                    <p:cTn id="8" fill="hold">
+                      <p:stCondLst>
+                        <p:cond delay="indefinite"/>
+                      </p:stCondLst>
+                      <p:childTnLst>
+                        <p:par>
+                          <p:cTn id="9" fill="hold">
+                            <p:stCondLst>
+                              <p:cond delay="0"/>
+                            </p:stCondLst>
+                            <p:childTnLst>
+                              <p:par>
+                                <p:cTn id="10" presetID="10" presetClass="entr" presetSubtype="0" fill="hold" grpId="0" nodeType="clickEffect">
+                                  <p:stCondLst>
+                                    <p:cond delay="0"/>
+                                  </p:stCondLst>
+                                  <p:childTnLst>
+                                    <p:set>
+                                      <p:cBhvr>
+                                        <p:cTn id="11" dur="1" fill="hold">
+                                          <p:stCondLst>
+                                            <p:cond delay="0"/>
+                                          </p:stCondLst>
+                                        </p:cTn>
+                                        <p:tgtEl>
+                                          <p:spTgt spid="15"/>
+                                        </p:tgtEl>
+                                        <p:attrNameLst>
+                                          <p:attrName>style.visibility</p:attrName>
+                                        </p:attrNameLst>
+                                      </p:cBhvr>
+                                      <p:to>
+                                        <p:strVal val="visible"/>
+                                      </p:to>
+                                    </p:set>
+                                    <p:animEffect transition="in" filter="fade">
+                                      <p:cBhvr>
+                                        <p:cTn id="12" dur="500"/>
+                                        <p:tgtEl>
+                                          <p:spTgt spid="15"/>
+                                        </p:tgtEl>
+                                      </p:cBhvr>
+                                    </p:animEffect>
+                                  </p:childTnLst>
+                                </p:cTn>
+                              </p:par>
+                            </p:childTnLst>
+                          </p:cTn>
+                        </p:par>
+                        <p:par>
+                          <p:cTn id="13" fill="hold">
+                            <p:stCondLst>
+                              <p:cond delay="500"/>
+                            </p:stCondLst>
+                            <p:childTnLst>
+                              <p:par>
+                                <p:cTn id="14" presetID="10" presetClass="entr" presetSubtype="0" fill="hold" grpId="0" nodeType="afterEffect">
+                                  <p:stCondLst>
+                                    <p:cond delay="0"/>
+                                  </p:stCondLst>
+                                  <p:childTnLst>
+                                    <p:set>
+                                      <p:cBhvr>
+                                        <p:cTn id="15" dur="1" fill="hold">
+                                          <p:stCondLst>
+                                            <p:cond delay="0"/>
+                                          </p:stCondLst>
+                                        </p:cTn>
+                                        <p:tgtEl>
+                                          <p:spTgt spid="5"/>
+                                        </p:tgtEl>
+                                        <p:attrNameLst>
+                                          <p:attrName>style.visibility</p:attrName>
+                                        </p:attrNameLst>
+                                      </p:cBhvr>
+                                      <p:to>
+                                        <p:strVal val="visible"/>
+                                      </p:to>
+                                    </p:set>
+                                    <p:animEffect transition="in" filter="fade">
+                                      <p:cBhvr>
+                                        <p:cTn id="16" dur="500"/>
+                                        <p:tgtEl>
+                                          <p:spTgt spid="5"/>
+                                        </p:tgtEl>
+                                      </p:cBhvr>
+                                    </p:animEffect>
+                                  </p:childTnLst>
+                                </p:cTn>
+                              </p:par>
+                              <p:par>
+                                <p:cTn id="17" presetID="10" presetClass="entr" presetSubtype="0" fill="hold" grpId="0" nodeType="withEffect">
+                                  <p:stCondLst>
+                                    <p:cond delay="0"/>
+                                  </p:stCondLst>
+                                  <p:childTnLst>
+                                    <p:set>
+                                      <p:cBhvr>
+                                        <p:cTn id="18" dur="1" fill="hold">
+                                          <p:stCondLst>
+                                            <p:cond delay="0"/>
+                                          </p:stCondLst>
+                                        </p:cTn>
+                                        <p:tgtEl>
+                                          <p:spTgt spid="8"/>
+                                        </p:tgtEl>
+                                        <p:attrNameLst>
+                                          <p:attrName>style.visibility</p:attrName>
+                                        </p:attrNameLst>
+                                      </p:cBhvr>
+                                      <p:to>
+                                        <p:strVal val="visible"/>
+                                      </p:to>
+                                    </p:set>
+                                    <p:animEffect transition="in" filter="fade">
+                                      <p:cBhvr>
+                                        <p:cTn id="19" dur="500"/>
+                                        <p:tgtEl>
+                                          <p:spTgt spid="8"/>
+                                        </p:tgtEl>
+                                      </p:cBhvr>
+                                    </p:animEffect>
+                                  </p:childTnLst>
+                                </p:cTn>
+                              </p:par>
+                            </p:childTnLst>
+                          </p:cTn>
+                        </p:par>
+                      </p:childTnLst>
+                    </p:cTn>
+                  </p:par>
+                  <p:par>
+                    <p:cTn id="20" fill="hold">
+                      <p:stCondLst>
+                        <p:cond delay="indefinite"/>
+                      </p:stCondLst>
+                      <p:childTnLst>
+                        <p:par>
+                          <p:cTn id="21" fill="hold">
+                            <p:stCondLst>
+                              <p:cond delay="0"/>
+                            </p:stCondLst>
+                            <p:childTnLst>
+                              <p:par>
+                                <p:cTn id="22" presetID="10" presetClass="entr" presetSubtype="0" fill="hold" grpId="0" nodeType="clickEffect">
+                                  <p:stCondLst>
+                                    <p:cond delay="0"/>
+                                  </p:stCondLst>
+                                  <p:childTnLst>
+                                    <p:set>
+                                      <p:cBhvr>
+                                        <p:cTn id="23" dur="1" fill="hold">
+                                          <p:stCondLst>
+                                            <p:cond delay="0"/>
+                                          </p:stCondLst>
+                                        </p:cTn>
+                                        <p:tgtEl>
+                                          <p:spTgt spid="18"/>
+                                        </p:tgtEl>
+                                        <p:attrNameLst>
+                                          <p:attrName>style.visibility</p:attrName>
+                                        </p:attrNameLst>
+                                      </p:cBhvr>
+                                      <p:to>
+                                        <p:strVal val="visible"/>
+                                      </p:to>
+                                    </p:set>
+                                    <p:animEffect transition="in" filter="fade">
+                                      <p:cBhvr>
+                                        <p:cTn id="24" dur="500"/>
+                                        <p:tgtEl>
+                                          <p:spTgt spid="18"/>
+                                        </p:tgtEl>
+                                      </p:cBhvr>
+                                    </p:animEffect>
+                                  </p:childTnLst>
+                                </p:cTn>
+                              </p:par>
+                            </p:childTnLst>
+                          </p:cTn>
+                        </p:par>
+                        <p:par>
+                          <p:cTn id="25" fill="hold">
+                            <p:stCondLst>
+                              <p:cond delay="500"/>
+                            </p:stCondLst>
+                            <p:childTnLst>
+                              <p:par>
+                                <p:cTn id="26" presetID="10" presetClass="entr" presetSubtype="0" fill="hold" grpId="0" nodeType="afterEffect">
+                                  <p:stCondLst>
+                                    <p:cond delay="0"/>
+                                  </p:stCondLst>
+                                  <p:childTnLst>
+                                    <p:set>
+                                      <p:cBhvr>
+                                        <p:cTn id="27" dur="1" fill="hold">
+                                          <p:stCondLst>
+                                            <p:cond delay="0"/>
+                                          </p:stCondLst>
+                                        </p:cTn>
+                                        <p:tgtEl>
+                                          <p:spTgt spid="7"/>
+                                        </p:tgtEl>
+                                        <p:attrNameLst>
+                                          <p:attrName>style.visibility</p:attrName>
+                                        </p:attrNameLst>
+                                      </p:cBhvr>
+                                      <p:to>
+                                        <p:strVal val="visible"/>
+                                      </p:to>
+                                    </p:set>
+                                    <p:animEffect transition="in" filter="fade">
+                                      <p:cBhvr>
+                                        <p:cTn id="28" dur="500"/>
+                                        <p:tgtEl>
+                                          <p:spTgt spid="7"/>
+                                        </p:tgtEl>
+                                      </p:cBhvr>
+                                    </p:animEffect>
+                                  </p:childTnLst>
+                                </p:cTn>
+                              </p:par>
+                              <p:par>
+                                <p:cTn id="29" presetID="10" presetClass="entr" presetSubtype="0" fill="hold" grpId="0" nodeType="withEffect">
+                                  <p:stCondLst>
+                                    <p:cond delay="0"/>
+                                  </p:stCondLst>
+                                  <p:childTnLst>
+                                    <p:set>
+                                      <p:cBhvr>
+                                        <p:cTn id="30" dur="1" fill="hold">
+                                          <p:stCondLst>
+                                            <p:cond delay="0"/>
+                                          </p:stCondLst>
+                                        </p:cTn>
+                                        <p:tgtEl>
+                                          <p:spTgt spid="9"/>
+                                        </p:tgtEl>
+                                        <p:attrNameLst>
+                                          <p:attrName>style.visibility</p:attrName>
+                                        </p:attrNameLst>
+                                      </p:cBhvr>
+                                      <p:to>
+                                        <p:strVal val="visible"/>
+                                      </p:to>
+                                    </p:set>
+                                    <p:animEffect transition="in" filter="fade">
+                                      <p:cBhvr>
+                                        <p:cTn id="31" dur="500"/>
+                                        <p:tgtEl>
+                                          <p:spTgt spid="9"/>
+                                        </p:tgtEl>
+                                      </p:cBhvr>
+                                    </p:animEffect>
+                                  </p:childTnLst>
+                                </p:cTn>
+                              </p:par>
+                            </p:childTnLst>
+                          </p:cTn>
+                        </p:par>
+                      </p:childTnLst>
+                    </p:cTn>
+                  </p:par>
+                </p:childTnLst>
+              </p:cTn>
+              <p:prevCondLst>
+                <p:cond evt="onPrev" delay="0">
+                  <p:tgtEl>
+                    <p:sldTgt/>
+                  </p:tgtEl>
+                </p:cond>
+              </p:prevCondLst>
+              <p:nextCondLst>
+                <p:cond evt="onNext" delay="0">
+                  <p:tgtEl>
+                    <p:sldTgt/>
+                  </p:tgtEl>
+                </p:cond>
+              </p:nextCondLst>
+            </p:seq>
+          </p:childTnLst>
+        </p:cTn>
+      </p:par>
+    </p:tnLst>
+    <p:bldLst>
+      <p:bldP spid="15" grpId="0" animBg="1"/>
+      <p:bldP spid="5" grpId="0"/>
+      <p:bldP spid="18" grpId="0" animBg="1"/>
+      <p:bldP spid="7" grpId="0"/>
+      <p:bldP spid="8" grpId="0"/>
+      <p:bldP spid="9" grpId="0"/>
+    </p:bldLst>
+  </p:timing>
+</p:sld>
+</file>
+
+<file path=ppt/slides/slide11.xml><?xml version="1.0" encoding="utf-8"?>
+<p:sld xmlns:a="http://schemas.openxmlformats.org/drawingml/2006/main" xmlns:r="http://schemas.openxmlformats.org/officeDocument/2006/relationships" xmlns:p="http://schemas.openxmlformats.org/presentationml/2006/main">
+  <p:cSld>
+    <p:spTree>
+      <p:nvGrpSpPr>
+        <p:cNvPr id="1" name=""/>
+        <p:cNvGrpSpPr/>
+        <p:nvPr/>
+      </p:nvGrpSpPr>
+      <p:grpSpPr>
+        <a:xfrm>
+          <a:off x="0" y="0"/>
+          <a:ext cx="0" cy="0"/>
+          <a:chOff x="0" y="0"/>
+          <a:chExt cx="0" cy="0"/>
+        </a:xfrm>
+      </p:grpSpPr>
+      <p:sp>
+        <p:nvSpPr>
+          <p:cNvPr id="2" name="제목 1">
+            <a:extLst>
+              <a:ext uri="{FF2B5EF4-FFF2-40B4-BE49-F238E27FC236}">
+                <a16:creationId xmlns:a16="http://schemas.microsoft.com/office/drawing/2014/main" id="{20E10F42-3C4D-4DA0-83C7-982533B8A7A6}"/>
+              </a:ext>
+            </a:extLst>
+          </p:cNvPr>
+          <p:cNvSpPr>
+            <a:spLocks noGrp="1"/>
+          </p:cNvSpPr>
+          <p:nvPr>
+            <p:ph type="title"/>
+          </p:nvPr>
+        </p:nvSpPr>
+        <p:spPr>
+          <a:xfrm>
+            <a:off x="838200" y="365125"/>
+            <a:ext cx="10515600" cy="1325563"/>
+          </a:xfrm>
+        </p:spPr>
+        <p:txBody>
+          <a:bodyPr/>
+          <a:lstStyle/>
+          <a:p>
+            <a:r>
+              <a:rPr lang="en-US" altLang="ko-KR" dirty="0"/>
+              <a:t>Next Progress – Team A</a:t>
+            </a:r>
+            <a:endParaRPr lang="ko-KR" altLang="en-US" dirty="0"/>
+          </a:p>
+        </p:txBody>
+      </p:sp>
+      <p:pic>
+        <p:nvPicPr>
+          <p:cNvPr id="4" name="그림 3">
+            <a:hlinkClick r:id="" action="ppaction://noaction"/>
+            <a:extLst>
+              <a:ext uri="{FF2B5EF4-FFF2-40B4-BE49-F238E27FC236}">
+                <a16:creationId xmlns:a16="http://schemas.microsoft.com/office/drawing/2014/main" id="{86DF1427-FD62-4173-A112-DF852CE9EA83}"/>
+              </a:ext>
+            </a:extLst>
+          </p:cNvPr>
+          <p:cNvPicPr>
+            <a:picLocks noChangeAspect="1"/>
+          </p:cNvPicPr>
+          <p:nvPr/>
+        </p:nvPicPr>
+        <p:blipFill rotWithShape="1">
+          <a:blip r:embed="rId2">
+            <a:alphaModFix amt="50000"/>
+            <a:extLst>
+              <a:ext uri="{28A0092B-C50C-407E-A947-70E740481C1C}">
+                <a14:useLocalDpi xmlns:a14="http://schemas.microsoft.com/office/drawing/2010/main" val="0"/>
+              </a:ext>
+            </a:extLst>
+          </a:blip>
+          <a:srcRect l="34761" t="25054" r="35174" b="27076"/>
+          <a:stretch/>
+        </p:blipFill>
+        <p:spPr>
+          <a:xfrm>
+            <a:off x="10874189" y="5786345"/>
+            <a:ext cx="1317811" cy="1049103"/>
+          </a:xfrm>
+          <a:prstGeom prst="rect">
+            <a:avLst/>
+          </a:prstGeom>
+        </p:spPr>
+      </p:pic>
+      <p:sp>
+        <p:nvSpPr>
+          <p:cNvPr id="3" name="직사각형 2">
+            <a:extLst>
+              <a:ext uri="{FF2B5EF4-FFF2-40B4-BE49-F238E27FC236}">
+                <a16:creationId xmlns:a16="http://schemas.microsoft.com/office/drawing/2014/main" id="{39A9EDBF-045C-4557-916D-A22BE9FECC01}"/>
+              </a:ext>
+            </a:extLst>
+          </p:cNvPr>
+          <p:cNvSpPr/>
+          <p:nvPr/>
+        </p:nvSpPr>
+        <p:spPr>
+          <a:xfrm>
+            <a:off x="2832867" y="2288049"/>
+            <a:ext cx="1113064" cy="3096769"/>
+          </a:xfrm>
+          <a:prstGeom prst="rect">
+            <a:avLst/>
+          </a:prstGeom>
+          <a:ln>
+            <a:solidFill>
+              <a:schemeClr val="bg1"/>
+            </a:solidFill>
+          </a:ln>
+        </p:spPr>
+        <p:style>
+          <a:lnRef idx="2">
+            <a:schemeClr val="dk1">
+              <a:shade val="50000"/>
+            </a:schemeClr>
+          </a:lnRef>
+          <a:fillRef idx="1">
+            <a:schemeClr val="dk1"/>
+          </a:fillRef>
+          <a:effectRef idx="0">
+            <a:schemeClr val="dk1"/>
+          </a:effectRef>
+          <a:fontRef idx="minor">
+            <a:schemeClr val="lt1"/>
+          </a:fontRef>
+        </p:style>
+        <p:txBody>
+          <a:bodyPr rtlCol="0" anchor="ctr"/>
+          <a:lstStyle/>
+          <a:p>
+            <a:pPr algn="ctr"/>
+            <a:r>
+              <a:rPr lang="en-US" altLang="ko-KR" dirty="0"/>
+              <a:t>Output Layer</a:t>
+            </a:r>
+            <a:endParaRPr lang="ko-KR" altLang="en-US" dirty="0"/>
+          </a:p>
+        </p:txBody>
+      </p:sp>
+      <p:sp>
+        <p:nvSpPr>
+          <p:cNvPr id="16" name="직사각형 15">
+            <a:extLst>
+              <a:ext uri="{FF2B5EF4-FFF2-40B4-BE49-F238E27FC236}">
+                <a16:creationId xmlns:a16="http://schemas.microsoft.com/office/drawing/2014/main" id="{A0BA709B-EB59-4BAB-8209-5AF34B969915}"/>
+              </a:ext>
+            </a:extLst>
+          </p:cNvPr>
+          <p:cNvSpPr/>
+          <p:nvPr/>
+        </p:nvSpPr>
+        <p:spPr>
+          <a:xfrm>
+            <a:off x="7502839" y="2288049"/>
+            <a:ext cx="1113064" cy="3096769"/>
+          </a:xfrm>
+          <a:prstGeom prst="rect">
+            <a:avLst/>
+          </a:prstGeom>
+          <a:ln>
+            <a:solidFill>
+              <a:schemeClr val="bg1"/>
+            </a:solidFill>
+          </a:ln>
+        </p:spPr>
+        <p:style>
+          <a:lnRef idx="2">
+            <a:schemeClr val="dk1">
+              <a:shade val="50000"/>
+            </a:schemeClr>
+          </a:lnRef>
+          <a:fillRef idx="1">
+            <a:schemeClr val="dk1"/>
+          </a:fillRef>
+          <a:effectRef idx="0">
+            <a:schemeClr val="dk1"/>
+          </a:effectRef>
+          <a:fontRef idx="minor">
+            <a:schemeClr val="lt1"/>
+          </a:fontRef>
+        </p:style>
+        <p:txBody>
+          <a:bodyPr rtlCol="0" anchor="ctr"/>
+          <a:lstStyle/>
+          <a:p>
+            <a:pPr algn="ctr"/>
+            <a:r>
+              <a:rPr lang="en-US" altLang="ko-KR" dirty="0"/>
+              <a:t>Output</a:t>
+            </a:r>
+          </a:p>
+        </p:txBody>
+      </p:sp>
+      <p:sp>
+        <p:nvSpPr>
+          <p:cNvPr id="12" name="직사각형 11">
+            <a:extLst>
+              <a:ext uri="{FF2B5EF4-FFF2-40B4-BE49-F238E27FC236}">
+                <a16:creationId xmlns:a16="http://schemas.microsoft.com/office/drawing/2014/main" id="{56A1FB36-1667-41B9-9272-3C297D0F70EC}"/>
+              </a:ext>
+            </a:extLst>
+          </p:cNvPr>
+          <p:cNvSpPr/>
+          <p:nvPr/>
+        </p:nvSpPr>
+        <p:spPr>
+          <a:xfrm>
+            <a:off x="4965291" y="2288050"/>
+            <a:ext cx="1518186" cy="3096768"/>
+          </a:xfrm>
+          <a:prstGeom prst="rect">
+            <a:avLst/>
+          </a:prstGeom>
+          <a:ln>
+            <a:solidFill>
+              <a:schemeClr val="bg1"/>
+            </a:solidFill>
+          </a:ln>
+        </p:spPr>
+        <p:style>
+          <a:lnRef idx="2">
+            <a:schemeClr val="dk1">
+              <a:shade val="50000"/>
+            </a:schemeClr>
+          </a:lnRef>
+          <a:fillRef idx="1">
+            <a:schemeClr val="dk1"/>
+          </a:fillRef>
+          <a:effectRef idx="0">
+            <a:schemeClr val="dk1"/>
+          </a:effectRef>
+          <a:fontRef idx="minor">
+            <a:schemeClr val="lt1"/>
+          </a:fontRef>
+        </p:style>
+        <p:txBody>
+          <a:bodyPr rtlCol="0" anchor="ctr"/>
+          <a:lstStyle/>
+          <a:p>
+            <a:pPr algn="ctr"/>
+            <a:r>
+              <a:rPr lang="en-US" altLang="ko-KR" dirty="0"/>
+              <a:t>Shadow</a:t>
+            </a:r>
+          </a:p>
+          <a:p>
+            <a:pPr algn="ctr"/>
+            <a:r>
+              <a:rPr lang="en-US" altLang="ko-KR" dirty="0"/>
+              <a:t>(Neuron)</a:t>
+            </a:r>
+          </a:p>
+        </p:txBody>
+      </p:sp>
+      <p:sp>
+        <p:nvSpPr>
+          <p:cNvPr id="20" name="TextBox 19">
+            <a:extLst>
+              <a:ext uri="{FF2B5EF4-FFF2-40B4-BE49-F238E27FC236}">
+                <a16:creationId xmlns:a16="http://schemas.microsoft.com/office/drawing/2014/main" id="{EE0A1329-3ED2-43E7-BE1E-FBEF0AE972BE}"/>
+              </a:ext>
+            </a:extLst>
+          </p:cNvPr>
+          <p:cNvSpPr txBox="1"/>
+          <p:nvPr/>
+        </p:nvSpPr>
+        <p:spPr>
+          <a:xfrm>
+            <a:off x="4043189" y="3111391"/>
+            <a:ext cx="824842" cy="307777"/>
+          </a:xfrm>
+          <a:prstGeom prst="rect">
+            <a:avLst/>
+          </a:prstGeom>
+          <a:noFill/>
+        </p:spPr>
+        <p:txBody>
+          <a:bodyPr wrap="square" rtlCol="0">
+            <a:spAutoFit/>
+          </a:bodyPr>
+          <a:lstStyle/>
+          <a:p>
+            <a:pPr algn="ctr"/>
+            <a:r>
+              <a:rPr lang="en-US" altLang="ko-KR" sz="1400" dirty="0"/>
+              <a:t>Weight</a:t>
+            </a:r>
+            <a:endParaRPr lang="ko-KR" altLang="en-US" sz="1400" dirty="0"/>
+          </a:p>
+        </p:txBody>
+      </p:sp>
+      <p:sp>
+        <p:nvSpPr>
+          <p:cNvPr id="13" name="화살표: 오른쪽 12">
+            <a:extLst>
+              <a:ext uri="{FF2B5EF4-FFF2-40B4-BE49-F238E27FC236}">
+                <a16:creationId xmlns:a16="http://schemas.microsoft.com/office/drawing/2014/main" id="{F2C05862-CA8E-4059-85EB-EE10E9822C4C}"/>
+              </a:ext>
+            </a:extLst>
+          </p:cNvPr>
+          <p:cNvSpPr/>
+          <p:nvPr/>
+        </p:nvSpPr>
+        <p:spPr>
+          <a:xfrm>
+            <a:off x="6776672" y="3661543"/>
+            <a:ext cx="432972" cy="349779"/>
+          </a:xfrm>
+          <a:prstGeom prst="rightArrow">
+            <a:avLst>
+              <a:gd name="adj1" fmla="val 47222"/>
+              <a:gd name="adj2" fmla="val 68056"/>
+            </a:avLst>
+          </a:prstGeom>
+          <a:solidFill>
+            <a:schemeClr val="tx1"/>
+          </a:solidFill>
+          <a:ln w="76200">
+            <a:noFill/>
+          </a:ln>
+        </p:spPr>
+        <p:style>
+          <a:lnRef idx="2">
+            <a:schemeClr val="accent1">
+              <a:shade val="50000"/>
+            </a:schemeClr>
+          </a:lnRef>
+          <a:fillRef idx="1">
+            <a:schemeClr val="accent1"/>
+          </a:fillRef>
+          <a:effectRef idx="0">
+            <a:schemeClr val="accent1"/>
+          </a:effectRef>
+          <a:fontRef idx="minor">
+            <a:schemeClr val="lt1"/>
+          </a:fontRef>
+        </p:style>
+        <p:txBody>
+          <a:bodyPr rtlCol="0" anchor="ctr"/>
+          <a:lstStyle/>
+          <a:p>
+            <a:pPr algn="ctr"/>
+            <a:endParaRPr lang="ko-KR" altLang="en-US"/>
+          </a:p>
+        </p:txBody>
+      </p:sp>
+      <p:sp>
+        <p:nvSpPr>
+          <p:cNvPr id="15" name="화살표: 오른쪽 14">
+            <a:extLst>
+              <a:ext uri="{FF2B5EF4-FFF2-40B4-BE49-F238E27FC236}">
+                <a16:creationId xmlns:a16="http://schemas.microsoft.com/office/drawing/2014/main" id="{2F1067AD-363F-456D-AFA8-4A9F34EC2074}"/>
+              </a:ext>
+            </a:extLst>
+          </p:cNvPr>
+          <p:cNvSpPr/>
+          <p:nvPr/>
+        </p:nvSpPr>
+        <p:spPr>
+          <a:xfrm>
+            <a:off x="4237185" y="3661543"/>
+            <a:ext cx="432972" cy="349779"/>
+          </a:xfrm>
+          <a:prstGeom prst="rightArrow">
+            <a:avLst>
+              <a:gd name="adj1" fmla="val 47222"/>
+              <a:gd name="adj2" fmla="val 68056"/>
+            </a:avLst>
+          </a:prstGeom>
+          <a:solidFill>
+            <a:schemeClr val="tx1"/>
+          </a:solidFill>
+          <a:ln w="76200">
+            <a:noFill/>
+          </a:ln>
+        </p:spPr>
+        <p:style>
+          <a:lnRef idx="2">
+            <a:schemeClr val="accent1">
+              <a:shade val="50000"/>
+            </a:schemeClr>
+          </a:lnRef>
+          <a:fillRef idx="1">
+            <a:schemeClr val="accent1"/>
+          </a:fillRef>
+          <a:effectRef idx="0">
+            <a:schemeClr val="accent1"/>
+          </a:effectRef>
+          <a:fontRef idx="minor">
+            <a:schemeClr val="lt1"/>
+          </a:fontRef>
+        </p:style>
+        <p:txBody>
+          <a:bodyPr rtlCol="0" anchor="ctr"/>
+          <a:lstStyle/>
+          <a:p>
+            <a:pPr algn="ctr"/>
+            <a:endParaRPr lang="ko-KR" altLang="en-US"/>
+          </a:p>
+        </p:txBody>
+      </p:sp>
+    </p:spTree>
+    <p:extLst>
+      <p:ext uri="{BB962C8B-B14F-4D97-AF65-F5344CB8AC3E}">
+        <p14:creationId xmlns:p14="http://schemas.microsoft.com/office/powerpoint/2010/main" val="1781276334"/>
+      </p:ext>
+    </p:extLst>
+  </p:cSld>
+  <p:clrMapOvr>
+    <a:masterClrMapping/>
+  </p:clrMapOvr>
+  <mc:AlternateContent xmlns:mc="http://schemas.openxmlformats.org/markup-compatibility/2006" xmlns:p14="http://schemas.microsoft.com/office/powerpoint/2010/main">
+    <mc:Choice Requires="p14">
+      <p:transition spd="med" p14:dur="700">
+        <p:fade/>
+      </p:transition>
+    </mc:Choice>
+    <mc:Fallback xmlns="">
+      <p:transition spd="med">
+        <p:fade/>
+      </p:transition>
+    </mc:Fallback>
+  </mc:AlternateContent>
+</p:sld>
+</file>
+
+<file path=ppt/slides/slide12.xml><?xml version="1.0" encoding="utf-8"?>
+<p:sld xmlns:a="http://schemas.openxmlformats.org/drawingml/2006/main" xmlns:r="http://schemas.openxmlformats.org/officeDocument/2006/relationships" xmlns:p="http://schemas.openxmlformats.org/presentationml/2006/main">
+  <p:cSld>
+    <p:spTree>
+      <p:nvGrpSpPr>
+        <p:cNvPr id="1" name=""/>
+        <p:cNvGrpSpPr/>
+        <p:nvPr/>
+      </p:nvGrpSpPr>
+      <p:grpSpPr>
+        <a:xfrm>
+          <a:off x="0" y="0"/>
+          <a:ext cx="0" cy="0"/>
+          <a:chOff x="0" y="0"/>
+          <a:chExt cx="0" cy="0"/>
+        </a:xfrm>
+      </p:grpSpPr>
+      <p:sp>
+        <p:nvSpPr>
+          <p:cNvPr id="2" name="제목 1">
+            <a:extLst>
+              <a:ext uri="{FF2B5EF4-FFF2-40B4-BE49-F238E27FC236}">
+                <a16:creationId xmlns:a16="http://schemas.microsoft.com/office/drawing/2014/main" id="{20E10F42-3C4D-4DA0-83C7-982533B8A7A6}"/>
+              </a:ext>
+            </a:extLst>
+          </p:cNvPr>
+          <p:cNvSpPr>
+            <a:spLocks noGrp="1"/>
+          </p:cNvSpPr>
+          <p:nvPr>
+            <p:ph type="title"/>
+          </p:nvPr>
+        </p:nvSpPr>
+        <p:spPr/>
+        <p:txBody>
+          <a:bodyPr/>
+          <a:lstStyle/>
+          <a:p>
+            <a:r>
+              <a:rPr lang="en-US" altLang="ko-KR" dirty="0"/>
+              <a:t>Current Progress – Team B</a:t>
+            </a:r>
+            <a:endParaRPr lang="ko-KR" altLang="en-US" dirty="0"/>
+          </a:p>
+        </p:txBody>
+      </p:sp>
+      <p:pic>
+        <p:nvPicPr>
+          <p:cNvPr id="4" name="그림 3">
+            <a:hlinkClick r:id="" action="ppaction://noaction"/>
+            <a:extLst>
+              <a:ext uri="{FF2B5EF4-FFF2-40B4-BE49-F238E27FC236}">
+                <a16:creationId xmlns:a16="http://schemas.microsoft.com/office/drawing/2014/main" id="{86DF1427-FD62-4173-A112-DF852CE9EA83}"/>
+              </a:ext>
+            </a:extLst>
+          </p:cNvPr>
+          <p:cNvPicPr>
+            <a:picLocks noChangeAspect="1"/>
+          </p:cNvPicPr>
+          <p:nvPr/>
+        </p:nvPicPr>
+        <p:blipFill rotWithShape="1">
+          <a:blip r:embed="rId2">
+            <a:alphaModFix amt="50000"/>
+            <a:extLst>
+              <a:ext uri="{28A0092B-C50C-407E-A947-70E740481C1C}">
+                <a14:useLocalDpi xmlns:a14="http://schemas.microsoft.com/office/drawing/2010/main" val="0"/>
+              </a:ext>
+            </a:extLst>
+          </a:blip>
+          <a:srcRect l="34761" t="25054" r="35174" b="27076"/>
+          <a:stretch/>
+        </p:blipFill>
+        <p:spPr>
+          <a:xfrm>
+            <a:off x="10874189" y="5786345"/>
+            <a:ext cx="1317811" cy="1049103"/>
+          </a:xfrm>
+          <a:prstGeom prst="rect">
+            <a:avLst/>
+          </a:prstGeom>
+        </p:spPr>
+      </p:pic>
+      <p:pic>
+        <p:nvPicPr>
+          <p:cNvPr id="6" name="그림 5" descr="스크린샷이(가) 표시된 사진&#10;&#10;자동 생성된 설명">
+            <a:extLst>
+              <a:ext uri="{FF2B5EF4-FFF2-40B4-BE49-F238E27FC236}">
+                <a16:creationId xmlns:a16="http://schemas.microsoft.com/office/drawing/2014/main" id="{B8C9BB71-3094-4BB5-A212-E1E6134811FE}"/>
+              </a:ext>
+            </a:extLst>
+          </p:cNvPr>
+          <p:cNvPicPr>
+            <a:picLocks noChangeAspect="1"/>
+          </p:cNvPicPr>
+          <p:nvPr/>
+        </p:nvPicPr>
+        <p:blipFill>
+          <a:blip r:embed="rId3">
+            <a:extLst>
+              <a:ext uri="{28A0092B-C50C-407E-A947-70E740481C1C}">
+                <a14:useLocalDpi xmlns:a14="http://schemas.microsoft.com/office/drawing/2010/main" val="0"/>
+              </a:ext>
+            </a:extLst>
+          </a:blip>
+          <a:stretch>
+            <a:fillRect/>
+          </a:stretch>
+        </p:blipFill>
+        <p:spPr>
+          <a:xfrm>
+            <a:off x="8226117" y="1759328"/>
+            <a:ext cx="2769704" cy="3637196"/>
+          </a:xfrm>
+          <a:prstGeom prst="rect">
+            <a:avLst/>
+          </a:prstGeom>
+        </p:spPr>
+      </p:pic>
+      <p:pic>
+        <p:nvPicPr>
+          <p:cNvPr id="10" name="그림 9" descr="실외이(가) 표시된 사진&#10;&#10;자동 생성된 설명">
+            <a:extLst>
+              <a:ext uri="{FF2B5EF4-FFF2-40B4-BE49-F238E27FC236}">
+                <a16:creationId xmlns:a16="http://schemas.microsoft.com/office/drawing/2014/main" id="{9291B595-103E-4FFA-AF64-F9E24B28611E}"/>
+              </a:ext>
+            </a:extLst>
+          </p:cNvPr>
+          <p:cNvPicPr>
+            <a:picLocks noChangeAspect="1"/>
+          </p:cNvPicPr>
+          <p:nvPr/>
+        </p:nvPicPr>
+        <p:blipFill>
+          <a:blip r:embed="rId4">
+            <a:extLst>
+              <a:ext uri="{28A0092B-C50C-407E-A947-70E740481C1C}">
+                <a14:useLocalDpi xmlns:a14="http://schemas.microsoft.com/office/drawing/2010/main" val="0"/>
+              </a:ext>
+            </a:extLst>
+          </a:blip>
+          <a:stretch>
+            <a:fillRect/>
+          </a:stretch>
+        </p:blipFill>
+        <p:spPr>
+          <a:xfrm>
+            <a:off x="1893505" y="1759328"/>
+            <a:ext cx="920820" cy="3634816"/>
+          </a:xfrm>
+          <a:prstGeom prst="rect">
+            <a:avLst/>
+          </a:prstGeom>
+        </p:spPr>
+      </p:pic>
+      <p:sp>
+        <p:nvSpPr>
+          <p:cNvPr id="3" name="화살표: 오른쪽 2">
+            <a:extLst>
+              <a:ext uri="{FF2B5EF4-FFF2-40B4-BE49-F238E27FC236}">
+                <a16:creationId xmlns:a16="http://schemas.microsoft.com/office/drawing/2014/main" id="{6DD3ECFD-F726-4473-877E-890A88FB6906}"/>
+              </a:ext>
+            </a:extLst>
+          </p:cNvPr>
+          <p:cNvSpPr/>
+          <p:nvPr/>
+        </p:nvSpPr>
+        <p:spPr>
+          <a:xfrm>
+            <a:off x="5116426" y="3250528"/>
+            <a:ext cx="807589" cy="652416"/>
+          </a:xfrm>
+          <a:prstGeom prst="rightArrow">
+            <a:avLst>
+              <a:gd name="adj1" fmla="val 47222"/>
+              <a:gd name="adj2" fmla="val 68056"/>
+            </a:avLst>
+          </a:prstGeom>
+          <a:solidFill>
+            <a:schemeClr val="tx1"/>
+          </a:solidFill>
+          <a:ln w="76200">
+            <a:noFill/>
+          </a:ln>
+        </p:spPr>
+        <p:style>
+          <a:lnRef idx="2">
+            <a:schemeClr val="accent1">
+              <a:shade val="50000"/>
+            </a:schemeClr>
+          </a:lnRef>
+          <a:fillRef idx="1">
+            <a:schemeClr val="accent1"/>
+          </a:fillRef>
+          <a:effectRef idx="0">
+            <a:schemeClr val="accent1"/>
+          </a:effectRef>
+          <a:fontRef idx="minor">
+            <a:schemeClr val="lt1"/>
+          </a:fontRef>
+        </p:style>
+        <p:txBody>
+          <a:bodyPr rtlCol="0" anchor="ctr"/>
+          <a:lstStyle/>
+          <a:p>
+            <a:pPr algn="ctr"/>
+            <a:endParaRPr lang="ko-KR" altLang="en-US"/>
+          </a:p>
+        </p:txBody>
+      </p:sp>
+      <p:sp>
+        <p:nvSpPr>
+          <p:cNvPr id="5" name="직사각형 4">
+            <a:extLst>
+              <a:ext uri="{FF2B5EF4-FFF2-40B4-BE49-F238E27FC236}">
+                <a16:creationId xmlns:a16="http://schemas.microsoft.com/office/drawing/2014/main" id="{87B9BDBE-8A12-4A58-818F-190076173F85}"/>
+              </a:ext>
+            </a:extLst>
+          </p:cNvPr>
+          <p:cNvSpPr/>
+          <p:nvPr/>
+        </p:nvSpPr>
+        <p:spPr>
+          <a:xfrm>
+            <a:off x="1122648" y="5694926"/>
+            <a:ext cx="2462534" cy="369332"/>
+          </a:xfrm>
+          <a:prstGeom prst="rect">
+            <a:avLst/>
+          </a:prstGeom>
+        </p:spPr>
+        <p:txBody>
+          <a:bodyPr wrap="none">
+            <a:spAutoFit/>
+          </a:bodyPr>
+          <a:lstStyle/>
+          <a:p>
+            <a:r>
+              <a:rPr lang="en-US" altLang="ko-KR" dirty="0"/>
+              <a:t>Console Environment</a:t>
+            </a:r>
+            <a:endParaRPr lang="ko-KR" altLang="en-US" dirty="0"/>
+          </a:p>
+        </p:txBody>
+      </p:sp>
+      <p:sp>
+        <p:nvSpPr>
+          <p:cNvPr id="8" name="직사각형 7">
+            <a:extLst>
+              <a:ext uri="{FF2B5EF4-FFF2-40B4-BE49-F238E27FC236}">
+                <a16:creationId xmlns:a16="http://schemas.microsoft.com/office/drawing/2014/main" id="{08E59163-8052-4BD4-A9DA-EC25F7F374DD}"/>
+              </a:ext>
+            </a:extLst>
+          </p:cNvPr>
+          <p:cNvSpPr/>
+          <p:nvPr/>
+        </p:nvSpPr>
+        <p:spPr>
+          <a:xfrm>
+            <a:off x="8363672" y="5694926"/>
+            <a:ext cx="2494594" cy="369332"/>
+          </a:xfrm>
+          <a:prstGeom prst="rect">
+            <a:avLst/>
+          </a:prstGeom>
+        </p:spPr>
+        <p:txBody>
+          <a:bodyPr wrap="none">
+            <a:spAutoFit/>
+          </a:bodyPr>
+          <a:lstStyle/>
+          <a:p>
+            <a:r>
+              <a:rPr lang="en-US" altLang="ko-KR" dirty="0" err="1"/>
+              <a:t>PyGame</a:t>
+            </a:r>
+            <a:r>
+              <a:rPr lang="en-US" altLang="ko-KR" dirty="0"/>
+              <a:t> Environment</a:t>
+            </a:r>
+            <a:endParaRPr lang="ko-KR" altLang="en-US" dirty="0"/>
+          </a:p>
+        </p:txBody>
+      </p:sp>
+    </p:spTree>
+    <p:extLst>
+      <p:ext uri="{BB962C8B-B14F-4D97-AF65-F5344CB8AC3E}">
+        <p14:creationId xmlns:p14="http://schemas.microsoft.com/office/powerpoint/2010/main" val="3750406839"/>
+      </p:ext>
+    </p:extLst>
+  </p:cSld>
+  <p:clrMapOvr>
+    <a:masterClrMapping/>
+  </p:clrMapOvr>
+  <mc:AlternateContent xmlns:mc="http://schemas.openxmlformats.org/markup-compatibility/2006" xmlns:p14="http://schemas.microsoft.com/office/powerpoint/2010/main">
+    <mc:Choice Requires="p14">
+      <p:transition spd="med" p14:dur="700">
+        <p:fade/>
+      </p:transition>
+    </mc:Choice>
+    <mc:Fallback xmlns="">
+      <p:transition spd="med">
+        <p:fade/>
+      </p:transition>
+    </mc:Fallback>
+  </mc:AlternateContent>
+  <p:timing>
+    <p:tnLst>
+      <p:par>
+        <p:cTn id="1" dur="indefinite" restart="never" nodeType="tmRoot">
+          <p:childTnLst>
+            <p:seq concurrent="1" nextAc="seek">
+              <p:cTn id="2" dur="indefinite" nodeType="mainSeq">
+                <p:childTnLst>
+                  <p:par>
+                    <p:cTn id="3" fill="hold">
+                      <p:stCondLst>
+                        <p:cond delay="indefinite"/>
+                      </p:stCondLst>
+                      <p:childTnLst>
+                        <p:par>
+                          <p:cTn id="4" fill="hold">
+                            <p:stCondLst>
+                              <p:cond delay="0"/>
+                            </p:stCondLst>
+                            <p:childTnLst>
+                              <p:par>
+                                <p:cTn id="5" presetID="10" presetClass="entr" presetSubtype="0" fill="hold" grpId="0" nodeType="clickEffect">
+                                  <p:stCondLst>
+                                    <p:cond delay="0"/>
+                                  </p:stCondLst>
+                                  <p:childTnLst>
+                                    <p:set>
+                                      <p:cBhvr>
+                                        <p:cTn id="6" dur="1" fill="hold">
+                                          <p:stCondLst>
+                                            <p:cond delay="0"/>
+                                          </p:stCondLst>
+                                        </p:cTn>
+                                        <p:tgtEl>
+                                          <p:spTgt spid="3"/>
+                                        </p:tgtEl>
+                                        <p:attrNameLst>
+                                          <p:attrName>style.visibility</p:attrName>
+                                        </p:attrNameLst>
+                                      </p:cBhvr>
+                                      <p:to>
+                                        <p:strVal val="visible"/>
+                                      </p:to>
+                                    </p:set>
+                                    <p:animEffect transition="in" filter="fade">
+                                      <p:cBhvr>
+                                        <p:cTn id="7" dur="500"/>
+                                        <p:tgtEl>
+                                          <p:spTgt spid="3"/>
+                                        </p:tgtEl>
+                                      </p:cBhvr>
+                                    </p:animEffect>
+                                  </p:childTnLst>
+                                </p:cTn>
+                              </p:par>
+                            </p:childTnLst>
+                          </p:cTn>
+                        </p:par>
+                        <p:par>
+                          <p:cTn id="8" fill="hold">
+                            <p:stCondLst>
+                              <p:cond delay="500"/>
+                            </p:stCondLst>
+                            <p:childTnLst>
+                              <p:par>
+                                <p:cTn id="9" presetID="10" presetClass="entr" presetSubtype="0" fill="hold" nodeType="afterEffect">
+                                  <p:stCondLst>
+                                    <p:cond delay="0"/>
+                                  </p:stCondLst>
+                                  <p:childTnLst>
+                                    <p:set>
+                                      <p:cBhvr>
+                                        <p:cTn id="10" dur="1" fill="hold">
+                                          <p:stCondLst>
+                                            <p:cond delay="0"/>
+                                          </p:stCondLst>
+                                        </p:cTn>
+                                        <p:tgtEl>
+                                          <p:spTgt spid="6"/>
+                                        </p:tgtEl>
+                                        <p:attrNameLst>
+                                          <p:attrName>style.visibility</p:attrName>
+                                        </p:attrNameLst>
+                                      </p:cBhvr>
+                                      <p:to>
+                                        <p:strVal val="visible"/>
+                                      </p:to>
+                                    </p:set>
+                                    <p:animEffect transition="in" filter="fade">
+                                      <p:cBhvr>
+                                        <p:cTn id="11" dur="500"/>
+                                        <p:tgtEl>
+                                          <p:spTgt spid="6"/>
+                                        </p:tgtEl>
+                                      </p:cBhvr>
+                                    </p:animEffect>
+                                  </p:childTnLst>
+                                </p:cTn>
+                              </p:par>
+                              <p:par>
+                                <p:cTn id="12" presetID="10" presetClass="entr" presetSubtype="0" fill="hold" grpId="0" nodeType="withEffect">
+                                  <p:stCondLst>
+                                    <p:cond delay="0"/>
+                                  </p:stCondLst>
+                                  <p:childTnLst>
+                                    <p:set>
+                                      <p:cBhvr>
+                                        <p:cTn id="13" dur="1" fill="hold">
+                                          <p:stCondLst>
+                                            <p:cond delay="0"/>
+                                          </p:stCondLst>
+                                        </p:cTn>
+                                        <p:tgtEl>
+                                          <p:spTgt spid="8"/>
+                                        </p:tgtEl>
+                                        <p:attrNameLst>
+                                          <p:attrName>style.visibility</p:attrName>
+                                        </p:attrNameLst>
+                                      </p:cBhvr>
+                                      <p:to>
+                                        <p:strVal val="visible"/>
+                                      </p:to>
+                                    </p:set>
+                                    <p:animEffect transition="in" filter="fade">
+                                      <p:cBhvr>
+                                        <p:cTn id="14" dur="500"/>
+                                        <p:tgtEl>
+                                          <p:spTgt spid="8"/>
+                                        </p:tgtEl>
+                                      </p:cBhvr>
+                                    </p:animEffect>
+                                  </p:childTnLst>
+                                </p:cTn>
+                              </p:par>
+                            </p:childTnLst>
+                          </p:cTn>
+                        </p:par>
+                      </p:childTnLst>
+                    </p:cTn>
+                  </p:par>
+                </p:childTnLst>
+              </p:cTn>
+              <p:prevCondLst>
+                <p:cond evt="onPrev" delay="0">
+                  <p:tgtEl>
+                    <p:sldTgt/>
+                  </p:tgtEl>
+                </p:cond>
+              </p:prevCondLst>
+              <p:nextCondLst>
+                <p:cond evt="onNext" delay="0">
+                  <p:tgtEl>
+                    <p:sldTgt/>
+                  </p:tgtEl>
+                </p:cond>
+              </p:nextCondLst>
+            </p:seq>
+          </p:childTnLst>
+        </p:cTn>
+      </p:par>
+    </p:tnLst>
+    <p:bldLst>
+      <p:bldP spid="3" grpId="0" animBg="1"/>
+      <p:bldP spid="8" grpId="0"/>
+    </p:bldLst>
+  </p:timing>
+</p:sld>
+</file>
+
+<file path=ppt/slides/slide13.xml><?xml version="1.0" encoding="utf-8"?>
+<p:sld xmlns:a="http://schemas.openxmlformats.org/drawingml/2006/main" xmlns:r="http://schemas.openxmlformats.org/officeDocument/2006/relationships" xmlns:p="http://schemas.openxmlformats.org/presentationml/2006/main">
+  <p:cSld>
+    <p:spTree>
+      <p:nvGrpSpPr>
+        <p:cNvPr id="1" name=""/>
+        <p:cNvGrpSpPr/>
+        <p:nvPr/>
+      </p:nvGrpSpPr>
+      <p:grpSpPr>
+        <a:xfrm>
+          <a:off x="0" y="0"/>
+          <a:ext cx="0" cy="0"/>
+          <a:chOff x="0" y="0"/>
+          <a:chExt cx="0" cy="0"/>
+        </a:xfrm>
+      </p:grpSpPr>
+      <p:sp>
+        <p:nvSpPr>
+          <p:cNvPr id="202" name="TextShape 1"/>
+          <p:cNvSpPr txBox="1"/>
+          <p:nvPr/>
+        </p:nvSpPr>
+        <p:spPr>
+          <a:xfrm>
+            <a:off x="838080" y="365040"/>
+            <a:ext cx="10515240" cy="1325160"/>
+          </a:xfrm>
+          <a:prstGeom prst="rect">
+            <a:avLst/>
+          </a:prstGeom>
+          <a:noFill/>
+          <a:ln>
+            <a:noFill/>
+          </a:ln>
+        </p:spPr>
+        <p:txBody>
+          <a:bodyPr anchor="ctr"/>
+          <a:lstStyle/>
+          <a:p>
+            <a:pPr>
+              <a:lnSpc>
+                <a:spcPct val="90000"/>
+              </a:lnSpc>
+            </a:pPr>
+            <a:r>
+              <a:rPr lang="en-US" sz="4400" b="0" strike="noStrike" spc="-1" dirty="0">
+                <a:solidFill>
+                  <a:srgbClr val="FFFFFF"/>
+                </a:solidFill>
+                <a:latin typeface="나눔고딕"/>
+                <a:ea typeface="나눔고딕"/>
+              </a:rPr>
+              <a:t>Next Progress – Team B</a:t>
+            </a:r>
+            <a:endParaRPr lang="en-US" sz="4400" b="0" strike="noStrike" spc="-1" dirty="0">
+              <a:solidFill>
+                <a:srgbClr val="FFFFFF"/>
+              </a:solidFill>
+              <a:latin typeface="나눔고딕"/>
+            </a:endParaRPr>
+          </a:p>
+        </p:txBody>
+      </p:sp>
+      <p:pic>
+        <p:nvPicPr>
+          <p:cNvPr id="203" name="그림 3"/>
+          <p:cNvPicPr/>
+          <p:nvPr/>
+        </p:nvPicPr>
+        <p:blipFill>
+          <a:blip r:embed="rId2"/>
+          <a:srcRect l="34761" t="25054" r="35174" b="27076"/>
+          <a:stretch/>
+        </p:blipFill>
+        <p:spPr>
+          <a:xfrm>
+            <a:off x="10874160" y="5786280"/>
+            <a:ext cx="1317600" cy="1048680"/>
+          </a:xfrm>
+          <a:prstGeom prst="rect">
+            <a:avLst/>
+          </a:prstGeom>
+          <a:ln>
+            <a:noFill/>
+          </a:ln>
+        </p:spPr>
+      </p:pic>
+      <p:pic>
+        <p:nvPicPr>
+          <p:cNvPr id="204" name="그림 5"/>
+          <p:cNvPicPr/>
+          <p:nvPr/>
+        </p:nvPicPr>
+        <p:blipFill>
+          <a:blip r:embed="rId3"/>
+          <a:stretch/>
+        </p:blipFill>
+        <p:spPr>
+          <a:xfrm>
+            <a:off x="614520" y="1856816"/>
+            <a:ext cx="2769480" cy="3636720"/>
+          </a:xfrm>
+          <a:prstGeom prst="rect">
+            <a:avLst/>
+          </a:prstGeom>
+          <a:ln>
+            <a:noFill/>
+          </a:ln>
+        </p:spPr>
+      </p:pic>
+      <p:sp>
+        <p:nvSpPr>
+          <p:cNvPr id="205" name="CustomShape 2"/>
+          <p:cNvSpPr/>
+          <p:nvPr/>
+        </p:nvSpPr>
+        <p:spPr>
+          <a:xfrm>
+            <a:off x="2342520" y="2667176"/>
+            <a:ext cx="1041480" cy="2016000"/>
+          </a:xfrm>
+          <a:prstGeom prst="rect">
+            <a:avLst/>
+          </a:prstGeom>
+          <a:solidFill>
+            <a:srgbClr val="000000"/>
+          </a:solidFill>
+          <a:ln>
+            <a:noFill/>
+          </a:ln>
+        </p:spPr>
+        <p:style>
+          <a:lnRef idx="0">
+            <a:scrgbClr r="0" g="0" b="0"/>
+          </a:lnRef>
+          <a:fillRef idx="0">
+            <a:scrgbClr r="0" g="0" b="0"/>
+          </a:fillRef>
+          <a:effectRef idx="0">
+            <a:scrgbClr r="0" g="0" b="0"/>
+          </a:effectRef>
+          <a:fontRef idx="minor"/>
+        </p:style>
+        <p:txBody>
+          <a:bodyPr wrap="none" lIns="90000" tIns="45000" rIns="90000" bIns="45000" anchor="ctr"/>
+          <a:lstStyle/>
+          <a:p>
+            <a:pPr algn="ctr"/>
+            <a:r>
+              <a:rPr lang="en-US" sz="1800" b="0" strike="noStrike" spc="-1">
+                <a:latin typeface="나눔고딕"/>
+              </a:rPr>
+              <a:t>Map</a:t>
+            </a:r>
+          </a:p>
+        </p:txBody>
+      </p:sp>
+      <p:sp>
+        <p:nvSpPr>
+          <p:cNvPr id="206" name="CustomShape 3"/>
+          <p:cNvSpPr/>
+          <p:nvPr/>
+        </p:nvSpPr>
+        <p:spPr>
+          <a:xfrm>
+            <a:off x="4392000" y="3204000"/>
+            <a:ext cx="1830600" cy="936000"/>
+          </a:xfrm>
+          <a:prstGeom prst="rect">
+            <a:avLst/>
+          </a:prstGeom>
+          <a:solidFill>
+            <a:srgbClr val="000000"/>
+          </a:solidFill>
+          <a:ln>
+            <a:solidFill>
+              <a:srgbClr val="3465A4"/>
+            </a:solidFill>
+          </a:ln>
+        </p:spPr>
+        <p:style>
+          <a:lnRef idx="0">
+            <a:scrgbClr r="0" g="0" b="0"/>
+          </a:lnRef>
+          <a:fillRef idx="0">
+            <a:scrgbClr r="0" g="0" b="0"/>
+          </a:fillRef>
+          <a:effectRef idx="0">
+            <a:scrgbClr r="0" g="0" b="0"/>
+          </a:effectRef>
+          <a:fontRef idx="minor"/>
+        </p:style>
+        <p:txBody>
+          <a:bodyPr wrap="none" lIns="90000" tIns="45000" rIns="90000" bIns="45000" anchor="ctr"/>
+          <a:lstStyle/>
+          <a:p>
+            <a:pPr algn="ctr"/>
+            <a:r>
+              <a:rPr lang="en-US" sz="1800" b="0" strike="noStrike" spc="-1">
+                <a:latin typeface="나눔고딕"/>
+              </a:rPr>
+              <a:t>Chromosome</a:t>
+            </a:r>
+          </a:p>
+        </p:txBody>
+      </p:sp>
+      <p:sp>
+        <p:nvSpPr>
+          <p:cNvPr id="207" name="CustomShape 4"/>
+          <p:cNvSpPr/>
+          <p:nvPr/>
+        </p:nvSpPr>
+        <p:spPr>
+          <a:xfrm>
+            <a:off x="6840000" y="4320000"/>
+            <a:ext cx="1830600" cy="936000"/>
+          </a:xfrm>
+          <a:prstGeom prst="rect">
+            <a:avLst/>
+          </a:prstGeom>
+          <a:solidFill>
+            <a:srgbClr val="000000"/>
+          </a:solidFill>
+          <a:ln>
+            <a:solidFill>
+              <a:srgbClr val="3465A4"/>
+            </a:solidFill>
+          </a:ln>
+        </p:spPr>
+        <p:style>
+          <a:lnRef idx="0">
+            <a:scrgbClr r="0" g="0" b="0"/>
+          </a:lnRef>
+          <a:fillRef idx="0">
+            <a:scrgbClr r="0" g="0" b="0"/>
+          </a:fillRef>
+          <a:effectRef idx="0">
+            <a:scrgbClr r="0" g="0" b="0"/>
+          </a:effectRef>
+          <a:fontRef idx="minor"/>
+        </p:style>
+        <p:txBody>
+          <a:bodyPr wrap="none" lIns="90000" tIns="45000" rIns="90000" bIns="45000" anchor="ctr"/>
+          <a:lstStyle/>
+          <a:p>
+            <a:pPr algn="ctr"/>
+            <a:r>
+              <a:rPr lang="en-US" sz="1800" b="0" strike="noStrike" spc="-1">
+                <a:latin typeface="나눔고딕"/>
+              </a:rPr>
+              <a:t>Chromosome</a:t>
+            </a:r>
+          </a:p>
+        </p:txBody>
+      </p:sp>
+      <p:sp>
+        <p:nvSpPr>
+          <p:cNvPr id="208" name="CustomShape 5"/>
+          <p:cNvSpPr/>
+          <p:nvPr/>
+        </p:nvSpPr>
+        <p:spPr>
+          <a:xfrm>
+            <a:off x="4392000" y="2088000"/>
+            <a:ext cx="1830600" cy="936000"/>
+          </a:xfrm>
+          <a:prstGeom prst="rect">
+            <a:avLst/>
+          </a:prstGeom>
+          <a:solidFill>
+            <a:srgbClr val="000000"/>
+          </a:solidFill>
+          <a:ln>
+            <a:solidFill>
+              <a:srgbClr val="3465A4"/>
+            </a:solidFill>
+          </a:ln>
+        </p:spPr>
+        <p:style>
+          <a:lnRef idx="0">
+            <a:scrgbClr r="0" g="0" b="0"/>
+          </a:lnRef>
+          <a:fillRef idx="0">
+            <a:scrgbClr r="0" g="0" b="0"/>
+          </a:fillRef>
+          <a:effectRef idx="0">
+            <a:scrgbClr r="0" g="0" b="0"/>
+          </a:effectRef>
+          <a:fontRef idx="minor"/>
+        </p:style>
+        <p:txBody>
+          <a:bodyPr wrap="none" lIns="90000" tIns="45000" rIns="90000" bIns="45000" anchor="ctr"/>
+          <a:lstStyle/>
+          <a:p>
+            <a:pPr algn="ctr"/>
+            <a:r>
+              <a:rPr lang="en-US" sz="1800" b="0" strike="noStrike" spc="-1">
+                <a:latin typeface="나눔고딕"/>
+              </a:rPr>
+              <a:t>Chromosome</a:t>
+            </a:r>
+          </a:p>
+        </p:txBody>
+      </p:sp>
+      <p:sp>
+        <p:nvSpPr>
+          <p:cNvPr id="209" name="Line 6"/>
+          <p:cNvSpPr/>
+          <p:nvPr/>
+        </p:nvSpPr>
+        <p:spPr>
+          <a:xfrm flipV="1">
+            <a:off x="3384000" y="2520000"/>
+            <a:ext cx="1008000" cy="1152000"/>
+          </a:xfrm>
+          <a:prstGeom prst="line">
+            <a:avLst/>
+          </a:prstGeom>
+          <a:ln>
+            <a:solidFill>
+              <a:srgbClr val="FFFFFF"/>
+            </a:solidFill>
+            <a:tailEnd type="triangle" w="med" len="med"/>
+          </a:ln>
+        </p:spPr>
+        <p:style>
+          <a:lnRef idx="0">
+            <a:scrgbClr r="0" g="0" b="0"/>
+          </a:lnRef>
+          <a:fillRef idx="0">
+            <a:scrgbClr r="0" g="0" b="0"/>
+          </a:fillRef>
+          <a:effectRef idx="0">
+            <a:scrgbClr r="0" g="0" b="0"/>
+          </a:effectRef>
+          <a:fontRef idx="minor"/>
+        </p:style>
+      </p:sp>
+      <p:sp>
+        <p:nvSpPr>
+          <p:cNvPr id="210" name="Line 7"/>
+          <p:cNvSpPr/>
+          <p:nvPr/>
+        </p:nvSpPr>
+        <p:spPr>
+          <a:xfrm>
+            <a:off x="3384000" y="3672360"/>
+            <a:ext cx="1008000" cy="0"/>
+          </a:xfrm>
+          <a:prstGeom prst="line">
+            <a:avLst/>
+          </a:prstGeom>
+          <a:ln>
+            <a:solidFill>
+              <a:srgbClr val="FFFFFF"/>
+            </a:solidFill>
+            <a:tailEnd type="triangle" w="med" len="med"/>
+          </a:ln>
+        </p:spPr>
+        <p:style>
+          <a:lnRef idx="0">
+            <a:scrgbClr r="0" g="0" b="0"/>
+          </a:lnRef>
+          <a:fillRef idx="0">
+            <a:scrgbClr r="0" g="0" b="0"/>
+          </a:fillRef>
+          <a:effectRef idx="0">
+            <a:scrgbClr r="0" g="0" b="0"/>
+          </a:effectRef>
+          <a:fontRef idx="minor"/>
+        </p:style>
+      </p:sp>
+      <p:sp>
+        <p:nvSpPr>
+          <p:cNvPr id="211" name="Line 8"/>
+          <p:cNvSpPr/>
+          <p:nvPr/>
+        </p:nvSpPr>
+        <p:spPr>
+          <a:xfrm>
+            <a:off x="3384000" y="3672360"/>
+            <a:ext cx="1008000" cy="1151640"/>
+          </a:xfrm>
+          <a:prstGeom prst="line">
+            <a:avLst/>
+          </a:prstGeom>
+          <a:ln>
+            <a:solidFill>
+              <a:srgbClr val="FFFFFF"/>
+            </a:solidFill>
+            <a:tailEnd type="triangle" w="med" len="med"/>
+          </a:ln>
+        </p:spPr>
+        <p:style>
+          <a:lnRef idx="0">
+            <a:scrgbClr r="0" g="0" b="0"/>
+          </a:lnRef>
+          <a:fillRef idx="0">
+            <a:scrgbClr r="0" g="0" b="0"/>
+          </a:fillRef>
+          <a:effectRef idx="0">
+            <a:scrgbClr r="0" g="0" b="0"/>
+          </a:effectRef>
+          <a:fontRef idx="minor"/>
+        </p:style>
+      </p:sp>
+      <p:sp>
+        <p:nvSpPr>
+          <p:cNvPr id="212" name="CustomShape 9"/>
+          <p:cNvSpPr/>
+          <p:nvPr/>
+        </p:nvSpPr>
+        <p:spPr>
+          <a:xfrm>
+            <a:off x="6840000" y="3204000"/>
+            <a:ext cx="1830600" cy="936000"/>
+          </a:xfrm>
+          <a:prstGeom prst="rect">
+            <a:avLst/>
+          </a:prstGeom>
+          <a:solidFill>
+            <a:srgbClr val="000000"/>
+          </a:solidFill>
+          <a:ln>
+            <a:solidFill>
+              <a:srgbClr val="3465A4"/>
+            </a:solidFill>
+          </a:ln>
+        </p:spPr>
+        <p:style>
+          <a:lnRef idx="0">
+            <a:scrgbClr r="0" g="0" b="0"/>
+          </a:lnRef>
+          <a:fillRef idx="0">
+            <a:scrgbClr r="0" g="0" b="0"/>
+          </a:fillRef>
+          <a:effectRef idx="0">
+            <a:scrgbClr r="0" g="0" b="0"/>
+          </a:effectRef>
+          <a:fontRef idx="minor"/>
+        </p:style>
+        <p:txBody>
+          <a:bodyPr wrap="none" lIns="90000" tIns="45000" rIns="90000" bIns="45000" anchor="ctr"/>
+          <a:lstStyle/>
+          <a:p>
+            <a:pPr algn="ctr"/>
+            <a:r>
+              <a:rPr lang="en-US" sz="1800" b="0" strike="noStrike" spc="-1">
+                <a:latin typeface="나눔고딕"/>
+              </a:rPr>
+              <a:t>Chromosome</a:t>
+            </a:r>
+          </a:p>
+        </p:txBody>
+      </p:sp>
+      <p:sp>
+        <p:nvSpPr>
+          <p:cNvPr id="213" name="CustomShape 10"/>
+          <p:cNvSpPr/>
+          <p:nvPr/>
+        </p:nvSpPr>
+        <p:spPr>
+          <a:xfrm>
+            <a:off x="4392000" y="4320000"/>
+            <a:ext cx="1830600" cy="936000"/>
+          </a:xfrm>
+          <a:prstGeom prst="rect">
+            <a:avLst/>
+          </a:prstGeom>
+          <a:solidFill>
+            <a:srgbClr val="000000"/>
+          </a:solidFill>
+          <a:ln>
+            <a:solidFill>
+              <a:srgbClr val="3465A4"/>
+            </a:solidFill>
+          </a:ln>
+        </p:spPr>
+        <p:style>
+          <a:lnRef idx="0">
+            <a:scrgbClr r="0" g="0" b="0"/>
+          </a:lnRef>
+          <a:fillRef idx="0">
+            <a:scrgbClr r="0" g="0" b="0"/>
+          </a:fillRef>
+          <a:effectRef idx="0">
+            <a:scrgbClr r="0" g="0" b="0"/>
+          </a:effectRef>
+          <a:fontRef idx="minor"/>
+        </p:style>
+        <p:txBody>
+          <a:bodyPr wrap="none" lIns="90000" tIns="45000" rIns="90000" bIns="45000" anchor="ctr"/>
+          <a:lstStyle/>
+          <a:p>
+            <a:pPr algn="ctr"/>
+            <a:r>
+              <a:rPr lang="en-US" sz="1800" b="0" strike="noStrike" spc="-1">
+                <a:latin typeface="나눔고딕"/>
+              </a:rPr>
+              <a:t>Chromosome</a:t>
+            </a:r>
+          </a:p>
+        </p:txBody>
+      </p:sp>
+      <p:sp>
+        <p:nvSpPr>
+          <p:cNvPr id="214" name="CustomShape 11"/>
+          <p:cNvSpPr/>
+          <p:nvPr/>
+        </p:nvSpPr>
+        <p:spPr>
+          <a:xfrm>
+            <a:off x="6840000" y="2088000"/>
+            <a:ext cx="1830600" cy="936000"/>
+          </a:xfrm>
+          <a:prstGeom prst="rect">
+            <a:avLst/>
+          </a:prstGeom>
+          <a:solidFill>
+            <a:srgbClr val="000000"/>
+          </a:solidFill>
+          <a:ln>
+            <a:solidFill>
+              <a:srgbClr val="3465A4"/>
+            </a:solidFill>
+          </a:ln>
+        </p:spPr>
+        <p:style>
+          <a:lnRef idx="0">
+            <a:scrgbClr r="0" g="0" b="0"/>
+          </a:lnRef>
+          <a:fillRef idx="0">
+            <a:scrgbClr r="0" g="0" b="0"/>
+          </a:fillRef>
+          <a:effectRef idx="0">
+            <a:scrgbClr r="0" g="0" b="0"/>
+          </a:effectRef>
+          <a:fontRef idx="minor"/>
+        </p:style>
+        <p:txBody>
+          <a:bodyPr wrap="none" lIns="90000" tIns="45000" rIns="90000" bIns="45000" anchor="ctr"/>
+          <a:lstStyle/>
+          <a:p>
+            <a:pPr algn="ctr"/>
+            <a:r>
+              <a:rPr lang="en-US" sz="1800" b="0" strike="noStrike" spc="-1">
+                <a:latin typeface="나눔고딕"/>
+              </a:rPr>
+              <a:t>Chromosome</a:t>
+            </a:r>
+          </a:p>
+        </p:txBody>
+      </p:sp>
+      <p:sp>
+        <p:nvSpPr>
+          <p:cNvPr id="215" name="Line 12"/>
+          <p:cNvSpPr/>
+          <p:nvPr/>
+        </p:nvSpPr>
+        <p:spPr>
+          <a:xfrm>
+            <a:off x="6222600" y="3672000"/>
+            <a:ext cx="617400" cy="0"/>
+          </a:xfrm>
+          <a:prstGeom prst="line">
+            <a:avLst/>
+          </a:prstGeom>
+          <a:ln>
+            <a:solidFill>
+              <a:srgbClr val="FFFFFF"/>
+            </a:solidFill>
+            <a:tailEnd type="triangle" w="med" len="med"/>
+          </a:ln>
+        </p:spPr>
+        <p:style>
+          <a:lnRef idx="0">
+            <a:scrgbClr r="0" g="0" b="0"/>
+          </a:lnRef>
+          <a:fillRef idx="0">
+            <a:scrgbClr r="0" g="0" b="0"/>
+          </a:fillRef>
+          <a:effectRef idx="0">
+            <a:scrgbClr r="0" g="0" b="0"/>
+          </a:effectRef>
+          <a:fontRef idx="minor"/>
+        </p:style>
+      </p:sp>
+      <p:sp>
+        <p:nvSpPr>
+          <p:cNvPr id="216" name="Line 13"/>
+          <p:cNvSpPr/>
+          <p:nvPr/>
+        </p:nvSpPr>
+        <p:spPr>
+          <a:xfrm>
+            <a:off x="6222600" y="3672000"/>
+            <a:ext cx="617400" cy="1152000"/>
+          </a:xfrm>
+          <a:prstGeom prst="line">
+            <a:avLst/>
+          </a:prstGeom>
+          <a:ln>
+            <a:solidFill>
+              <a:srgbClr val="FFFFFF"/>
+            </a:solidFill>
+            <a:tailEnd type="triangle" w="med" len="med"/>
+          </a:ln>
+        </p:spPr>
+        <p:style>
+          <a:lnRef idx="0">
+            <a:scrgbClr r="0" g="0" b="0"/>
+          </a:lnRef>
+          <a:fillRef idx="0">
+            <a:scrgbClr r="0" g="0" b="0"/>
+          </a:fillRef>
+          <a:effectRef idx="0">
+            <a:scrgbClr r="0" g="0" b="0"/>
+          </a:effectRef>
+          <a:fontRef idx="minor"/>
+        </p:style>
+      </p:sp>
+      <p:sp>
+        <p:nvSpPr>
+          <p:cNvPr id="217" name="Line 14"/>
+          <p:cNvSpPr/>
+          <p:nvPr/>
+        </p:nvSpPr>
+        <p:spPr>
+          <a:xfrm flipV="1">
+            <a:off x="6222600" y="2448000"/>
+            <a:ext cx="617400" cy="1224000"/>
+          </a:xfrm>
+          <a:prstGeom prst="line">
+            <a:avLst/>
+          </a:prstGeom>
+          <a:ln>
+            <a:solidFill>
+              <a:srgbClr val="FFFFFF"/>
+            </a:solidFill>
+            <a:tailEnd type="triangle" w="med" len="med"/>
+          </a:ln>
+        </p:spPr>
+        <p:style>
+          <a:lnRef idx="0">
+            <a:scrgbClr r="0" g="0" b="0"/>
+          </a:lnRef>
+          <a:fillRef idx="0">
+            <a:scrgbClr r="0" g="0" b="0"/>
+          </a:fillRef>
+          <a:effectRef idx="0">
+            <a:scrgbClr r="0" g="0" b="0"/>
+          </a:effectRef>
+          <a:fontRef idx="minor"/>
+        </p:style>
+      </p:sp>
+      <p:sp>
+        <p:nvSpPr>
+          <p:cNvPr id="218" name="Line 15"/>
+          <p:cNvSpPr/>
+          <p:nvPr/>
+        </p:nvSpPr>
+        <p:spPr>
+          <a:xfrm flipV="1">
+            <a:off x="6222600" y="3672000"/>
+            <a:ext cx="617400" cy="1224000"/>
+          </a:xfrm>
+          <a:prstGeom prst="line">
+            <a:avLst/>
+          </a:prstGeom>
+          <a:ln>
+            <a:solidFill>
+              <a:srgbClr val="FFFFFF"/>
+            </a:solidFill>
+            <a:tailEnd type="triangle" w="med" len="med"/>
+          </a:ln>
+        </p:spPr>
+        <p:style>
+          <a:lnRef idx="0">
+            <a:scrgbClr r="0" g="0" b="0"/>
+          </a:lnRef>
+          <a:fillRef idx="0">
+            <a:scrgbClr r="0" g="0" b="0"/>
+          </a:fillRef>
+          <a:effectRef idx="0">
+            <a:scrgbClr r="0" g="0" b="0"/>
+          </a:effectRef>
+          <a:fontRef idx="minor"/>
+        </p:style>
+      </p:sp>
+      <p:sp>
+        <p:nvSpPr>
+          <p:cNvPr id="219" name="Line 16"/>
+          <p:cNvSpPr/>
+          <p:nvPr/>
+        </p:nvSpPr>
+        <p:spPr>
+          <a:xfrm flipV="1">
+            <a:off x="6222600" y="2448000"/>
+            <a:ext cx="617400" cy="2448360"/>
+          </a:xfrm>
+          <a:prstGeom prst="line">
+            <a:avLst/>
+          </a:prstGeom>
+          <a:ln>
+            <a:solidFill>
+              <a:srgbClr val="FFFFFF"/>
+            </a:solidFill>
+            <a:tailEnd type="triangle" w="med" len="med"/>
+          </a:ln>
+        </p:spPr>
+        <p:style>
+          <a:lnRef idx="0">
+            <a:scrgbClr r="0" g="0" b="0"/>
+          </a:lnRef>
+          <a:fillRef idx="0">
+            <a:scrgbClr r="0" g="0" b="0"/>
+          </a:fillRef>
+          <a:effectRef idx="0">
+            <a:scrgbClr r="0" g="0" b="0"/>
+          </a:effectRef>
+          <a:fontRef idx="minor"/>
+        </p:style>
+      </p:sp>
+      <p:sp>
+        <p:nvSpPr>
+          <p:cNvPr id="220" name="Line 17"/>
+          <p:cNvSpPr/>
+          <p:nvPr/>
+        </p:nvSpPr>
+        <p:spPr>
+          <a:xfrm flipV="1">
+            <a:off x="6229080" y="4896000"/>
+            <a:ext cx="610920" cy="720"/>
+          </a:xfrm>
+          <a:prstGeom prst="line">
+            <a:avLst/>
+          </a:prstGeom>
+          <a:ln>
+            <a:solidFill>
+              <a:srgbClr val="FFFFFF"/>
+            </a:solidFill>
+            <a:tailEnd type="triangle" w="med" len="med"/>
+          </a:ln>
+        </p:spPr>
+        <p:style>
+          <a:lnRef idx="0">
+            <a:scrgbClr r="0" g="0" b="0"/>
+          </a:lnRef>
+          <a:fillRef idx="0">
+            <a:scrgbClr r="0" g="0" b="0"/>
+          </a:fillRef>
+          <a:effectRef idx="0">
+            <a:scrgbClr r="0" g="0" b="0"/>
+          </a:effectRef>
+          <a:fontRef idx="minor"/>
+        </p:style>
+      </p:sp>
+      <p:sp>
+        <p:nvSpPr>
+          <p:cNvPr id="221" name="CustomShape 18"/>
+          <p:cNvSpPr/>
+          <p:nvPr/>
+        </p:nvSpPr>
+        <p:spPr>
+          <a:xfrm>
+            <a:off x="9329400" y="4320000"/>
+            <a:ext cx="1830600" cy="936000"/>
+          </a:xfrm>
+          <a:prstGeom prst="rect">
+            <a:avLst/>
+          </a:prstGeom>
+          <a:solidFill>
+            <a:srgbClr val="000000"/>
+          </a:solidFill>
+          <a:ln>
+            <a:solidFill>
+              <a:srgbClr val="3465A4"/>
+            </a:solidFill>
+          </a:ln>
+        </p:spPr>
+        <p:style>
+          <a:lnRef idx="0">
+            <a:scrgbClr r="0" g="0" b="0"/>
+          </a:lnRef>
+          <a:fillRef idx="0">
+            <a:scrgbClr r="0" g="0" b="0"/>
+          </a:fillRef>
+          <a:effectRef idx="0">
+            <a:scrgbClr r="0" g="0" b="0"/>
+          </a:effectRef>
+          <a:fontRef idx="minor"/>
+        </p:style>
+        <p:txBody>
+          <a:bodyPr wrap="none" lIns="90000" tIns="45000" rIns="90000" bIns="45000" anchor="ctr"/>
+          <a:lstStyle/>
+          <a:p>
+            <a:pPr algn="ctr"/>
+            <a:r>
+              <a:rPr lang="en-US" sz="1800" b="0" strike="noStrike" spc="-1">
+                <a:latin typeface="나눔고딕"/>
+              </a:rPr>
+              <a:t>Chromosome</a:t>
+            </a:r>
+          </a:p>
+        </p:txBody>
+      </p:sp>
+      <p:sp>
+        <p:nvSpPr>
+          <p:cNvPr id="222" name="CustomShape 19"/>
+          <p:cNvSpPr/>
+          <p:nvPr/>
+        </p:nvSpPr>
+        <p:spPr>
+          <a:xfrm>
+            <a:off x="9329400" y="3204000"/>
+            <a:ext cx="1830600" cy="936000"/>
+          </a:xfrm>
+          <a:prstGeom prst="rect">
+            <a:avLst/>
+          </a:prstGeom>
+          <a:solidFill>
+            <a:srgbClr val="000000"/>
+          </a:solidFill>
+          <a:ln>
+            <a:solidFill>
+              <a:srgbClr val="3465A4"/>
+            </a:solidFill>
+          </a:ln>
+        </p:spPr>
+        <p:style>
+          <a:lnRef idx="0">
+            <a:scrgbClr r="0" g="0" b="0"/>
+          </a:lnRef>
+          <a:fillRef idx="0">
+            <a:scrgbClr r="0" g="0" b="0"/>
+          </a:fillRef>
+          <a:effectRef idx="0">
+            <a:scrgbClr r="0" g="0" b="0"/>
+          </a:effectRef>
+          <a:fontRef idx="minor"/>
+        </p:style>
+        <p:txBody>
+          <a:bodyPr wrap="none" lIns="90000" tIns="45000" rIns="90000" bIns="45000" anchor="ctr"/>
+          <a:lstStyle/>
+          <a:p>
+            <a:pPr algn="ctr"/>
+            <a:r>
+              <a:rPr lang="en-US" sz="1800" b="0" strike="noStrike" spc="-1">
+                <a:latin typeface="나눔고딕"/>
+              </a:rPr>
+              <a:t>Chromosome</a:t>
+            </a:r>
+          </a:p>
+        </p:txBody>
+      </p:sp>
+      <p:sp>
+        <p:nvSpPr>
+          <p:cNvPr id="223" name="CustomShape 20"/>
+          <p:cNvSpPr/>
+          <p:nvPr/>
+        </p:nvSpPr>
+        <p:spPr>
+          <a:xfrm>
+            <a:off x="9329400" y="2088000"/>
+            <a:ext cx="1830600" cy="936000"/>
+          </a:xfrm>
+          <a:prstGeom prst="rect">
+            <a:avLst/>
+          </a:prstGeom>
+          <a:solidFill>
+            <a:srgbClr val="000000"/>
+          </a:solidFill>
+          <a:ln>
+            <a:solidFill>
+              <a:srgbClr val="3465A4"/>
+            </a:solidFill>
+          </a:ln>
+        </p:spPr>
+        <p:style>
+          <a:lnRef idx="0">
+            <a:scrgbClr r="0" g="0" b="0"/>
+          </a:lnRef>
+          <a:fillRef idx="0">
+            <a:scrgbClr r="0" g="0" b="0"/>
+          </a:fillRef>
+          <a:effectRef idx="0">
+            <a:scrgbClr r="0" g="0" b="0"/>
+          </a:effectRef>
+          <a:fontRef idx="minor"/>
+        </p:style>
+        <p:txBody>
+          <a:bodyPr wrap="none" lIns="90000" tIns="45000" rIns="90000" bIns="45000" anchor="ctr"/>
+          <a:lstStyle/>
+          <a:p>
+            <a:pPr algn="ctr"/>
+            <a:r>
+              <a:rPr lang="en-US" sz="1800" b="0" strike="noStrike" spc="-1">
+                <a:latin typeface="나눔고딕"/>
+              </a:rPr>
+              <a:t>Chromosome</a:t>
+            </a:r>
+          </a:p>
+        </p:txBody>
+      </p:sp>
+      <p:sp>
+        <p:nvSpPr>
+          <p:cNvPr id="224" name="Line 21"/>
+          <p:cNvSpPr/>
+          <p:nvPr/>
+        </p:nvSpPr>
+        <p:spPr>
+          <a:xfrm>
+            <a:off x="8670600" y="2448000"/>
+            <a:ext cx="658800" cy="1224000"/>
+          </a:xfrm>
+          <a:prstGeom prst="line">
+            <a:avLst/>
+          </a:prstGeom>
+          <a:ln>
+            <a:solidFill>
+              <a:srgbClr val="FFFFFF"/>
+            </a:solidFill>
+            <a:tailEnd type="triangle" w="med" len="med"/>
+          </a:ln>
+        </p:spPr>
+        <p:style>
+          <a:lnRef idx="0">
+            <a:scrgbClr r="0" g="0" b="0"/>
+          </a:lnRef>
+          <a:fillRef idx="0">
+            <a:scrgbClr r="0" g="0" b="0"/>
+          </a:fillRef>
+          <a:effectRef idx="0">
+            <a:scrgbClr r="0" g="0" b="0"/>
+          </a:effectRef>
+          <a:fontRef idx="minor"/>
+        </p:style>
+      </p:sp>
+      <p:sp>
+        <p:nvSpPr>
+          <p:cNvPr id="225" name="Line 22"/>
+          <p:cNvSpPr/>
+          <p:nvPr/>
+        </p:nvSpPr>
+        <p:spPr>
+          <a:xfrm>
+            <a:off x="8670600" y="2520000"/>
+            <a:ext cx="658800" cy="2304000"/>
+          </a:xfrm>
+          <a:prstGeom prst="line">
+            <a:avLst/>
+          </a:prstGeom>
+          <a:ln>
+            <a:solidFill>
+              <a:srgbClr val="FFFFFF"/>
+            </a:solidFill>
+            <a:tailEnd type="triangle" w="med" len="med"/>
+          </a:ln>
+        </p:spPr>
+        <p:style>
+          <a:lnRef idx="0">
+            <a:scrgbClr r="0" g="0" b="0"/>
+          </a:lnRef>
+          <a:fillRef idx="0">
+            <a:scrgbClr r="0" g="0" b="0"/>
+          </a:fillRef>
+          <a:effectRef idx="0">
+            <a:scrgbClr r="0" g="0" b="0"/>
+          </a:effectRef>
+          <a:fontRef idx="minor"/>
+        </p:style>
+      </p:sp>
+      <p:sp>
+        <p:nvSpPr>
+          <p:cNvPr id="226" name="Line 23"/>
+          <p:cNvSpPr/>
+          <p:nvPr/>
+        </p:nvSpPr>
+        <p:spPr>
+          <a:xfrm>
+            <a:off x="8670600" y="2448000"/>
+            <a:ext cx="658800" cy="0"/>
+          </a:xfrm>
+          <a:prstGeom prst="line">
+            <a:avLst/>
+          </a:prstGeom>
+          <a:ln>
+            <a:solidFill>
+              <a:srgbClr val="FFFFFF"/>
+            </a:solidFill>
+            <a:tailEnd type="triangle" w="med" len="med"/>
+          </a:ln>
+        </p:spPr>
+        <p:style>
+          <a:lnRef idx="0">
+            <a:scrgbClr r="0" g="0" b="0"/>
+          </a:lnRef>
+          <a:fillRef idx="0">
+            <a:scrgbClr r="0" g="0" b="0"/>
+          </a:fillRef>
+          <a:effectRef idx="0">
+            <a:scrgbClr r="0" g="0" b="0"/>
+          </a:effectRef>
+          <a:fontRef idx="minor"/>
+        </p:style>
+      </p:sp>
+      <p:sp>
+        <p:nvSpPr>
+          <p:cNvPr id="227" name="Line 24"/>
+          <p:cNvSpPr/>
+          <p:nvPr/>
+        </p:nvSpPr>
+        <p:spPr>
+          <a:xfrm flipV="1">
+            <a:off x="8712000" y="3672000"/>
+            <a:ext cx="617400" cy="1224000"/>
+          </a:xfrm>
+          <a:prstGeom prst="line">
+            <a:avLst/>
+          </a:prstGeom>
+          <a:ln>
+            <a:solidFill>
+              <a:srgbClr val="FFFFFF"/>
+            </a:solidFill>
+            <a:tailEnd type="triangle" w="med" len="med"/>
+          </a:ln>
+        </p:spPr>
+        <p:style>
+          <a:lnRef idx="0">
+            <a:scrgbClr r="0" g="0" b="0"/>
+          </a:lnRef>
+          <a:fillRef idx="0">
+            <a:scrgbClr r="0" g="0" b="0"/>
+          </a:fillRef>
+          <a:effectRef idx="0">
+            <a:scrgbClr r="0" g="0" b="0"/>
+          </a:effectRef>
+          <a:fontRef idx="minor"/>
+        </p:style>
+      </p:sp>
+      <p:sp>
+        <p:nvSpPr>
+          <p:cNvPr id="228" name="Line 25"/>
+          <p:cNvSpPr/>
+          <p:nvPr/>
+        </p:nvSpPr>
+        <p:spPr>
+          <a:xfrm flipV="1">
+            <a:off x="8712000" y="2448000"/>
+            <a:ext cx="617400" cy="2448360"/>
+          </a:xfrm>
+          <a:prstGeom prst="line">
+            <a:avLst/>
+          </a:prstGeom>
+          <a:ln>
+            <a:solidFill>
+              <a:srgbClr val="FFFFFF"/>
+            </a:solidFill>
+            <a:tailEnd type="triangle" w="med" len="med"/>
+          </a:ln>
+        </p:spPr>
+        <p:style>
+          <a:lnRef idx="0">
+            <a:scrgbClr r="0" g="0" b="0"/>
+          </a:lnRef>
+          <a:fillRef idx="0">
+            <a:scrgbClr r="0" g="0" b="0"/>
+          </a:fillRef>
+          <a:effectRef idx="0">
+            <a:scrgbClr r="0" g="0" b="0"/>
+          </a:effectRef>
+          <a:fontRef idx="minor"/>
+        </p:style>
+      </p:sp>
+      <p:sp>
+        <p:nvSpPr>
+          <p:cNvPr id="229" name="Line 26"/>
+          <p:cNvSpPr/>
+          <p:nvPr/>
+        </p:nvSpPr>
+        <p:spPr>
+          <a:xfrm flipV="1">
+            <a:off x="8718480" y="4896000"/>
+            <a:ext cx="610920" cy="720"/>
+          </a:xfrm>
+          <a:prstGeom prst="line">
+            <a:avLst/>
+          </a:prstGeom>
+          <a:ln>
+            <a:solidFill>
+              <a:srgbClr val="FFFFFF"/>
+            </a:solidFill>
+            <a:tailEnd type="triangle" w="med" len="med"/>
+          </a:ln>
+        </p:spPr>
+        <p:style>
+          <a:lnRef idx="0">
+            <a:scrgbClr r="0" g="0" b="0"/>
+          </a:lnRef>
+          <a:fillRef idx="0">
+            <a:scrgbClr r="0" g="0" b="0"/>
+          </a:fillRef>
+          <a:effectRef idx="0">
+            <a:scrgbClr r="0" g="0" b="0"/>
+          </a:effectRef>
+          <a:fontRef idx="minor"/>
+        </p:style>
+      </p:sp>
+      <p:sp>
+        <p:nvSpPr>
+          <p:cNvPr id="230" name="CustomShape 27"/>
+          <p:cNvSpPr/>
+          <p:nvPr/>
+        </p:nvSpPr>
+        <p:spPr>
+          <a:xfrm>
+            <a:off x="4536000" y="5544000"/>
+            <a:ext cx="1577160" cy="364680"/>
+          </a:xfrm>
+          <a:prstGeom prst="rect">
+            <a:avLst/>
+          </a:prstGeom>
+          <a:noFill/>
+          <a:ln>
+            <a:noFill/>
+          </a:ln>
+        </p:spPr>
+        <p:style>
+          <a:lnRef idx="0">
+            <a:scrgbClr r="0" g="0" b="0"/>
+          </a:lnRef>
+          <a:fillRef idx="0">
+            <a:scrgbClr r="0" g="0" b="0"/>
+          </a:fillRef>
+          <a:effectRef idx="0">
+            <a:scrgbClr r="0" g="0" b="0"/>
+          </a:effectRef>
+          <a:fontRef idx="minor"/>
+        </p:style>
+        <p:txBody>
+          <a:bodyPr wrap="none" lIns="90000" tIns="45000" rIns="90000" bIns="45000"/>
+          <a:lstStyle/>
+          <a:p>
+            <a:pPr>
+              <a:lnSpc>
+                <a:spcPct val="100000"/>
+              </a:lnSpc>
+            </a:pPr>
+            <a:r>
+              <a:rPr lang="en-US" sz="1800" b="0" strike="noStrike" spc="-1" dirty="0">
+                <a:solidFill>
+                  <a:srgbClr val="FFFFFF"/>
+                </a:solidFill>
+                <a:latin typeface="나눔고딕"/>
+                <a:ea typeface="나눔고딕"/>
+              </a:rPr>
+              <a:t>Generation 1</a:t>
+            </a:r>
+            <a:endParaRPr lang="en-US" sz="1800" b="0" strike="noStrike" spc="-1" dirty="0">
+              <a:latin typeface="나눔고딕"/>
+            </a:endParaRPr>
+          </a:p>
+        </p:txBody>
+      </p:sp>
+      <p:sp>
+        <p:nvSpPr>
+          <p:cNvPr id="231" name="CustomShape 28"/>
+          <p:cNvSpPr/>
+          <p:nvPr/>
+        </p:nvSpPr>
+        <p:spPr>
+          <a:xfrm>
+            <a:off x="6990840" y="5544000"/>
+            <a:ext cx="1577160" cy="364680"/>
+          </a:xfrm>
+          <a:prstGeom prst="rect">
+            <a:avLst/>
+          </a:prstGeom>
+          <a:noFill/>
+          <a:ln>
+            <a:noFill/>
+          </a:ln>
+        </p:spPr>
+        <p:style>
+          <a:lnRef idx="0">
+            <a:scrgbClr r="0" g="0" b="0"/>
+          </a:lnRef>
+          <a:fillRef idx="0">
+            <a:scrgbClr r="0" g="0" b="0"/>
+          </a:fillRef>
+          <a:effectRef idx="0">
+            <a:scrgbClr r="0" g="0" b="0"/>
+          </a:effectRef>
+          <a:fontRef idx="minor"/>
+        </p:style>
+        <p:txBody>
+          <a:bodyPr wrap="none" lIns="90000" tIns="45000" rIns="90000" bIns="45000"/>
+          <a:lstStyle/>
+          <a:p>
+            <a:pPr>
+              <a:lnSpc>
+                <a:spcPct val="100000"/>
+              </a:lnSpc>
+            </a:pPr>
+            <a:r>
+              <a:rPr lang="en-US" sz="1800" b="0" strike="noStrike" spc="-1">
+                <a:solidFill>
+                  <a:srgbClr val="FFFFFF"/>
+                </a:solidFill>
+                <a:latin typeface="나눔고딕"/>
+                <a:ea typeface="나눔고딕"/>
+              </a:rPr>
+              <a:t>Generation 2</a:t>
+            </a:r>
+            <a:endParaRPr lang="en-US" sz="1800" b="0" strike="noStrike" spc="-1">
+              <a:latin typeface="나눔고딕"/>
+            </a:endParaRPr>
+          </a:p>
+        </p:txBody>
+      </p:sp>
+      <p:sp>
+        <p:nvSpPr>
+          <p:cNvPr id="232" name="CustomShape 29"/>
+          <p:cNvSpPr/>
+          <p:nvPr/>
+        </p:nvSpPr>
+        <p:spPr>
+          <a:xfrm>
+            <a:off x="9438840" y="5539320"/>
+            <a:ext cx="1577160" cy="364680"/>
+          </a:xfrm>
+          <a:prstGeom prst="rect">
+            <a:avLst/>
+          </a:prstGeom>
+          <a:noFill/>
+          <a:ln>
+            <a:noFill/>
+          </a:ln>
+        </p:spPr>
+        <p:style>
+          <a:lnRef idx="0">
+            <a:scrgbClr r="0" g="0" b="0"/>
+          </a:lnRef>
+          <a:fillRef idx="0">
+            <a:scrgbClr r="0" g="0" b="0"/>
+          </a:fillRef>
+          <a:effectRef idx="0">
+            <a:scrgbClr r="0" g="0" b="0"/>
+          </a:effectRef>
+          <a:fontRef idx="minor"/>
+        </p:style>
+        <p:txBody>
+          <a:bodyPr wrap="none" lIns="90000" tIns="45000" rIns="90000" bIns="45000"/>
+          <a:lstStyle/>
+          <a:p>
+            <a:pPr>
+              <a:lnSpc>
+                <a:spcPct val="100000"/>
+              </a:lnSpc>
+            </a:pPr>
+            <a:r>
+              <a:rPr lang="en-US" sz="1800" b="0" strike="noStrike" spc="-1">
+                <a:solidFill>
+                  <a:srgbClr val="FFFFFF"/>
+                </a:solidFill>
+                <a:latin typeface="나눔고딕"/>
+                <a:ea typeface="나눔고딕"/>
+              </a:rPr>
+              <a:t>Generation 3</a:t>
+            </a:r>
+            <a:endParaRPr lang="en-US" sz="1800" b="0" strike="noStrike" spc="-1">
+              <a:latin typeface="나눔고딕"/>
+            </a:endParaRPr>
+          </a:p>
+        </p:txBody>
+      </p:sp>
+    </p:spTree>
+  </p:cSld>
+  <p:clrMapOvr>
+    <a:masterClrMapping/>
+  </p:clrMapOvr>
+  <p:transition spd="med">
+    <p:fade/>
+  </p:transition>
+</p:sld>
+</file>
+
+<file path=ppt/slides/slide14.xml><?xml version="1.0" encoding="utf-8"?>
+<p:sld xmlns:a="http://schemas.openxmlformats.org/drawingml/2006/main" xmlns:r="http://schemas.openxmlformats.org/officeDocument/2006/relationships" xmlns:p="http://schemas.openxmlformats.org/presentationml/2006/main">
+  <p:cSld>
+    <p:spTree>
+      <p:nvGrpSpPr>
+        <p:cNvPr id="1" name=""/>
+        <p:cNvGrpSpPr/>
+        <p:nvPr/>
+      </p:nvGrpSpPr>
+      <p:grpSpPr>
+        <a:xfrm>
+          <a:off x="0" y="0"/>
+          <a:ext cx="0" cy="0"/>
+          <a:chOff x="0" y="0"/>
+          <a:chExt cx="0" cy="0"/>
+        </a:xfrm>
+      </p:grpSpPr>
+      <p:sp>
+        <p:nvSpPr>
+          <p:cNvPr id="4" name="제목 3">
+            <a:extLst>
+              <a:ext uri="{FF2B5EF4-FFF2-40B4-BE49-F238E27FC236}">
+                <a16:creationId xmlns:a16="http://schemas.microsoft.com/office/drawing/2014/main" id="{40F8D102-6773-46CB-BB1C-3CEE57B9D345}"/>
+              </a:ext>
+            </a:extLst>
+          </p:cNvPr>
+          <p:cNvSpPr>
+            <a:spLocks noGrp="1"/>
+          </p:cNvSpPr>
+          <p:nvPr>
+            <p:ph type="title"/>
+          </p:nvPr>
+        </p:nvSpPr>
+        <p:spPr>
+          <a:xfrm>
+            <a:off x="4434254" y="2656131"/>
+            <a:ext cx="3323492" cy="1545737"/>
+          </a:xfrm>
+        </p:spPr>
+        <p:txBody>
+          <a:bodyPr/>
+          <a:lstStyle/>
+          <a:p>
+            <a:r>
+              <a:rPr lang="en-US" altLang="ko-KR" dirty="0"/>
+              <a:t>Thank You</a:t>
+            </a:r>
+            <a:endParaRPr lang="ko-KR" altLang="en-US" dirty="0"/>
+          </a:p>
+        </p:txBody>
+      </p:sp>
+    </p:spTree>
+    <p:extLst>
+      <p:ext uri="{BB962C8B-B14F-4D97-AF65-F5344CB8AC3E}">
+        <p14:creationId xmlns:p14="http://schemas.microsoft.com/office/powerpoint/2010/main" val="1361499542"/>
+      </p:ext>
+    </p:extLst>
+  </p:cSld>
+  <p:clrMapOvr>
+    <a:masterClrMapping/>
+  </p:clrMapOvr>
+</p:sld>
+</file>
+
 <file path=ppt/slides/slide2.xml><?xml version="1.0" encoding="utf-8"?>
 <p:sld xmlns:a="http://schemas.openxmlformats.org/drawingml/2006/main" xmlns:r="http://schemas.openxmlformats.org/officeDocument/2006/relationships" xmlns:p="http://schemas.openxmlformats.org/presentationml/2006/main">
   <p:cSld>
@@ -3301,83 +6282,20 @@
             <p:ph type="title"/>
           </p:nvPr>
         </p:nvSpPr>
-        <p:spPr/>
+        <p:spPr>
+          <a:xfrm>
+            <a:off x="5377113" y="2869615"/>
+            <a:ext cx="1437774" cy="1118770"/>
+          </a:xfrm>
+        </p:spPr>
         <p:txBody>
           <a:bodyPr/>
           <a:lstStyle/>
           <a:p>
             <a:r>
               <a:rPr lang="en-US" altLang="ko-KR" dirty="0"/>
-              <a:t>Goal of This Week</a:t>
-            </a:r>
-            <a:endParaRPr lang="ko-KR" altLang="en-US" dirty="0"/>
-          </a:p>
-        </p:txBody>
-      </p:sp>
-      <p:sp>
-        <p:nvSpPr>
-          <p:cNvPr id="3" name="내용 개체 틀 2">
-            <a:extLst>
-              <a:ext uri="{FF2B5EF4-FFF2-40B4-BE49-F238E27FC236}">
-                <a16:creationId xmlns:a16="http://schemas.microsoft.com/office/drawing/2014/main" id="{A5DB9546-E46F-4E22-BD22-A7036F5FA822}"/>
-              </a:ext>
-            </a:extLst>
-          </p:cNvPr>
-          <p:cNvSpPr>
-            <a:spLocks noGrp="1"/>
-          </p:cNvSpPr>
-          <p:nvPr>
-            <p:ph idx="1"/>
-          </p:nvPr>
-        </p:nvSpPr>
-        <p:spPr/>
-        <p:txBody>
-          <a:bodyPr/>
-          <a:lstStyle/>
-          <a:p>
-            <a:endParaRPr lang="en-US" altLang="ko-KR" dirty="0"/>
-          </a:p>
-          <a:p>
-            <a:pPr marL="0" indent="0">
-              <a:buNone/>
-            </a:pPr>
-            <a:endParaRPr lang="en-US" altLang="ko-KR" dirty="0"/>
-          </a:p>
-          <a:p>
-            <a:r>
-              <a:rPr lang="en-US" altLang="ko-KR" dirty="0"/>
-              <a:t>Snake</a:t>
-            </a:r>
-            <a:r>
-              <a:rPr lang="ko-KR" altLang="en-US" dirty="0"/>
-              <a:t>게임 간소화 및 플랫폼 제작</a:t>
-            </a:r>
-            <a:endParaRPr lang="en-US" altLang="ko-KR" dirty="0"/>
-          </a:p>
-          <a:p>
-            <a:endParaRPr lang="en-US" altLang="ko-KR" dirty="0"/>
-          </a:p>
-          <a:p>
-            <a:endParaRPr lang="en-US" altLang="ko-KR" dirty="0"/>
-          </a:p>
-          <a:p>
-            <a:r>
-              <a:rPr lang="ko-KR" altLang="en-US" dirty="0" err="1"/>
-              <a:t>다인용</a:t>
-            </a:r>
-            <a:r>
-              <a:rPr lang="ko-KR" altLang="en-US" dirty="0"/>
-              <a:t> 게임으로 개발</a:t>
-            </a:r>
-            <a:endParaRPr lang="en-US" altLang="ko-KR" dirty="0"/>
-          </a:p>
-          <a:p>
-            <a:endParaRPr lang="en-US" altLang="ko-KR" dirty="0"/>
-          </a:p>
-          <a:p>
-            <a:endParaRPr lang="en-US" altLang="ko-KR" dirty="0"/>
-          </a:p>
-          <a:p>
+              <a:t>Goal</a:t>
+            </a:r>
             <a:endParaRPr lang="ko-KR" altLang="en-US" dirty="0"/>
           </a:p>
         </p:txBody>
@@ -3451,10 +6369,10 @@
       </p:grpSpPr>
       <p:sp>
         <p:nvSpPr>
-          <p:cNvPr id="2" name="제목 1">
+          <p:cNvPr id="3" name="내용 개체 틀 2">
             <a:extLst>
               <a:ext uri="{FF2B5EF4-FFF2-40B4-BE49-F238E27FC236}">
-                <a16:creationId xmlns:a16="http://schemas.microsoft.com/office/drawing/2014/main" id="{20E10F42-3C4D-4DA0-83C7-982533B8A7A6}"/>
+                <a16:creationId xmlns:a16="http://schemas.microsoft.com/office/drawing/2014/main" id="{A5DB9546-E46F-4E22-BD22-A7036F5FA822}"/>
               </a:ext>
             </a:extLst>
           </p:cNvPr>
@@ -3462,19 +6380,29 @@
             <a:spLocks noGrp="1"/>
           </p:cNvSpPr>
           <p:nvPr>
-            <p:ph type="title"/>
+            <p:ph idx="1"/>
           </p:nvPr>
         </p:nvSpPr>
-        <p:spPr/>
-        <p:txBody>
-          <a:bodyPr/>
-          <a:lstStyle/>
-          <a:p>
-            <a:r>
-              <a:rPr lang="en-US" altLang="ko-KR" dirty="0"/>
-              <a:t>Current Progress</a:t>
-            </a:r>
-            <a:endParaRPr lang="ko-KR" altLang="en-US" dirty="0"/>
+        <p:spPr>
+          <a:xfrm>
+            <a:off x="2321092" y="3058026"/>
+            <a:ext cx="7549815" cy="741948"/>
+          </a:xfrm>
+        </p:spPr>
+        <p:txBody>
+          <a:bodyPr>
+            <a:normAutofit/>
+          </a:bodyPr>
+          <a:lstStyle/>
+          <a:p>
+            <a:pPr marL="0" indent="0">
+              <a:buNone/>
+            </a:pPr>
+            <a:r>
+              <a:rPr lang="ko-KR" altLang="en-US" sz="4000" dirty="0"/>
+              <a:t>인공지능 적용을 위한 플랫폼 완성</a:t>
+            </a:r>
+            <a:endParaRPr lang="en-US" altLang="ko-KR" sz="4000" dirty="0"/>
           </a:p>
         </p:txBody>
       </p:sp>
@@ -3484,7 +6412,7 @@
             <a:hlinkClick r:id="" action="ppaction://noaction"/>
             <a:extLst>
               <a:ext uri="{FF2B5EF4-FFF2-40B4-BE49-F238E27FC236}">
-                <a16:creationId xmlns:a16="http://schemas.microsoft.com/office/drawing/2014/main" id="{86DF1427-FD62-4173-A112-DF852CE9EA83}"/>
+                <a16:creationId xmlns:a16="http://schemas.microsoft.com/office/drawing/2014/main" id="{B0C9A4E0-6CD2-43D9-AEE5-CAEC134F8B3F}"/>
               </a:ext>
             </a:extLst>
           </p:cNvPr>
@@ -3515,102 +6443,28 @@
           </a:prstGeom>
         </p:spPr>
       </p:pic>
-      <p:sp>
-        <p:nvSpPr>
-          <p:cNvPr id="3" name="직사각형 2">
-            <a:extLst>
-              <a:ext uri="{FF2B5EF4-FFF2-40B4-BE49-F238E27FC236}">
-                <a16:creationId xmlns:a16="http://schemas.microsoft.com/office/drawing/2014/main" id="{EA5A28E1-8C34-4C71-B5E7-CCCF6D32D5C3}"/>
-              </a:ext>
-            </a:extLst>
-          </p:cNvPr>
-          <p:cNvSpPr/>
-          <p:nvPr/>
-        </p:nvSpPr>
-        <p:spPr>
-          <a:xfrm>
-            <a:off x="1934766" y="3314034"/>
-            <a:ext cx="3701652" cy="855443"/>
-          </a:xfrm>
-          <a:prstGeom prst="rect">
-            <a:avLst/>
-          </a:prstGeom>
-        </p:spPr>
-        <p:txBody>
-          <a:bodyPr wrap="square">
-            <a:spAutoFit/>
-          </a:bodyPr>
-          <a:lstStyle/>
-          <a:p>
-            <a:r>
-              <a:rPr lang="en-US" altLang="ko-KR" sz="4800" dirty="0"/>
-              <a:t>Team</a:t>
-            </a:r>
-            <a:r>
-              <a:rPr lang="ko-KR" altLang="en-US" sz="4800" dirty="0"/>
-              <a:t> </a:t>
-            </a:r>
-            <a:r>
-              <a:rPr lang="en-US" altLang="ko-KR" sz="4800" dirty="0"/>
-              <a:t>A</a:t>
-            </a:r>
-            <a:endParaRPr lang="ko-KR" altLang="en-US" sz="4800" dirty="0"/>
-          </a:p>
-        </p:txBody>
-      </p:sp>
-      <p:sp>
-        <p:nvSpPr>
-          <p:cNvPr id="10" name="직사각형 9">
-            <a:extLst>
-              <a:ext uri="{FF2B5EF4-FFF2-40B4-BE49-F238E27FC236}">
-                <a16:creationId xmlns:a16="http://schemas.microsoft.com/office/drawing/2014/main" id="{14D02864-19FB-4E79-BDF8-8A37679805D4}"/>
-              </a:ext>
-            </a:extLst>
-          </p:cNvPr>
-          <p:cNvSpPr/>
-          <p:nvPr/>
-        </p:nvSpPr>
-        <p:spPr>
-          <a:xfrm>
-            <a:off x="7452123" y="3314034"/>
-            <a:ext cx="3701652" cy="855443"/>
-          </a:xfrm>
-          <a:prstGeom prst="rect">
-            <a:avLst/>
-          </a:prstGeom>
-        </p:spPr>
-        <p:txBody>
-          <a:bodyPr wrap="square">
-            <a:spAutoFit/>
-          </a:bodyPr>
-          <a:lstStyle/>
-          <a:p>
-            <a:r>
-              <a:rPr lang="en-US" altLang="ko-KR" sz="4800" dirty="0"/>
-              <a:t>Team</a:t>
-            </a:r>
-            <a:r>
-              <a:rPr lang="ko-KR" altLang="en-US" sz="4800" dirty="0"/>
-              <a:t> </a:t>
-            </a:r>
-            <a:r>
-              <a:rPr lang="en-US" altLang="ko-KR" sz="4800" dirty="0"/>
-              <a:t>B</a:t>
-            </a:r>
-            <a:endParaRPr lang="ko-KR" altLang="en-US" sz="4800" dirty="0"/>
-          </a:p>
-        </p:txBody>
-      </p:sp>
     </p:spTree>
     <p:extLst>
       <p:ext uri="{BB962C8B-B14F-4D97-AF65-F5344CB8AC3E}">
-        <p14:creationId xmlns:p14="http://schemas.microsoft.com/office/powerpoint/2010/main" val="4048952201"/>
+        <p14:creationId xmlns:p14="http://schemas.microsoft.com/office/powerpoint/2010/main" val="590572834"/>
       </p:ext>
     </p:extLst>
   </p:cSld>
   <p:clrMapOvr>
     <a:masterClrMapping/>
   </p:clrMapOvr>
+  <mc:AlternateContent xmlns:mc="http://schemas.openxmlformats.org/markup-compatibility/2006" xmlns:p14="http://schemas.microsoft.com/office/powerpoint/2010/main">
+    <mc:Choice Requires="p14">
+      <p:transition spd="med" p14:dur="700">
+        <p:fade/>
+      </p:transition>
+    </mc:Choice>
+    <mc:Fallback xmlns="">
+      <p:transition spd="med">
+        <p:fade/>
+      </p:transition>
+    </mc:Fallback>
+  </mc:AlternateContent>
 </p:sld>
 </file>
 
@@ -3711,8 +6565,8 @@
         </p:nvSpPr>
         <p:spPr>
           <a:xfrm>
-            <a:off x="2520554" y="3195063"/>
-            <a:ext cx="7059216" cy="4524315"/>
+            <a:off x="2199462" y="3001278"/>
+            <a:ext cx="2508896" cy="855443"/>
           </a:xfrm>
           <a:prstGeom prst="rect">
             <a:avLst/>
@@ -3726,32 +6580,26 @@
           <a:p>
             <a:r>
               <a:rPr lang="en-US" altLang="ko-KR" sz="4800" dirty="0"/>
-              <a:t>Snake                   Snack</a:t>
-            </a:r>
-          </a:p>
-          <a:p>
-            <a:endParaRPr lang="en-US" altLang="ko-KR" sz="4800" dirty="0"/>
-          </a:p>
-          <a:p>
-            <a:endParaRPr lang="en-US" altLang="ko-KR" sz="4800" dirty="0"/>
-          </a:p>
-          <a:p>
-            <a:endParaRPr lang="en-US" altLang="ko-KR" sz="4800" dirty="0"/>
-          </a:p>
-          <a:p>
-            <a:endParaRPr lang="en-US" altLang="ko-KR" sz="4800" dirty="0"/>
-          </a:p>
-          <a:p>
+              <a:t>Team</a:t>
+            </a:r>
+            <a:r>
+              <a:rPr lang="ko-KR" altLang="en-US" sz="4800" dirty="0"/>
+              <a:t> </a:t>
+            </a:r>
+            <a:r>
+              <a:rPr lang="en-US" altLang="ko-KR" sz="4800" dirty="0"/>
+              <a:t>A</a:t>
+            </a:r>
             <a:endParaRPr lang="ko-KR" altLang="en-US" sz="4800" dirty="0"/>
           </a:p>
         </p:txBody>
       </p:sp>
       <p:sp>
         <p:nvSpPr>
-          <p:cNvPr id="6" name="직사각형 5">
+          <p:cNvPr id="10" name="직사각형 9">
             <a:extLst>
               <a:ext uri="{FF2B5EF4-FFF2-40B4-BE49-F238E27FC236}">
-                <a16:creationId xmlns:a16="http://schemas.microsoft.com/office/drawing/2014/main" id="{50F9C39B-03C2-4399-8E47-1A779F429E00}"/>
+                <a16:creationId xmlns:a16="http://schemas.microsoft.com/office/drawing/2014/main" id="{14D02864-19FB-4E79-BDF8-8A37679805D4}"/>
               </a:ext>
             </a:extLst>
           </p:cNvPr>
@@ -3760,158 +6608,57 @@
         </p:nvSpPr>
         <p:spPr>
           <a:xfrm>
-            <a:off x="3264693" y="4300536"/>
-            <a:ext cx="364332" cy="364332"/>
+            <a:off x="7893282" y="3153613"/>
+            <a:ext cx="2389708" cy="855443"/>
           </a:xfrm>
           <a:prstGeom prst="rect">
             <a:avLst/>
           </a:prstGeom>
-          <a:solidFill>
-            <a:srgbClr val="FF0000"/>
-          </a:solidFill>
-          <a:ln>
-            <a:noFill/>
-          </a:ln>
-        </p:spPr>
-        <p:style>
-          <a:lnRef idx="2">
-            <a:schemeClr val="accent1">
-              <a:shade val="50000"/>
-            </a:schemeClr>
-          </a:lnRef>
-          <a:fillRef idx="1">
-            <a:schemeClr val="accent1"/>
-          </a:fillRef>
-          <a:effectRef idx="0">
-            <a:schemeClr val="accent1"/>
-          </a:effectRef>
-          <a:fontRef idx="minor">
-            <a:schemeClr val="lt1"/>
-          </a:fontRef>
-        </p:style>
-        <p:txBody>
-          <a:bodyPr rtlCol="0" anchor="ctr"/>
-          <a:lstStyle/>
-          <a:p>
-            <a:pPr algn="ctr"/>
-            <a:endParaRPr lang="ko-KR" altLang="en-US"/>
-          </a:p>
-        </p:txBody>
-      </p:sp>
-      <p:sp>
-        <p:nvSpPr>
-          <p:cNvPr id="8" name="직사각형 7">
-            <a:extLst>
-              <a:ext uri="{FF2B5EF4-FFF2-40B4-BE49-F238E27FC236}">
-                <a16:creationId xmlns:a16="http://schemas.microsoft.com/office/drawing/2014/main" id="{1231D2DB-E682-433D-9DED-429F02C14195}"/>
-              </a:ext>
-            </a:extLst>
-          </p:cNvPr>
-          <p:cNvSpPr/>
-          <p:nvPr/>
-        </p:nvSpPr>
-        <p:spPr>
-          <a:xfrm>
-            <a:off x="7903368" y="4300536"/>
-            <a:ext cx="364332" cy="364332"/>
-          </a:xfrm>
-          <a:prstGeom prst="rect">
-            <a:avLst/>
-          </a:prstGeom>
-          <a:solidFill>
-            <a:srgbClr val="00B050"/>
-          </a:solidFill>
-          <a:ln>
-            <a:noFill/>
-          </a:ln>
-        </p:spPr>
-        <p:style>
-          <a:lnRef idx="2">
-            <a:schemeClr val="accent1">
-              <a:shade val="50000"/>
-            </a:schemeClr>
-          </a:lnRef>
-          <a:fillRef idx="1">
-            <a:schemeClr val="accent1"/>
-          </a:fillRef>
-          <a:effectRef idx="0">
-            <a:schemeClr val="accent1"/>
-          </a:effectRef>
-          <a:fontRef idx="minor">
-            <a:schemeClr val="lt1"/>
-          </a:fontRef>
-        </p:style>
-        <p:txBody>
-          <a:bodyPr rtlCol="0" anchor="ctr"/>
-          <a:lstStyle/>
-          <a:p>
-            <a:pPr algn="ctr"/>
-            <a:endParaRPr lang="ko-KR" altLang="en-US"/>
-          </a:p>
-        </p:txBody>
-      </p:sp>
-      <p:sp>
-        <p:nvSpPr>
-          <p:cNvPr id="9" name="직사각형 8">
-            <a:extLst>
-              <a:ext uri="{FF2B5EF4-FFF2-40B4-BE49-F238E27FC236}">
-                <a16:creationId xmlns:a16="http://schemas.microsoft.com/office/drawing/2014/main" id="{DF1A3389-2613-4EFF-B010-436B577C32BC}"/>
-              </a:ext>
-            </a:extLst>
-          </p:cNvPr>
-          <p:cNvSpPr/>
-          <p:nvPr/>
-        </p:nvSpPr>
-        <p:spPr>
-          <a:xfrm>
-            <a:off x="8701679" y="4300536"/>
-            <a:ext cx="364332" cy="364332"/>
-          </a:xfrm>
-          <a:prstGeom prst="rect">
-            <a:avLst/>
-          </a:prstGeom>
-          <a:solidFill>
-            <a:srgbClr val="0070C0"/>
-          </a:solidFill>
-          <a:ln>
-            <a:noFill/>
-          </a:ln>
-        </p:spPr>
-        <p:style>
-          <a:lnRef idx="2">
-            <a:schemeClr val="accent1">
-              <a:shade val="50000"/>
-            </a:schemeClr>
-          </a:lnRef>
-          <a:fillRef idx="1">
-            <a:schemeClr val="accent1"/>
-          </a:fillRef>
-          <a:effectRef idx="0">
-            <a:schemeClr val="accent1"/>
-          </a:effectRef>
-          <a:fontRef idx="minor">
-            <a:schemeClr val="lt1"/>
-          </a:fontRef>
-        </p:style>
-        <p:txBody>
-          <a:bodyPr rtlCol="0" anchor="ctr"/>
-          <a:lstStyle/>
-          <a:p>
-            <a:pPr algn="ctr"/>
-            <a:endParaRPr lang="ko-KR" altLang="en-US"/>
+        </p:spPr>
+        <p:txBody>
+          <a:bodyPr wrap="square">
+            <a:spAutoFit/>
+          </a:bodyPr>
+          <a:lstStyle/>
+          <a:p>
+            <a:r>
+              <a:rPr lang="en-US" altLang="ko-KR" sz="4800" dirty="0"/>
+              <a:t>Team</a:t>
+            </a:r>
+            <a:r>
+              <a:rPr lang="ko-KR" altLang="en-US" sz="4800" dirty="0"/>
+              <a:t> </a:t>
+            </a:r>
+            <a:r>
+              <a:rPr lang="en-US" altLang="ko-KR" sz="4800" dirty="0"/>
+              <a:t>B</a:t>
+            </a:r>
+            <a:endParaRPr lang="ko-KR" altLang="en-US" sz="4800" dirty="0"/>
           </a:p>
         </p:txBody>
       </p:sp>
     </p:spTree>
     <p:extLst>
       <p:ext uri="{BB962C8B-B14F-4D97-AF65-F5344CB8AC3E}">
-        <p14:creationId xmlns:p14="http://schemas.microsoft.com/office/powerpoint/2010/main" val="2356314354"/>
+        <p14:creationId xmlns:p14="http://schemas.microsoft.com/office/powerpoint/2010/main" val="4048952201"/>
       </p:ext>
     </p:extLst>
   </p:cSld>
   <p:clrMapOvr>
     <a:masterClrMapping/>
   </p:clrMapOvr>
+  <mc:AlternateContent xmlns:mc="http://schemas.openxmlformats.org/markup-compatibility/2006" xmlns:p14="http://schemas.microsoft.com/office/powerpoint/2010/main">
+    <mc:Choice Requires="p14">
+      <p:transition spd="med" p14:dur="700">
+        <p:fade/>
+      </p:transition>
+    </mc:Choice>
+    <mc:Fallback xmlns="">
+      <p:transition spd="med">
+        <p:fade/>
+      </p:transition>
+    </mc:Fallback>
+  </mc:AlternateContent>
 </p:sld>
 </file>
 
@@ -3955,7 +6702,7 @@
           <a:p>
             <a:r>
               <a:rPr lang="en-US" altLang="ko-KR" dirty="0"/>
-              <a:t>Current Progress</a:t>
+              <a:t>Last Progress – Team A</a:t>
             </a:r>
             <a:endParaRPr lang="ko-KR" altLang="en-US" dirty="0"/>
           </a:p>
@@ -4000,299 +6747,290 @@
       </p:pic>
       <p:sp>
         <p:nvSpPr>
-          <p:cNvPr id="13" name="TextBox 12">
+          <p:cNvPr id="6" name="직사각형 5">
             <a:extLst>
               <a:ext uri="{FF2B5EF4-FFF2-40B4-BE49-F238E27FC236}">
-                <a16:creationId xmlns:a16="http://schemas.microsoft.com/office/drawing/2014/main" id="{3A3330A6-7D11-4B91-BFF6-B4C4B0E7A75F}"/>
+                <a16:creationId xmlns:a16="http://schemas.microsoft.com/office/drawing/2014/main" id="{50F9C39B-03C2-4399-8E47-1A779F429E00}"/>
               </a:ext>
             </a:extLst>
           </p:cNvPr>
-          <p:cNvSpPr txBox="1"/>
-          <p:nvPr/>
-        </p:nvSpPr>
-        <p:spPr>
-          <a:xfrm>
-            <a:off x="628650" y="1771954"/>
-            <a:ext cx="7305675" cy="4616648"/>
+          <p:cNvSpPr/>
+          <p:nvPr/>
+        </p:nvSpPr>
+        <p:spPr>
+          <a:xfrm>
+            <a:off x="2492941" y="4275034"/>
+            <a:ext cx="364332" cy="364332"/>
           </a:xfrm>
           <a:prstGeom prst="rect">
             <a:avLst/>
           </a:prstGeom>
-          <a:noFill/>
-        </p:spPr>
-        <p:txBody>
-          <a:bodyPr wrap="square" rtlCol="0">
+          <a:solidFill>
+            <a:srgbClr val="FF0000"/>
+          </a:solidFill>
+          <a:ln>
+            <a:noFill/>
+          </a:ln>
+        </p:spPr>
+        <p:style>
+          <a:lnRef idx="2">
+            <a:schemeClr val="accent1">
+              <a:shade val="50000"/>
+            </a:schemeClr>
+          </a:lnRef>
+          <a:fillRef idx="1">
+            <a:schemeClr val="accent1"/>
+          </a:fillRef>
+          <a:effectRef idx="0">
+            <a:schemeClr val="accent1"/>
+          </a:effectRef>
+          <a:fontRef idx="minor">
+            <a:schemeClr val="lt1"/>
+          </a:fontRef>
+        </p:style>
+        <p:txBody>
+          <a:bodyPr rtlCol="0" anchor="ctr"/>
+          <a:lstStyle/>
+          <a:p>
+            <a:pPr algn="ctr"/>
+            <a:endParaRPr lang="ko-KR" altLang="en-US"/>
+          </a:p>
+        </p:txBody>
+      </p:sp>
+      <p:sp>
+        <p:nvSpPr>
+          <p:cNvPr id="8" name="직사각형 7">
+            <a:extLst>
+              <a:ext uri="{FF2B5EF4-FFF2-40B4-BE49-F238E27FC236}">
+                <a16:creationId xmlns:a16="http://schemas.microsoft.com/office/drawing/2014/main" id="{1231D2DB-E682-433D-9DED-429F02C14195}"/>
+              </a:ext>
+            </a:extLst>
+          </p:cNvPr>
+          <p:cNvSpPr/>
+          <p:nvPr/>
+        </p:nvSpPr>
+        <p:spPr>
+          <a:xfrm>
+            <a:off x="7528501" y="4275034"/>
+            <a:ext cx="364332" cy="364332"/>
+          </a:xfrm>
+          <a:prstGeom prst="rect">
+            <a:avLst/>
+          </a:prstGeom>
+          <a:solidFill>
+            <a:srgbClr val="FF3399"/>
+          </a:solidFill>
+          <a:ln>
+            <a:noFill/>
+          </a:ln>
+        </p:spPr>
+        <p:style>
+          <a:lnRef idx="2">
+            <a:schemeClr val="accent1">
+              <a:shade val="50000"/>
+            </a:schemeClr>
+          </a:lnRef>
+          <a:fillRef idx="1">
+            <a:schemeClr val="accent1"/>
+          </a:fillRef>
+          <a:effectRef idx="0">
+            <a:schemeClr val="accent1"/>
+          </a:effectRef>
+          <a:fontRef idx="minor">
+            <a:schemeClr val="lt1"/>
+          </a:fontRef>
+        </p:style>
+        <p:txBody>
+          <a:bodyPr rtlCol="0" anchor="ctr"/>
+          <a:lstStyle/>
+          <a:p>
+            <a:pPr algn="ctr"/>
+            <a:endParaRPr lang="ko-KR" altLang="en-US"/>
+          </a:p>
+        </p:txBody>
+      </p:sp>
+      <p:sp>
+        <p:nvSpPr>
+          <p:cNvPr id="9" name="직사각형 8">
+            <a:extLst>
+              <a:ext uri="{FF2B5EF4-FFF2-40B4-BE49-F238E27FC236}">
+                <a16:creationId xmlns:a16="http://schemas.microsoft.com/office/drawing/2014/main" id="{DF1A3389-2613-4EFF-B010-436B577C32BC}"/>
+              </a:ext>
+            </a:extLst>
+          </p:cNvPr>
+          <p:cNvSpPr/>
+          <p:nvPr/>
+        </p:nvSpPr>
+        <p:spPr>
+          <a:xfrm>
+            <a:off x="8493132" y="4275035"/>
+            <a:ext cx="364332" cy="364332"/>
+          </a:xfrm>
+          <a:prstGeom prst="rect">
+            <a:avLst/>
+          </a:prstGeom>
+          <a:solidFill>
+            <a:srgbClr val="33CCFF"/>
+          </a:solidFill>
+          <a:ln>
+            <a:noFill/>
+          </a:ln>
+        </p:spPr>
+        <p:style>
+          <a:lnRef idx="2">
+            <a:schemeClr val="accent1">
+              <a:shade val="50000"/>
+            </a:schemeClr>
+          </a:lnRef>
+          <a:fillRef idx="1">
+            <a:schemeClr val="accent1"/>
+          </a:fillRef>
+          <a:effectRef idx="0">
+            <a:schemeClr val="accent1"/>
+          </a:effectRef>
+          <a:fontRef idx="minor">
+            <a:schemeClr val="lt1"/>
+          </a:fontRef>
+        </p:style>
+        <p:txBody>
+          <a:bodyPr rtlCol="0" anchor="ctr"/>
+          <a:lstStyle/>
+          <a:p>
+            <a:pPr algn="ctr"/>
+            <a:endParaRPr lang="ko-KR" altLang="en-US"/>
+          </a:p>
+        </p:txBody>
+      </p:sp>
+      <p:sp>
+        <p:nvSpPr>
+          <p:cNvPr id="10" name="직사각형 9">
+            <a:extLst>
+              <a:ext uri="{FF2B5EF4-FFF2-40B4-BE49-F238E27FC236}">
+                <a16:creationId xmlns:a16="http://schemas.microsoft.com/office/drawing/2014/main" id="{3CA5990F-0A17-46F6-A20E-3E295D9D8F01}"/>
+              </a:ext>
+            </a:extLst>
+          </p:cNvPr>
+          <p:cNvSpPr/>
+          <p:nvPr/>
+        </p:nvSpPr>
+        <p:spPr>
+          <a:xfrm>
+            <a:off x="3407767" y="4275035"/>
+            <a:ext cx="364332" cy="364332"/>
+          </a:xfrm>
+          <a:prstGeom prst="rect">
+            <a:avLst/>
+          </a:prstGeom>
+          <a:solidFill>
+            <a:srgbClr val="0070C0"/>
+          </a:solidFill>
+          <a:ln>
+            <a:noFill/>
+          </a:ln>
+        </p:spPr>
+        <p:style>
+          <a:lnRef idx="2">
+            <a:schemeClr val="accent1">
+              <a:shade val="50000"/>
+            </a:schemeClr>
+          </a:lnRef>
+          <a:fillRef idx="1">
+            <a:schemeClr val="accent1"/>
+          </a:fillRef>
+          <a:effectRef idx="0">
+            <a:schemeClr val="accent1"/>
+          </a:effectRef>
+          <a:fontRef idx="minor">
+            <a:schemeClr val="lt1"/>
+          </a:fontRef>
+        </p:style>
+        <p:txBody>
+          <a:bodyPr rtlCol="0" anchor="ctr"/>
+          <a:lstStyle/>
+          <a:p>
+            <a:pPr algn="ctr"/>
+            <a:r>
+              <a:rPr lang="en-US" altLang="ko-KR" dirty="0"/>
+              <a:t> </a:t>
+            </a:r>
+            <a:endParaRPr lang="ko-KR" altLang="en-US" dirty="0"/>
+          </a:p>
+        </p:txBody>
+      </p:sp>
+      <p:sp>
+        <p:nvSpPr>
+          <p:cNvPr id="11" name="직사각형 10">
+            <a:extLst>
+              <a:ext uri="{FF2B5EF4-FFF2-40B4-BE49-F238E27FC236}">
+                <a16:creationId xmlns:a16="http://schemas.microsoft.com/office/drawing/2014/main" id="{BEA4AB06-5C95-47DB-8606-D47C669B77BD}"/>
+              </a:ext>
+            </a:extLst>
+          </p:cNvPr>
+          <p:cNvSpPr/>
+          <p:nvPr/>
+        </p:nvSpPr>
+        <p:spPr>
+          <a:xfrm>
+            <a:off x="2135293" y="3001278"/>
+            <a:ext cx="3701652" cy="855443"/>
+          </a:xfrm>
+          <a:prstGeom prst="rect">
+            <a:avLst/>
+          </a:prstGeom>
+        </p:spPr>
+        <p:txBody>
+          <a:bodyPr wrap="square">
             <a:spAutoFit/>
           </a:bodyPr>
           <a:lstStyle/>
           <a:p>
             <a:r>
-              <a:rPr lang="en-US" altLang="ko-KR" sz="1400" dirty="0"/>
-              <a:t> </a:t>
-            </a:r>
-            <a:r>
-              <a:rPr lang="en-US" altLang="ko-KR" sz="1400" dirty="0">
-                <a:solidFill>
-                  <a:schemeClr val="accent2">
-                    <a:lumMod val="60000"/>
-                    <a:lumOff val="40000"/>
-                  </a:schemeClr>
-                </a:solidFill>
-              </a:rPr>
-              <a:t>#Key Event</a:t>
-            </a:r>
-          </a:p>
-          <a:p>
-            <a:r>
-              <a:rPr lang="en-US" altLang="ko-KR" sz="1400" dirty="0"/>
-              <a:t>            </a:t>
-            </a:r>
-            <a:r>
-              <a:rPr lang="en-US" altLang="ko-KR" sz="1400" dirty="0">
-                <a:solidFill>
-                  <a:schemeClr val="accent5">
-                    <a:lumMod val="60000"/>
-                    <a:lumOff val="40000"/>
-                  </a:schemeClr>
-                </a:solidFill>
-              </a:rPr>
-              <a:t>for</a:t>
-            </a:r>
-            <a:r>
-              <a:rPr lang="en-US" altLang="ko-KR" sz="1400" dirty="0"/>
-              <a:t> key </a:t>
-            </a:r>
-            <a:r>
-              <a:rPr lang="en-US" altLang="ko-KR" sz="1400" dirty="0">
-                <a:solidFill>
-                  <a:schemeClr val="accent5">
-                    <a:lumMod val="60000"/>
-                    <a:lumOff val="40000"/>
-                  </a:schemeClr>
-                </a:solidFill>
-              </a:rPr>
-              <a:t>in</a:t>
-            </a:r>
-            <a:r>
-              <a:rPr lang="en-US" altLang="ko-KR" sz="1400" dirty="0"/>
-              <a:t> keys:</a:t>
-            </a:r>
-          </a:p>
-          <a:p>
-            <a:r>
-              <a:rPr lang="en-US" altLang="ko-KR" sz="1400" dirty="0"/>
-              <a:t>                </a:t>
-            </a:r>
-            <a:r>
-              <a:rPr lang="en-US" altLang="ko-KR" sz="1400" dirty="0">
-                <a:solidFill>
-                  <a:schemeClr val="accent5">
-                    <a:lumMod val="60000"/>
-                    <a:lumOff val="40000"/>
-                  </a:schemeClr>
-                </a:solidFill>
-              </a:rPr>
-              <a:t>if</a:t>
-            </a:r>
-            <a:r>
-              <a:rPr lang="en-US" altLang="ko-KR" sz="1400" dirty="0"/>
-              <a:t> keys[</a:t>
-            </a:r>
-            <a:r>
-              <a:rPr lang="en-US" altLang="ko-KR" sz="1400" dirty="0" err="1"/>
-              <a:t>pygame.K_LEFT</a:t>
-            </a:r>
-            <a:r>
-              <a:rPr lang="en-US" altLang="ko-KR" sz="1400" dirty="0"/>
-              <a:t>]:</a:t>
-            </a:r>
-          </a:p>
-          <a:p>
-            <a:r>
-              <a:rPr lang="en-US" altLang="ko-KR" sz="1400" dirty="0"/>
-              <a:t>                    snake1.dirnx = -1</a:t>
-            </a:r>
-          </a:p>
-          <a:p>
-            <a:r>
-              <a:rPr lang="en-US" altLang="ko-KR" sz="1400" dirty="0"/>
-              <a:t>                    snake1.dirny = 0</a:t>
-            </a:r>
-          </a:p>
-          <a:p>
-            <a:r>
-              <a:rPr lang="en-US" altLang="ko-KR" sz="1400" dirty="0"/>
-              <a:t>                    snake1.turns[snake1.head.pos[:]] = [snake1.dirnx, snake1.dirny]</a:t>
-            </a:r>
-          </a:p>
-          <a:p>
-            <a:endParaRPr lang="en-US" altLang="ko-KR" sz="1400" dirty="0"/>
-          </a:p>
-          <a:p>
-            <a:r>
-              <a:rPr lang="en-US" altLang="ko-KR" sz="1400" dirty="0"/>
-              <a:t>                </a:t>
-            </a:r>
-            <a:r>
-              <a:rPr lang="en-US" altLang="ko-KR" sz="1400" dirty="0">
-                <a:solidFill>
-                  <a:schemeClr val="accent5">
-                    <a:lumMod val="60000"/>
-                    <a:lumOff val="40000"/>
-                  </a:schemeClr>
-                </a:solidFill>
-              </a:rPr>
-              <a:t>if</a:t>
-            </a:r>
-            <a:r>
-              <a:rPr lang="en-US" altLang="ko-KR" sz="1400" dirty="0"/>
-              <a:t> keys[</a:t>
-            </a:r>
-            <a:r>
-              <a:rPr lang="en-US" altLang="ko-KR" sz="1400" dirty="0" err="1"/>
-              <a:t>pygame.K_RIGHT</a:t>
-            </a:r>
-            <a:r>
-              <a:rPr lang="en-US" altLang="ko-KR" sz="1400" dirty="0"/>
-              <a:t>]:</a:t>
-            </a:r>
-          </a:p>
-          <a:p>
-            <a:r>
-              <a:rPr lang="en-US" altLang="ko-KR" sz="1400" dirty="0"/>
-              <a:t>                    snake1.dirnx = 1</a:t>
-            </a:r>
-          </a:p>
-          <a:p>
-            <a:r>
-              <a:rPr lang="en-US" altLang="ko-KR" sz="1400" dirty="0"/>
-              <a:t>                    snake1.dirny = 0</a:t>
-            </a:r>
-          </a:p>
-          <a:p>
-            <a:r>
-              <a:rPr lang="en-US" altLang="ko-KR" sz="1400" dirty="0"/>
-              <a:t>                    snake1.turns[snake1.head.pos[:]] = [snake1.dirnx, snake1.dirny]</a:t>
-            </a:r>
-          </a:p>
-          <a:p>
-            <a:r>
-              <a:rPr lang="en-US" altLang="ko-KR" sz="1400" dirty="0"/>
-              <a:t>                    </a:t>
-            </a:r>
-          </a:p>
-          <a:p>
-            <a:r>
-              <a:rPr lang="en-US" altLang="ko-KR" sz="1400" dirty="0"/>
-              <a:t>                </a:t>
-            </a:r>
-            <a:r>
-              <a:rPr lang="en-US" altLang="ko-KR" sz="1400" dirty="0">
-                <a:solidFill>
-                  <a:schemeClr val="accent5">
-                    <a:lumMod val="60000"/>
-                    <a:lumOff val="40000"/>
-                  </a:schemeClr>
-                </a:solidFill>
-              </a:rPr>
-              <a:t>if</a:t>
-            </a:r>
-            <a:r>
-              <a:rPr lang="en-US" altLang="ko-KR" sz="1400" dirty="0"/>
-              <a:t> keys[</a:t>
-            </a:r>
-            <a:r>
-              <a:rPr lang="en-US" altLang="ko-KR" sz="1400" dirty="0" err="1"/>
-              <a:t>pygame.K_UP</a:t>
-            </a:r>
-            <a:r>
-              <a:rPr lang="en-US" altLang="ko-KR" sz="1400" dirty="0"/>
-              <a:t>]:</a:t>
-            </a:r>
-          </a:p>
-          <a:p>
-            <a:r>
-              <a:rPr lang="en-US" altLang="ko-KR" sz="1400" dirty="0"/>
-              <a:t>                    snake1.dirnx = 0</a:t>
-            </a:r>
-          </a:p>
-          <a:p>
-            <a:r>
-              <a:rPr lang="en-US" altLang="ko-KR" sz="1400" dirty="0"/>
-              <a:t>                    snake1.dirny = -1</a:t>
-            </a:r>
-          </a:p>
-          <a:p>
-            <a:r>
-              <a:rPr lang="en-US" altLang="ko-KR" sz="1400" dirty="0"/>
-              <a:t>                    snake1.turns[snake1.head.pos[:]] = [snake1.dirnx, snake1.dirny]</a:t>
-            </a:r>
-          </a:p>
-          <a:p>
-            <a:endParaRPr lang="en-US" altLang="ko-KR" sz="1400" dirty="0"/>
-          </a:p>
-          <a:p>
-            <a:r>
-              <a:rPr lang="en-US" altLang="ko-KR" sz="1400" dirty="0"/>
-              <a:t>                </a:t>
-            </a:r>
-            <a:r>
-              <a:rPr lang="en-US" altLang="ko-KR" sz="1400" dirty="0">
-                <a:solidFill>
-                  <a:schemeClr val="accent5">
-                    <a:lumMod val="60000"/>
-                    <a:lumOff val="40000"/>
-                  </a:schemeClr>
-                </a:solidFill>
-              </a:rPr>
-              <a:t>if</a:t>
-            </a:r>
-            <a:r>
-              <a:rPr lang="en-US" altLang="ko-KR" sz="1400" dirty="0"/>
-              <a:t> keys[</a:t>
-            </a:r>
-            <a:r>
-              <a:rPr lang="en-US" altLang="ko-KR" sz="1400" dirty="0" err="1"/>
-              <a:t>pygame.K_DOWN</a:t>
-            </a:r>
-            <a:r>
-              <a:rPr lang="en-US" altLang="ko-KR" sz="1400" dirty="0"/>
-              <a:t>]:</a:t>
-            </a:r>
-          </a:p>
-          <a:p>
-            <a:r>
-              <a:rPr lang="en-US" altLang="ko-KR" sz="1400" dirty="0"/>
-              <a:t>                    </a:t>
-            </a:r>
-            <a:r>
-              <a:rPr lang="en-US" altLang="ko-KR" sz="1400" dirty="0" err="1"/>
-              <a:t>snake.dirnx</a:t>
-            </a:r>
-            <a:r>
-              <a:rPr lang="en-US" altLang="ko-KR" sz="1400" dirty="0"/>
-              <a:t> = 0</a:t>
-            </a:r>
-          </a:p>
-          <a:p>
-            <a:r>
-              <a:rPr lang="en-US" altLang="ko-KR" sz="1400" dirty="0"/>
-              <a:t>                    snake1.dirny = 1</a:t>
-            </a:r>
-          </a:p>
-          <a:p>
-            <a:r>
-              <a:rPr lang="en-US" altLang="ko-KR" sz="1400" dirty="0"/>
-              <a:t>                    snake1.turns[snake1.head.pos[:]] = [snake1.dirnx, snake1.dirny]</a:t>
-            </a:r>
-            <a:endParaRPr lang="ko-KR" altLang="en-US" sz="1400" dirty="0"/>
+              <a:rPr lang="en-US" altLang="ko-KR" sz="4800" dirty="0"/>
+              <a:t>Snake</a:t>
+            </a:r>
+            <a:endParaRPr lang="ko-KR" altLang="en-US" sz="4800" dirty="0"/>
+          </a:p>
+        </p:txBody>
+      </p:sp>
+      <p:sp>
+        <p:nvSpPr>
+          <p:cNvPr id="12" name="직사각형 11">
+            <a:extLst>
+              <a:ext uri="{FF2B5EF4-FFF2-40B4-BE49-F238E27FC236}">
+                <a16:creationId xmlns:a16="http://schemas.microsoft.com/office/drawing/2014/main" id="{04A64CA1-25DA-4241-B6EA-687684DDE12F}"/>
+              </a:ext>
+            </a:extLst>
+          </p:cNvPr>
+          <p:cNvSpPr/>
+          <p:nvPr/>
+        </p:nvSpPr>
+        <p:spPr>
+          <a:xfrm>
+            <a:off x="7172537" y="3001278"/>
+            <a:ext cx="3701652" cy="855443"/>
+          </a:xfrm>
+          <a:prstGeom prst="rect">
+            <a:avLst/>
+          </a:prstGeom>
+        </p:spPr>
+        <p:txBody>
+          <a:bodyPr wrap="square">
+            <a:spAutoFit/>
+          </a:bodyPr>
+          <a:lstStyle/>
+          <a:p>
+            <a:r>
+              <a:rPr lang="en-US" altLang="ko-KR" sz="4800" dirty="0"/>
+              <a:t>Snack</a:t>
+            </a:r>
+            <a:endParaRPr lang="ko-KR" altLang="en-US" sz="4800" dirty="0"/>
           </a:p>
         </p:txBody>
       </p:sp>
     </p:spTree>
     <p:extLst>
       <p:ext uri="{BB962C8B-B14F-4D97-AF65-F5344CB8AC3E}">
-        <p14:creationId xmlns:p14="http://schemas.microsoft.com/office/powerpoint/2010/main" val="2291003960"/>
+        <p14:creationId xmlns:p14="http://schemas.microsoft.com/office/powerpoint/2010/main" val="2356314354"/>
       </p:ext>
     </p:extLst>
   </p:cSld>
@@ -4342,7 +7080,7 @@
           <a:p>
             <a:r>
               <a:rPr lang="en-US" altLang="ko-KR" dirty="0"/>
-              <a:t>Current Progress</a:t>
+              <a:t>Current Progress – Team A</a:t>
             </a:r>
             <a:endParaRPr lang="ko-KR" altLang="en-US" dirty="0"/>
           </a:p>
@@ -4387,136 +7125,430 @@
       </p:pic>
       <p:sp>
         <p:nvSpPr>
-          <p:cNvPr id="5" name="TextBox 4">
+          <p:cNvPr id="6" name="직사각형 5">
             <a:extLst>
               <a:ext uri="{FF2B5EF4-FFF2-40B4-BE49-F238E27FC236}">
-                <a16:creationId xmlns:a16="http://schemas.microsoft.com/office/drawing/2014/main" id="{24B61D4F-6F1E-484A-9C81-338FA9C926FD}"/>
+                <a16:creationId xmlns:a16="http://schemas.microsoft.com/office/drawing/2014/main" id="{50F9C39B-03C2-4399-8E47-1A779F429E00}"/>
               </a:ext>
             </a:extLst>
           </p:cNvPr>
-          <p:cNvSpPr txBox="1"/>
-          <p:nvPr/>
-        </p:nvSpPr>
-        <p:spPr>
-          <a:xfrm>
-            <a:off x="838200" y="2591104"/>
-            <a:ext cx="7305675" cy="1938992"/>
+          <p:cNvSpPr/>
+          <p:nvPr/>
+        </p:nvSpPr>
+        <p:spPr>
+          <a:xfrm>
+            <a:off x="2492941" y="4275034"/>
+            <a:ext cx="364332" cy="364332"/>
           </a:xfrm>
           <a:prstGeom prst="rect">
             <a:avLst/>
           </a:prstGeom>
-          <a:noFill/>
-        </p:spPr>
-        <p:txBody>
-          <a:bodyPr wrap="square" rtlCol="0">
+          <a:solidFill>
+            <a:srgbClr val="FF0000"/>
+          </a:solidFill>
+          <a:ln>
+            <a:noFill/>
+          </a:ln>
+        </p:spPr>
+        <p:style>
+          <a:lnRef idx="2">
+            <a:schemeClr val="accent1">
+              <a:shade val="50000"/>
+            </a:schemeClr>
+          </a:lnRef>
+          <a:fillRef idx="1">
+            <a:schemeClr val="accent1"/>
+          </a:fillRef>
+          <a:effectRef idx="0">
+            <a:schemeClr val="accent1"/>
+          </a:effectRef>
+          <a:fontRef idx="minor">
+            <a:schemeClr val="lt1"/>
+          </a:fontRef>
+        </p:style>
+        <p:txBody>
+          <a:bodyPr rtlCol="0" anchor="ctr"/>
+          <a:lstStyle/>
+          <a:p>
+            <a:pPr algn="ctr"/>
+            <a:endParaRPr lang="ko-KR" altLang="en-US"/>
+          </a:p>
+        </p:txBody>
+      </p:sp>
+      <p:sp>
+        <p:nvSpPr>
+          <p:cNvPr id="8" name="직사각형 7">
+            <a:extLst>
+              <a:ext uri="{FF2B5EF4-FFF2-40B4-BE49-F238E27FC236}">
+                <a16:creationId xmlns:a16="http://schemas.microsoft.com/office/drawing/2014/main" id="{1231D2DB-E682-433D-9DED-429F02C14195}"/>
+              </a:ext>
+            </a:extLst>
+          </p:cNvPr>
+          <p:cNvSpPr/>
+          <p:nvPr/>
+        </p:nvSpPr>
+        <p:spPr>
+          <a:xfrm>
+            <a:off x="7528501" y="4275034"/>
+            <a:ext cx="364332" cy="364332"/>
+          </a:xfrm>
+          <a:prstGeom prst="rect">
+            <a:avLst/>
+          </a:prstGeom>
+          <a:solidFill>
+            <a:srgbClr val="FF3399"/>
+          </a:solidFill>
+          <a:ln>
+            <a:noFill/>
+          </a:ln>
+        </p:spPr>
+        <p:style>
+          <a:lnRef idx="2">
+            <a:schemeClr val="accent1">
+              <a:shade val="50000"/>
+            </a:schemeClr>
+          </a:lnRef>
+          <a:fillRef idx="1">
+            <a:schemeClr val="accent1"/>
+          </a:fillRef>
+          <a:effectRef idx="0">
+            <a:schemeClr val="accent1"/>
+          </a:effectRef>
+          <a:fontRef idx="minor">
+            <a:schemeClr val="lt1"/>
+          </a:fontRef>
+        </p:style>
+        <p:txBody>
+          <a:bodyPr rtlCol="0" anchor="ctr"/>
+          <a:lstStyle/>
+          <a:p>
+            <a:pPr algn="ctr"/>
+            <a:endParaRPr lang="ko-KR" altLang="en-US"/>
+          </a:p>
+        </p:txBody>
+      </p:sp>
+      <p:sp>
+        <p:nvSpPr>
+          <p:cNvPr id="9" name="직사각형 8">
+            <a:extLst>
+              <a:ext uri="{FF2B5EF4-FFF2-40B4-BE49-F238E27FC236}">
+                <a16:creationId xmlns:a16="http://schemas.microsoft.com/office/drawing/2014/main" id="{DF1A3389-2613-4EFF-B010-436B577C32BC}"/>
+              </a:ext>
+            </a:extLst>
+          </p:cNvPr>
+          <p:cNvSpPr/>
+          <p:nvPr/>
+        </p:nvSpPr>
+        <p:spPr>
+          <a:xfrm>
+            <a:off x="8493132" y="4275035"/>
+            <a:ext cx="364332" cy="364332"/>
+          </a:xfrm>
+          <a:prstGeom prst="rect">
+            <a:avLst/>
+          </a:prstGeom>
+          <a:solidFill>
+            <a:srgbClr val="33CCFF"/>
+          </a:solidFill>
+          <a:ln>
+            <a:noFill/>
+          </a:ln>
+        </p:spPr>
+        <p:style>
+          <a:lnRef idx="2">
+            <a:schemeClr val="accent1">
+              <a:shade val="50000"/>
+            </a:schemeClr>
+          </a:lnRef>
+          <a:fillRef idx="1">
+            <a:schemeClr val="accent1"/>
+          </a:fillRef>
+          <a:effectRef idx="0">
+            <a:schemeClr val="accent1"/>
+          </a:effectRef>
+          <a:fontRef idx="minor">
+            <a:schemeClr val="lt1"/>
+          </a:fontRef>
+        </p:style>
+        <p:txBody>
+          <a:bodyPr rtlCol="0" anchor="ctr"/>
+          <a:lstStyle/>
+          <a:p>
+            <a:pPr algn="ctr"/>
+            <a:endParaRPr lang="ko-KR" altLang="en-US"/>
+          </a:p>
+        </p:txBody>
+      </p:sp>
+      <p:sp>
+        <p:nvSpPr>
+          <p:cNvPr id="10" name="직사각형 9">
+            <a:extLst>
+              <a:ext uri="{FF2B5EF4-FFF2-40B4-BE49-F238E27FC236}">
+                <a16:creationId xmlns:a16="http://schemas.microsoft.com/office/drawing/2014/main" id="{3CA5990F-0A17-46F6-A20E-3E295D9D8F01}"/>
+              </a:ext>
+            </a:extLst>
+          </p:cNvPr>
+          <p:cNvSpPr/>
+          <p:nvPr/>
+        </p:nvSpPr>
+        <p:spPr>
+          <a:xfrm>
+            <a:off x="3407767" y="4275035"/>
+            <a:ext cx="364332" cy="364332"/>
+          </a:xfrm>
+          <a:prstGeom prst="rect">
+            <a:avLst/>
+          </a:prstGeom>
+          <a:solidFill>
+            <a:srgbClr val="0070C0"/>
+          </a:solidFill>
+          <a:ln>
+            <a:noFill/>
+          </a:ln>
+        </p:spPr>
+        <p:style>
+          <a:lnRef idx="2">
+            <a:schemeClr val="accent1">
+              <a:shade val="50000"/>
+            </a:schemeClr>
+          </a:lnRef>
+          <a:fillRef idx="1">
+            <a:schemeClr val="accent1"/>
+          </a:fillRef>
+          <a:effectRef idx="0">
+            <a:schemeClr val="accent1"/>
+          </a:effectRef>
+          <a:fontRef idx="minor">
+            <a:schemeClr val="lt1"/>
+          </a:fontRef>
+        </p:style>
+        <p:txBody>
+          <a:bodyPr rtlCol="0" anchor="ctr"/>
+          <a:lstStyle/>
+          <a:p>
+            <a:pPr algn="ctr"/>
+            <a:r>
+              <a:rPr lang="en-US" altLang="ko-KR" dirty="0"/>
+              <a:t> </a:t>
+            </a:r>
+            <a:endParaRPr lang="ko-KR" altLang="en-US" dirty="0"/>
+          </a:p>
+        </p:txBody>
+      </p:sp>
+      <p:sp>
+        <p:nvSpPr>
+          <p:cNvPr id="11" name="직사각형 10">
+            <a:extLst>
+              <a:ext uri="{FF2B5EF4-FFF2-40B4-BE49-F238E27FC236}">
+                <a16:creationId xmlns:a16="http://schemas.microsoft.com/office/drawing/2014/main" id="{BEA4AB06-5C95-47DB-8606-D47C669B77BD}"/>
+              </a:ext>
+            </a:extLst>
+          </p:cNvPr>
+          <p:cNvSpPr/>
+          <p:nvPr/>
+        </p:nvSpPr>
+        <p:spPr>
+          <a:xfrm>
+            <a:off x="2135293" y="3001278"/>
+            <a:ext cx="3701652" cy="855443"/>
+          </a:xfrm>
+          <a:prstGeom prst="rect">
+            <a:avLst/>
+          </a:prstGeom>
+        </p:spPr>
+        <p:txBody>
+          <a:bodyPr wrap="square">
             <a:spAutoFit/>
           </a:bodyPr>
           <a:lstStyle/>
           <a:p>
             <a:r>
-              <a:rPr lang="en-US" altLang="ko-KR" sz="1500" dirty="0">
-                <a:solidFill>
-                  <a:schemeClr val="accent2">
-                    <a:lumMod val="60000"/>
-                    <a:lumOff val="40000"/>
-                  </a:schemeClr>
-                </a:solidFill>
-              </a:rPr>
-              <a:t>#Collision Check</a:t>
-            </a:r>
-          </a:p>
-          <a:p>
-            <a:r>
-              <a:rPr lang="en-US" altLang="ko-KR" sz="1500" dirty="0"/>
-              <a:t>        </a:t>
-            </a:r>
-            <a:r>
-              <a:rPr lang="en-US" altLang="ko-KR" sz="1500" dirty="0">
-                <a:solidFill>
-                  <a:schemeClr val="accent5">
-                    <a:lumMod val="60000"/>
-                    <a:lumOff val="40000"/>
-                  </a:schemeClr>
-                </a:solidFill>
-              </a:rPr>
-              <a:t>if</a:t>
-            </a:r>
-            <a:r>
-              <a:rPr lang="en-US" altLang="ko-KR" sz="1500" dirty="0"/>
-              <a:t> s1.body[0].pos == snack1.pos:</a:t>
-            </a:r>
-          </a:p>
-          <a:p>
-            <a:r>
-              <a:rPr lang="en-US" altLang="ko-KR" sz="1500" dirty="0"/>
-              <a:t>            s1.addCube()</a:t>
-            </a:r>
-          </a:p>
-          <a:p>
-            <a:r>
-              <a:rPr lang="en-US" altLang="ko-KR" sz="1500" dirty="0"/>
-              <a:t>            snack1 = cube(</a:t>
-            </a:r>
-            <a:r>
-              <a:rPr lang="en-US" altLang="ko-KR" sz="1500" dirty="0" err="1"/>
-              <a:t>randomSnack</a:t>
-            </a:r>
-            <a:r>
-              <a:rPr lang="en-US" altLang="ko-KR" sz="1500" dirty="0"/>
-              <a:t>(rows, s1), color=(0,255,0))</a:t>
-            </a:r>
-          </a:p>
-          <a:p>
-            <a:endParaRPr lang="en-US" altLang="ko-KR" sz="1500" dirty="0"/>
-          </a:p>
-          <a:p>
-            <a:r>
-              <a:rPr lang="en-US" altLang="ko-KR" sz="1500" dirty="0"/>
-              <a:t>        </a:t>
-            </a:r>
-            <a:r>
-              <a:rPr lang="en-US" altLang="ko-KR" sz="1500" dirty="0">
-                <a:solidFill>
-                  <a:schemeClr val="accent5">
-                    <a:lumMod val="60000"/>
-                    <a:lumOff val="40000"/>
-                  </a:schemeClr>
-                </a:solidFill>
-              </a:rPr>
-              <a:t>if</a:t>
-            </a:r>
-            <a:r>
-              <a:rPr lang="en-US" altLang="ko-KR" sz="1500" dirty="0"/>
-              <a:t> s2.body[0].pos == snack2.pos:</a:t>
-            </a:r>
-          </a:p>
-          <a:p>
-            <a:r>
-              <a:rPr lang="en-US" altLang="ko-KR" sz="1500" dirty="0"/>
-              <a:t>            s2.addCube()</a:t>
-            </a:r>
-          </a:p>
-          <a:p>
-            <a:r>
-              <a:rPr lang="en-US" altLang="ko-KR" sz="1500" dirty="0"/>
-              <a:t>            snack2 = cube(</a:t>
-            </a:r>
-            <a:r>
-              <a:rPr lang="en-US" altLang="ko-KR" sz="1500" dirty="0" err="1"/>
-              <a:t>randomSnack</a:t>
-            </a:r>
-            <a:r>
-              <a:rPr lang="en-US" altLang="ko-KR" sz="1500" dirty="0"/>
-              <a:t>(rows, s2), color=(0,0,255))</a:t>
-            </a:r>
-            <a:endParaRPr lang="ko-KR" altLang="en-US" sz="1500" dirty="0"/>
+              <a:rPr lang="en-US" altLang="ko-KR" sz="4800" dirty="0"/>
+              <a:t>Snake</a:t>
+            </a:r>
+            <a:endParaRPr lang="ko-KR" altLang="en-US" sz="4800" dirty="0"/>
+          </a:p>
+        </p:txBody>
+      </p:sp>
+      <p:sp>
+        <p:nvSpPr>
+          <p:cNvPr id="12" name="직사각형 11">
+            <a:extLst>
+              <a:ext uri="{FF2B5EF4-FFF2-40B4-BE49-F238E27FC236}">
+                <a16:creationId xmlns:a16="http://schemas.microsoft.com/office/drawing/2014/main" id="{04A64CA1-25DA-4241-B6EA-687684DDE12F}"/>
+              </a:ext>
+            </a:extLst>
+          </p:cNvPr>
+          <p:cNvSpPr/>
+          <p:nvPr/>
+        </p:nvSpPr>
+        <p:spPr>
+          <a:xfrm>
+            <a:off x="7172537" y="3001278"/>
+            <a:ext cx="3701652" cy="855443"/>
+          </a:xfrm>
+          <a:prstGeom prst="rect">
+            <a:avLst/>
+          </a:prstGeom>
+        </p:spPr>
+        <p:txBody>
+          <a:bodyPr wrap="square">
+            <a:spAutoFit/>
+          </a:bodyPr>
+          <a:lstStyle/>
+          <a:p>
+            <a:r>
+              <a:rPr lang="en-US" altLang="ko-KR" sz="4800" dirty="0"/>
+              <a:t>Snack</a:t>
+            </a:r>
+            <a:endParaRPr lang="ko-KR" altLang="en-US" sz="4800" dirty="0"/>
+          </a:p>
+        </p:txBody>
+      </p:sp>
+      <p:sp>
+        <p:nvSpPr>
+          <p:cNvPr id="13" name="직사각형 12">
+            <a:extLst>
+              <a:ext uri="{FF2B5EF4-FFF2-40B4-BE49-F238E27FC236}">
+                <a16:creationId xmlns:a16="http://schemas.microsoft.com/office/drawing/2014/main" id="{3B3A1C96-C1F5-4AD8-B4E3-6AA3EBC7769E}"/>
+              </a:ext>
+            </a:extLst>
+          </p:cNvPr>
+          <p:cNvSpPr/>
+          <p:nvPr/>
+        </p:nvSpPr>
+        <p:spPr>
+          <a:xfrm>
+            <a:off x="3986119" y="3040458"/>
+            <a:ext cx="1250962" cy="855443"/>
+          </a:xfrm>
+          <a:prstGeom prst="rect">
+            <a:avLst/>
+          </a:prstGeom>
+        </p:spPr>
+        <p:txBody>
+          <a:bodyPr wrap="square">
+            <a:spAutoFit/>
+          </a:bodyPr>
+          <a:lstStyle/>
+          <a:p>
+            <a:r>
+              <a:rPr lang="en-US" altLang="ko-KR" sz="4800" dirty="0"/>
+              <a:t>= []</a:t>
+            </a:r>
+            <a:endParaRPr lang="ko-KR" altLang="en-US" sz="4800" dirty="0"/>
+          </a:p>
+        </p:txBody>
+      </p:sp>
+      <p:sp>
+        <p:nvSpPr>
+          <p:cNvPr id="14" name="직사각형 13">
+            <a:extLst>
+              <a:ext uri="{FF2B5EF4-FFF2-40B4-BE49-F238E27FC236}">
+                <a16:creationId xmlns:a16="http://schemas.microsoft.com/office/drawing/2014/main" id="{E6330A98-4E74-403D-846E-9F6E523C9E76}"/>
+              </a:ext>
+            </a:extLst>
+          </p:cNvPr>
+          <p:cNvSpPr/>
+          <p:nvPr/>
+        </p:nvSpPr>
+        <p:spPr>
+          <a:xfrm>
+            <a:off x="8942668" y="3049680"/>
+            <a:ext cx="1300216" cy="855443"/>
+          </a:xfrm>
+          <a:prstGeom prst="rect">
+            <a:avLst/>
+          </a:prstGeom>
+        </p:spPr>
+        <p:txBody>
+          <a:bodyPr wrap="square">
+            <a:spAutoFit/>
+          </a:bodyPr>
+          <a:lstStyle/>
+          <a:p>
+            <a:r>
+              <a:rPr lang="en-US" altLang="ko-KR" sz="4800" dirty="0"/>
+              <a:t>= []</a:t>
+            </a:r>
+            <a:endParaRPr lang="ko-KR" altLang="en-US" sz="4800" dirty="0"/>
+          </a:p>
+        </p:txBody>
+      </p:sp>
+      <p:sp>
+        <p:nvSpPr>
+          <p:cNvPr id="15" name="직사각형 14">
+            <a:extLst>
+              <a:ext uri="{FF2B5EF4-FFF2-40B4-BE49-F238E27FC236}">
+                <a16:creationId xmlns:a16="http://schemas.microsoft.com/office/drawing/2014/main" id="{49908739-0678-4C21-ABC4-96725B9A910A}"/>
+              </a:ext>
+            </a:extLst>
+          </p:cNvPr>
+          <p:cNvSpPr/>
+          <p:nvPr/>
+        </p:nvSpPr>
+        <p:spPr>
+          <a:xfrm>
+            <a:off x="3905424" y="4029479"/>
+            <a:ext cx="1548574" cy="855443"/>
+          </a:xfrm>
+          <a:prstGeom prst="rect">
+            <a:avLst/>
+          </a:prstGeom>
+        </p:spPr>
+        <p:txBody>
+          <a:bodyPr wrap="square">
+            <a:spAutoFit/>
+          </a:bodyPr>
+          <a:lstStyle/>
+          <a:p>
+            <a:r>
+              <a:rPr lang="en-US" altLang="ko-KR" sz="4800" dirty="0"/>
+              <a:t>… n</a:t>
+            </a:r>
+            <a:endParaRPr lang="ko-KR" altLang="en-US" sz="4800" dirty="0"/>
+          </a:p>
+        </p:txBody>
+      </p:sp>
+      <p:sp>
+        <p:nvSpPr>
+          <p:cNvPr id="16" name="직사각형 15">
+            <a:extLst>
+              <a:ext uri="{FF2B5EF4-FFF2-40B4-BE49-F238E27FC236}">
+                <a16:creationId xmlns:a16="http://schemas.microsoft.com/office/drawing/2014/main" id="{A196DAD4-AEF3-4F4C-B12B-877776536904}"/>
+              </a:ext>
+            </a:extLst>
+          </p:cNvPr>
+          <p:cNvSpPr/>
+          <p:nvPr/>
+        </p:nvSpPr>
+        <p:spPr>
+          <a:xfrm>
+            <a:off x="8942668" y="4038764"/>
+            <a:ext cx="1709313" cy="836872"/>
+          </a:xfrm>
+          <a:prstGeom prst="rect">
+            <a:avLst/>
+          </a:prstGeom>
+        </p:spPr>
+        <p:txBody>
+          <a:bodyPr wrap="square">
+            <a:spAutoFit/>
+          </a:bodyPr>
+          <a:lstStyle/>
+          <a:p>
+            <a:r>
+              <a:rPr lang="en-US" altLang="ko-KR" sz="4800" dirty="0"/>
+              <a:t>… n</a:t>
+            </a:r>
+            <a:endParaRPr lang="ko-KR" altLang="en-US" sz="4800" dirty="0"/>
           </a:p>
         </p:txBody>
       </p:sp>
     </p:spTree>
     <p:extLst>
       <p:ext uri="{BB962C8B-B14F-4D97-AF65-F5344CB8AC3E}">
-        <p14:creationId xmlns:p14="http://schemas.microsoft.com/office/powerpoint/2010/main" val="3861205007"/>
+        <p14:creationId xmlns:p14="http://schemas.microsoft.com/office/powerpoint/2010/main" val="3225086769"/>
       </p:ext>
     </p:extLst>
   </p:cSld>
@@ -4545,10 +7577,10 @@
       </p:grpSpPr>
       <p:sp>
         <p:nvSpPr>
-          <p:cNvPr id="4" name="제목 3">
+          <p:cNvPr id="2" name="제목 1">
             <a:extLst>
               <a:ext uri="{FF2B5EF4-FFF2-40B4-BE49-F238E27FC236}">
-                <a16:creationId xmlns:a16="http://schemas.microsoft.com/office/drawing/2014/main" id="{40F8D102-6773-46CB-BB1C-3CEE57B9D345}"/>
+                <a16:creationId xmlns:a16="http://schemas.microsoft.com/office/drawing/2014/main" id="{20E10F42-3C4D-4DA0-83C7-982533B8A7A6}"/>
               </a:ext>
             </a:extLst>
           </p:cNvPr>
@@ -4559,34 +7591,2045 @@
             <p:ph type="title"/>
           </p:nvPr>
         </p:nvSpPr>
-        <p:spPr>
-          <a:xfrm>
-            <a:off x="4434254" y="2656131"/>
-            <a:ext cx="3323492" cy="1545737"/>
-          </a:xfrm>
-        </p:spPr>
+        <p:spPr/>
         <p:txBody>
           <a:bodyPr/>
           <a:lstStyle/>
           <a:p>
             <a:r>
               <a:rPr lang="en-US" altLang="ko-KR" dirty="0"/>
-              <a:t>Thank You</a:t>
+              <a:t>Current Progress – Team A</a:t>
             </a:r>
             <a:endParaRPr lang="ko-KR" altLang="en-US" dirty="0"/>
+          </a:p>
+        </p:txBody>
+      </p:sp>
+      <p:pic>
+        <p:nvPicPr>
+          <p:cNvPr id="4" name="그림 3">
+            <a:hlinkClick r:id="" action="ppaction://noaction"/>
+            <a:extLst>
+              <a:ext uri="{FF2B5EF4-FFF2-40B4-BE49-F238E27FC236}">
+                <a16:creationId xmlns:a16="http://schemas.microsoft.com/office/drawing/2014/main" id="{86DF1427-FD62-4173-A112-DF852CE9EA83}"/>
+              </a:ext>
+            </a:extLst>
+          </p:cNvPr>
+          <p:cNvPicPr>
+            <a:picLocks noChangeAspect="1"/>
+          </p:cNvPicPr>
+          <p:nvPr/>
+        </p:nvPicPr>
+        <p:blipFill rotWithShape="1">
+          <a:blip r:embed="rId2">
+            <a:alphaModFix amt="50000"/>
+            <a:extLst>
+              <a:ext uri="{28A0092B-C50C-407E-A947-70E740481C1C}">
+                <a14:useLocalDpi xmlns:a14="http://schemas.microsoft.com/office/drawing/2010/main" val="0"/>
+              </a:ext>
+            </a:extLst>
+          </a:blip>
+          <a:srcRect l="34761" t="25054" r="35174" b="27076"/>
+          <a:stretch/>
+        </p:blipFill>
+        <p:spPr>
+          <a:xfrm>
+            <a:off x="10874189" y="5786345"/>
+            <a:ext cx="1317811" cy="1049103"/>
+          </a:xfrm>
+          <a:prstGeom prst="rect">
+            <a:avLst/>
+          </a:prstGeom>
+        </p:spPr>
+      </p:pic>
+      <p:pic>
+        <p:nvPicPr>
+          <p:cNvPr id="5" name="그림 4">
+            <a:extLst>
+              <a:ext uri="{FF2B5EF4-FFF2-40B4-BE49-F238E27FC236}">
+                <a16:creationId xmlns:a16="http://schemas.microsoft.com/office/drawing/2014/main" id="{5A66385D-54C6-4B04-9BE9-9387E7A8E596}"/>
+              </a:ext>
+            </a:extLst>
+          </p:cNvPr>
+          <p:cNvPicPr>
+            <a:picLocks noChangeAspect="1"/>
+          </p:cNvPicPr>
+          <p:nvPr/>
+        </p:nvPicPr>
+        <p:blipFill>
+          <a:blip r:embed="rId3"/>
+          <a:stretch>
+            <a:fillRect/>
+          </a:stretch>
+        </p:blipFill>
+        <p:spPr>
+          <a:xfrm>
+            <a:off x="3705225" y="1425575"/>
+            <a:ext cx="4781550" cy="5067300"/>
+          </a:xfrm>
+          <a:prstGeom prst="rect">
+            <a:avLst/>
+          </a:prstGeom>
+        </p:spPr>
+      </p:pic>
+      <p:pic>
+        <p:nvPicPr>
+          <p:cNvPr id="6" name="그림 5">
+            <a:extLst>
+              <a:ext uri="{FF2B5EF4-FFF2-40B4-BE49-F238E27FC236}">
+                <a16:creationId xmlns:a16="http://schemas.microsoft.com/office/drawing/2014/main" id="{0D2E63F6-A407-45A1-B606-6E8404D8F147}"/>
+              </a:ext>
+            </a:extLst>
+          </p:cNvPr>
+          <p:cNvPicPr>
+            <a:picLocks noChangeAspect="1"/>
+          </p:cNvPicPr>
+          <p:nvPr/>
+        </p:nvPicPr>
+        <p:blipFill>
+          <a:blip r:embed="rId4"/>
+          <a:stretch>
+            <a:fillRect/>
+          </a:stretch>
+        </p:blipFill>
+        <p:spPr>
+          <a:xfrm>
+            <a:off x="3705225" y="1425575"/>
+            <a:ext cx="4781550" cy="5067300"/>
+          </a:xfrm>
+          <a:prstGeom prst="rect">
+            <a:avLst/>
+          </a:prstGeom>
+        </p:spPr>
+      </p:pic>
+      <p:pic>
+        <p:nvPicPr>
+          <p:cNvPr id="7" name="그림 6">
+            <a:extLst>
+              <a:ext uri="{FF2B5EF4-FFF2-40B4-BE49-F238E27FC236}">
+                <a16:creationId xmlns:a16="http://schemas.microsoft.com/office/drawing/2014/main" id="{93CF393E-E5CE-4BB0-AFBD-52B155E7D1A2}"/>
+              </a:ext>
+            </a:extLst>
+          </p:cNvPr>
+          <p:cNvPicPr>
+            <a:picLocks noChangeAspect="1"/>
+          </p:cNvPicPr>
+          <p:nvPr/>
+        </p:nvPicPr>
+        <p:blipFill>
+          <a:blip r:embed="rId5"/>
+          <a:stretch>
+            <a:fillRect/>
+          </a:stretch>
+        </p:blipFill>
+        <p:spPr>
+          <a:xfrm>
+            <a:off x="3705225" y="1425575"/>
+            <a:ext cx="4781550" cy="5067300"/>
+          </a:xfrm>
+          <a:prstGeom prst="rect">
+            <a:avLst/>
+          </a:prstGeom>
+        </p:spPr>
+      </p:pic>
+      <p:pic>
+        <p:nvPicPr>
+          <p:cNvPr id="8" name="그림 7">
+            <a:extLst>
+              <a:ext uri="{FF2B5EF4-FFF2-40B4-BE49-F238E27FC236}">
+                <a16:creationId xmlns:a16="http://schemas.microsoft.com/office/drawing/2014/main" id="{F9D6C724-0D52-47A3-8712-EECCCF340EE5}"/>
+              </a:ext>
+            </a:extLst>
+          </p:cNvPr>
+          <p:cNvPicPr>
+            <a:picLocks noChangeAspect="1"/>
+          </p:cNvPicPr>
+          <p:nvPr/>
+        </p:nvPicPr>
+        <p:blipFill>
+          <a:blip r:embed="rId6"/>
+          <a:stretch>
+            <a:fillRect/>
+          </a:stretch>
+        </p:blipFill>
+        <p:spPr>
+          <a:xfrm>
+            <a:off x="3705225" y="1425575"/>
+            <a:ext cx="4781550" cy="5067300"/>
+          </a:xfrm>
+          <a:prstGeom prst="rect">
+            <a:avLst/>
+          </a:prstGeom>
+        </p:spPr>
+      </p:pic>
+      <p:pic>
+        <p:nvPicPr>
+          <p:cNvPr id="9" name="그림 8">
+            <a:extLst>
+              <a:ext uri="{FF2B5EF4-FFF2-40B4-BE49-F238E27FC236}">
+                <a16:creationId xmlns:a16="http://schemas.microsoft.com/office/drawing/2014/main" id="{5B43DAB0-309C-4AD8-B988-192CB8D53D42}"/>
+              </a:ext>
+            </a:extLst>
+          </p:cNvPr>
+          <p:cNvPicPr>
+            <a:picLocks noChangeAspect="1"/>
+          </p:cNvPicPr>
+          <p:nvPr/>
+        </p:nvPicPr>
+        <p:blipFill>
+          <a:blip r:embed="rId7"/>
+          <a:stretch>
+            <a:fillRect/>
+          </a:stretch>
+        </p:blipFill>
+        <p:spPr>
+          <a:xfrm>
+            <a:off x="3705225" y="1425575"/>
+            <a:ext cx="4781550" cy="5067300"/>
+          </a:xfrm>
+          <a:prstGeom prst="rect">
+            <a:avLst/>
+          </a:prstGeom>
+        </p:spPr>
+      </p:pic>
+      <p:pic>
+        <p:nvPicPr>
+          <p:cNvPr id="10" name="그림 9">
+            <a:extLst>
+              <a:ext uri="{FF2B5EF4-FFF2-40B4-BE49-F238E27FC236}">
+                <a16:creationId xmlns:a16="http://schemas.microsoft.com/office/drawing/2014/main" id="{766816C1-865B-4725-9D72-940C1EB441B3}"/>
+              </a:ext>
+            </a:extLst>
+          </p:cNvPr>
+          <p:cNvPicPr>
+            <a:picLocks noChangeAspect="1"/>
+          </p:cNvPicPr>
+          <p:nvPr/>
+        </p:nvPicPr>
+        <p:blipFill>
+          <a:blip r:embed="rId8"/>
+          <a:stretch>
+            <a:fillRect/>
+          </a:stretch>
+        </p:blipFill>
+        <p:spPr>
+          <a:xfrm>
+            <a:off x="3705225" y="1425575"/>
+            <a:ext cx="4781550" cy="5067300"/>
+          </a:xfrm>
+          <a:prstGeom prst="rect">
+            <a:avLst/>
+          </a:prstGeom>
+        </p:spPr>
+      </p:pic>
+      <p:pic>
+        <p:nvPicPr>
+          <p:cNvPr id="11" name="그림 10">
+            <a:extLst>
+              <a:ext uri="{FF2B5EF4-FFF2-40B4-BE49-F238E27FC236}">
+                <a16:creationId xmlns:a16="http://schemas.microsoft.com/office/drawing/2014/main" id="{93E4C80D-4F58-4A78-AA56-E95400809451}"/>
+              </a:ext>
+            </a:extLst>
+          </p:cNvPr>
+          <p:cNvPicPr>
+            <a:picLocks noChangeAspect="1"/>
+          </p:cNvPicPr>
+          <p:nvPr/>
+        </p:nvPicPr>
+        <p:blipFill>
+          <a:blip r:embed="rId9"/>
+          <a:stretch>
+            <a:fillRect/>
+          </a:stretch>
+        </p:blipFill>
+        <p:spPr>
+          <a:xfrm>
+            <a:off x="3705225" y="1425575"/>
+            <a:ext cx="4781550" cy="5067300"/>
+          </a:xfrm>
+          <a:prstGeom prst="rect">
+            <a:avLst/>
+          </a:prstGeom>
+        </p:spPr>
+      </p:pic>
+      <p:sp>
+        <p:nvSpPr>
+          <p:cNvPr id="12" name="TextBox 11">
+            <a:extLst>
+              <a:ext uri="{FF2B5EF4-FFF2-40B4-BE49-F238E27FC236}">
+                <a16:creationId xmlns:a16="http://schemas.microsoft.com/office/drawing/2014/main" id="{35295799-1462-461E-9A95-B7DE510E3C9F}"/>
+              </a:ext>
+            </a:extLst>
+          </p:cNvPr>
+          <p:cNvSpPr txBox="1"/>
+          <p:nvPr/>
+        </p:nvSpPr>
+        <p:spPr>
+          <a:xfrm>
+            <a:off x="5103104" y="3488422"/>
+            <a:ext cx="2162772" cy="646331"/>
+          </a:xfrm>
+          <a:prstGeom prst="rect">
+            <a:avLst/>
+          </a:prstGeom>
+          <a:solidFill>
+            <a:schemeClr val="bg1"/>
+          </a:solidFill>
+        </p:spPr>
+        <p:txBody>
+          <a:bodyPr wrap="none" rtlCol="0">
+            <a:spAutoFit/>
+          </a:bodyPr>
+          <a:lstStyle/>
+          <a:p>
+            <a:r>
+              <a:rPr lang="en-US" altLang="ko-KR" sz="3600" dirty="0"/>
+              <a:t>SUCCESS</a:t>
+            </a:r>
+            <a:endParaRPr lang="ko-KR" altLang="en-US" sz="3600" dirty="0"/>
+          </a:p>
+        </p:txBody>
+      </p:sp>
+      <p:sp>
+        <p:nvSpPr>
+          <p:cNvPr id="13" name="TextBox 12">
+            <a:extLst>
+              <a:ext uri="{FF2B5EF4-FFF2-40B4-BE49-F238E27FC236}">
+                <a16:creationId xmlns:a16="http://schemas.microsoft.com/office/drawing/2014/main" id="{83E8F31C-48F3-467B-9E58-0B1989A3089F}"/>
+              </a:ext>
+            </a:extLst>
+          </p:cNvPr>
+          <p:cNvSpPr txBox="1"/>
+          <p:nvPr/>
+        </p:nvSpPr>
+        <p:spPr>
+          <a:xfrm>
+            <a:off x="1711256" y="2351028"/>
+            <a:ext cx="3740126" cy="400110"/>
+          </a:xfrm>
+          <a:prstGeom prst="rect">
+            <a:avLst/>
+          </a:prstGeom>
+          <a:solidFill>
+            <a:schemeClr val="bg1"/>
+          </a:solidFill>
+        </p:spPr>
+        <p:txBody>
+          <a:bodyPr wrap="none" rtlCol="0">
+            <a:spAutoFit/>
+          </a:bodyPr>
+          <a:lstStyle/>
+          <a:p>
+            <a:r>
+              <a:rPr lang="en-US" altLang="ko-KR" sz="2000" dirty="0"/>
+              <a:t>Snake[0].pos == Snack[0].pos</a:t>
+            </a:r>
+            <a:endParaRPr lang="ko-KR" altLang="en-US" sz="2000" dirty="0"/>
+          </a:p>
+        </p:txBody>
+      </p:sp>
+      <p:sp>
+        <p:nvSpPr>
+          <p:cNvPr id="14" name="TextBox 13">
+            <a:extLst>
+              <a:ext uri="{FF2B5EF4-FFF2-40B4-BE49-F238E27FC236}">
+                <a16:creationId xmlns:a16="http://schemas.microsoft.com/office/drawing/2014/main" id="{AC9652BE-72C3-4385-B0D1-F053378E7564}"/>
+              </a:ext>
+            </a:extLst>
+          </p:cNvPr>
+          <p:cNvSpPr txBox="1"/>
+          <p:nvPr/>
+        </p:nvSpPr>
+        <p:spPr>
+          <a:xfrm>
+            <a:off x="7569644" y="1989390"/>
+            <a:ext cx="1497526" cy="400110"/>
+          </a:xfrm>
+          <a:prstGeom prst="rect">
+            <a:avLst/>
+          </a:prstGeom>
+          <a:solidFill>
+            <a:schemeClr val="bg1"/>
+          </a:solidFill>
+        </p:spPr>
+        <p:txBody>
+          <a:bodyPr wrap="none" rtlCol="0">
+            <a:spAutoFit/>
+          </a:bodyPr>
+          <a:lstStyle/>
+          <a:p>
+            <a:r>
+              <a:rPr lang="en-US" altLang="ko-KR" sz="2000" dirty="0"/>
+              <a:t>Next Snack</a:t>
+            </a:r>
+            <a:endParaRPr lang="ko-KR" altLang="en-US" sz="2000" dirty="0"/>
           </a:p>
         </p:txBody>
       </p:sp>
     </p:spTree>
     <p:extLst>
       <p:ext uri="{BB962C8B-B14F-4D97-AF65-F5344CB8AC3E}">
-        <p14:creationId xmlns:p14="http://schemas.microsoft.com/office/powerpoint/2010/main" val="1361499542"/>
+        <p14:creationId xmlns:p14="http://schemas.microsoft.com/office/powerpoint/2010/main" val="2993923474"/>
       </p:ext>
     </p:extLst>
   </p:cSld>
   <p:clrMapOvr>
     <a:masterClrMapping/>
   </p:clrMapOvr>
+  <p:timing>
+    <p:tnLst>
+      <p:par>
+        <p:cTn id="1" dur="indefinite" restart="never" nodeType="tmRoot">
+          <p:childTnLst>
+            <p:seq concurrent="1" nextAc="seek">
+              <p:cTn id="2" dur="indefinite" nodeType="mainSeq">
+                <p:childTnLst>
+                  <p:par>
+                    <p:cTn id="3" fill="hold">
+                      <p:stCondLst>
+                        <p:cond delay="indefinite"/>
+                      </p:stCondLst>
+                      <p:childTnLst>
+                        <p:par>
+                          <p:cTn id="4" fill="hold">
+                            <p:stCondLst>
+                              <p:cond delay="0"/>
+                            </p:stCondLst>
+                            <p:childTnLst>
+                              <p:par>
+                                <p:cTn id="5" presetID="1" presetClass="entr" presetSubtype="0" fill="hold" nodeType="clickEffect">
+                                  <p:stCondLst>
+                                    <p:cond delay="0"/>
+                                  </p:stCondLst>
+                                  <p:childTnLst>
+                                    <p:set>
+                                      <p:cBhvr>
+                                        <p:cTn id="6" dur="1" fill="hold">
+                                          <p:stCondLst>
+                                            <p:cond delay="0"/>
+                                          </p:stCondLst>
+                                        </p:cTn>
+                                        <p:tgtEl>
+                                          <p:spTgt spid="6"/>
+                                        </p:tgtEl>
+                                        <p:attrNameLst>
+                                          <p:attrName>style.visibility</p:attrName>
+                                        </p:attrNameLst>
+                                      </p:cBhvr>
+                                      <p:to>
+                                        <p:strVal val="visible"/>
+                                      </p:to>
+                                    </p:set>
+                                  </p:childTnLst>
+                                </p:cTn>
+                              </p:par>
+                            </p:childTnLst>
+                          </p:cTn>
+                        </p:par>
+                      </p:childTnLst>
+                    </p:cTn>
+                  </p:par>
+                  <p:par>
+                    <p:cTn id="7" fill="hold">
+                      <p:stCondLst>
+                        <p:cond delay="indefinite"/>
+                      </p:stCondLst>
+                      <p:childTnLst>
+                        <p:par>
+                          <p:cTn id="8" fill="hold">
+                            <p:stCondLst>
+                              <p:cond delay="0"/>
+                            </p:stCondLst>
+                            <p:childTnLst>
+                              <p:par>
+                                <p:cTn id="9" presetID="1" presetClass="entr" presetSubtype="0" fill="hold" nodeType="clickEffect">
+                                  <p:stCondLst>
+                                    <p:cond delay="0"/>
+                                  </p:stCondLst>
+                                  <p:childTnLst>
+                                    <p:set>
+                                      <p:cBhvr>
+                                        <p:cTn id="10" dur="1" fill="hold">
+                                          <p:stCondLst>
+                                            <p:cond delay="0"/>
+                                          </p:stCondLst>
+                                        </p:cTn>
+                                        <p:tgtEl>
+                                          <p:spTgt spid="7"/>
+                                        </p:tgtEl>
+                                        <p:attrNameLst>
+                                          <p:attrName>style.visibility</p:attrName>
+                                        </p:attrNameLst>
+                                      </p:cBhvr>
+                                      <p:to>
+                                        <p:strVal val="visible"/>
+                                      </p:to>
+                                    </p:set>
+                                  </p:childTnLst>
+                                </p:cTn>
+                              </p:par>
+                            </p:childTnLst>
+                          </p:cTn>
+                        </p:par>
+                      </p:childTnLst>
+                    </p:cTn>
+                  </p:par>
+                  <p:par>
+                    <p:cTn id="11" fill="hold">
+                      <p:stCondLst>
+                        <p:cond delay="indefinite"/>
+                      </p:stCondLst>
+                      <p:childTnLst>
+                        <p:par>
+                          <p:cTn id="12" fill="hold">
+                            <p:stCondLst>
+                              <p:cond delay="0"/>
+                            </p:stCondLst>
+                            <p:childTnLst>
+                              <p:par>
+                                <p:cTn id="13" presetID="1" presetClass="entr" presetSubtype="0" fill="hold" nodeType="clickEffect">
+                                  <p:stCondLst>
+                                    <p:cond delay="0"/>
+                                  </p:stCondLst>
+                                  <p:childTnLst>
+                                    <p:set>
+                                      <p:cBhvr>
+                                        <p:cTn id="14" dur="1" fill="hold">
+                                          <p:stCondLst>
+                                            <p:cond delay="0"/>
+                                          </p:stCondLst>
+                                        </p:cTn>
+                                        <p:tgtEl>
+                                          <p:spTgt spid="8"/>
+                                        </p:tgtEl>
+                                        <p:attrNameLst>
+                                          <p:attrName>style.visibility</p:attrName>
+                                        </p:attrNameLst>
+                                      </p:cBhvr>
+                                      <p:to>
+                                        <p:strVal val="visible"/>
+                                      </p:to>
+                                    </p:set>
+                                  </p:childTnLst>
+                                </p:cTn>
+                              </p:par>
+                            </p:childTnLst>
+                          </p:cTn>
+                        </p:par>
+                      </p:childTnLst>
+                    </p:cTn>
+                  </p:par>
+                  <p:par>
+                    <p:cTn id="15" fill="hold">
+                      <p:stCondLst>
+                        <p:cond delay="indefinite"/>
+                      </p:stCondLst>
+                      <p:childTnLst>
+                        <p:par>
+                          <p:cTn id="16" fill="hold">
+                            <p:stCondLst>
+                              <p:cond delay="0"/>
+                            </p:stCondLst>
+                            <p:childTnLst>
+                              <p:par>
+                                <p:cTn id="17" presetID="1" presetClass="entr" presetSubtype="0" fill="hold" nodeType="clickEffect">
+                                  <p:stCondLst>
+                                    <p:cond delay="0"/>
+                                  </p:stCondLst>
+                                  <p:childTnLst>
+                                    <p:set>
+                                      <p:cBhvr>
+                                        <p:cTn id="18" dur="1" fill="hold">
+                                          <p:stCondLst>
+                                            <p:cond delay="0"/>
+                                          </p:stCondLst>
+                                        </p:cTn>
+                                        <p:tgtEl>
+                                          <p:spTgt spid="9"/>
+                                        </p:tgtEl>
+                                        <p:attrNameLst>
+                                          <p:attrName>style.visibility</p:attrName>
+                                        </p:attrNameLst>
+                                      </p:cBhvr>
+                                      <p:to>
+                                        <p:strVal val="visible"/>
+                                      </p:to>
+                                    </p:set>
+                                  </p:childTnLst>
+                                </p:cTn>
+                              </p:par>
+                            </p:childTnLst>
+                          </p:cTn>
+                        </p:par>
+                      </p:childTnLst>
+                    </p:cTn>
+                  </p:par>
+                  <p:par>
+                    <p:cTn id="19" fill="hold">
+                      <p:stCondLst>
+                        <p:cond delay="indefinite"/>
+                      </p:stCondLst>
+                      <p:childTnLst>
+                        <p:par>
+                          <p:cTn id="20" fill="hold">
+                            <p:stCondLst>
+                              <p:cond delay="0"/>
+                            </p:stCondLst>
+                            <p:childTnLst>
+                              <p:par>
+                                <p:cTn id="21" presetID="1" presetClass="entr" presetSubtype="0" fill="hold" nodeType="clickEffect">
+                                  <p:stCondLst>
+                                    <p:cond delay="0"/>
+                                  </p:stCondLst>
+                                  <p:childTnLst>
+                                    <p:set>
+                                      <p:cBhvr>
+                                        <p:cTn id="22" dur="1" fill="hold">
+                                          <p:stCondLst>
+                                            <p:cond delay="0"/>
+                                          </p:stCondLst>
+                                        </p:cTn>
+                                        <p:tgtEl>
+                                          <p:spTgt spid="10"/>
+                                        </p:tgtEl>
+                                        <p:attrNameLst>
+                                          <p:attrName>style.visibility</p:attrName>
+                                        </p:attrNameLst>
+                                      </p:cBhvr>
+                                      <p:to>
+                                        <p:strVal val="visible"/>
+                                      </p:to>
+                                    </p:set>
+                                  </p:childTnLst>
+                                </p:cTn>
+                              </p:par>
+                            </p:childTnLst>
+                          </p:cTn>
+                        </p:par>
+                      </p:childTnLst>
+                    </p:cTn>
+                  </p:par>
+                  <p:par>
+                    <p:cTn id="23" fill="hold">
+                      <p:stCondLst>
+                        <p:cond delay="indefinite"/>
+                      </p:stCondLst>
+                      <p:childTnLst>
+                        <p:par>
+                          <p:cTn id="24" fill="hold">
+                            <p:stCondLst>
+                              <p:cond delay="0"/>
+                            </p:stCondLst>
+                            <p:childTnLst>
+                              <p:par>
+                                <p:cTn id="25" presetID="1" presetClass="entr" presetSubtype="0" fill="hold" nodeType="clickEffect">
+                                  <p:stCondLst>
+                                    <p:cond delay="0"/>
+                                  </p:stCondLst>
+                                  <p:childTnLst>
+                                    <p:set>
+                                      <p:cBhvr>
+                                        <p:cTn id="26" dur="1" fill="hold">
+                                          <p:stCondLst>
+                                            <p:cond delay="0"/>
+                                          </p:stCondLst>
+                                        </p:cTn>
+                                        <p:tgtEl>
+                                          <p:spTgt spid="11"/>
+                                        </p:tgtEl>
+                                        <p:attrNameLst>
+                                          <p:attrName>style.visibility</p:attrName>
+                                        </p:attrNameLst>
+                                      </p:cBhvr>
+                                      <p:to>
+                                        <p:strVal val="visible"/>
+                                      </p:to>
+                                    </p:set>
+                                  </p:childTnLst>
+                                </p:cTn>
+                              </p:par>
+                            </p:childTnLst>
+                          </p:cTn>
+                        </p:par>
+                        <p:par>
+                          <p:cTn id="27" fill="hold">
+                            <p:stCondLst>
+                              <p:cond delay="0"/>
+                            </p:stCondLst>
+                            <p:childTnLst>
+                              <p:par>
+                                <p:cTn id="28" presetID="10" presetClass="entr" presetSubtype="0" fill="hold" grpId="0" nodeType="afterEffect">
+                                  <p:stCondLst>
+                                    <p:cond delay="0"/>
+                                  </p:stCondLst>
+                                  <p:childTnLst>
+                                    <p:set>
+                                      <p:cBhvr>
+                                        <p:cTn id="29" dur="1" fill="hold">
+                                          <p:stCondLst>
+                                            <p:cond delay="0"/>
+                                          </p:stCondLst>
+                                        </p:cTn>
+                                        <p:tgtEl>
+                                          <p:spTgt spid="13"/>
+                                        </p:tgtEl>
+                                        <p:attrNameLst>
+                                          <p:attrName>style.visibility</p:attrName>
+                                        </p:attrNameLst>
+                                      </p:cBhvr>
+                                      <p:to>
+                                        <p:strVal val="visible"/>
+                                      </p:to>
+                                    </p:set>
+                                    <p:animEffect transition="in" filter="fade">
+                                      <p:cBhvr>
+                                        <p:cTn id="30" dur="500"/>
+                                        <p:tgtEl>
+                                          <p:spTgt spid="13"/>
+                                        </p:tgtEl>
+                                      </p:cBhvr>
+                                    </p:animEffect>
+                                  </p:childTnLst>
+                                </p:cTn>
+                              </p:par>
+                            </p:childTnLst>
+                          </p:cTn>
+                        </p:par>
+                        <p:par>
+                          <p:cTn id="31" fill="hold">
+                            <p:stCondLst>
+                              <p:cond delay="500"/>
+                            </p:stCondLst>
+                            <p:childTnLst>
+                              <p:par>
+                                <p:cTn id="32" presetID="10" presetClass="entr" presetSubtype="0" fill="hold" grpId="0" nodeType="afterEffect">
+                                  <p:stCondLst>
+                                    <p:cond delay="0"/>
+                                  </p:stCondLst>
+                                  <p:childTnLst>
+                                    <p:set>
+                                      <p:cBhvr>
+                                        <p:cTn id="33" dur="1" fill="hold">
+                                          <p:stCondLst>
+                                            <p:cond delay="0"/>
+                                          </p:stCondLst>
+                                        </p:cTn>
+                                        <p:tgtEl>
+                                          <p:spTgt spid="12"/>
+                                        </p:tgtEl>
+                                        <p:attrNameLst>
+                                          <p:attrName>style.visibility</p:attrName>
+                                        </p:attrNameLst>
+                                      </p:cBhvr>
+                                      <p:to>
+                                        <p:strVal val="visible"/>
+                                      </p:to>
+                                    </p:set>
+                                    <p:animEffect transition="in" filter="fade">
+                                      <p:cBhvr>
+                                        <p:cTn id="34" dur="500"/>
+                                        <p:tgtEl>
+                                          <p:spTgt spid="12"/>
+                                        </p:tgtEl>
+                                      </p:cBhvr>
+                                    </p:animEffect>
+                                  </p:childTnLst>
+                                </p:cTn>
+                              </p:par>
+                            </p:childTnLst>
+                          </p:cTn>
+                        </p:par>
+                        <p:par>
+                          <p:cTn id="35" fill="hold">
+                            <p:stCondLst>
+                              <p:cond delay="1000"/>
+                            </p:stCondLst>
+                            <p:childTnLst>
+                              <p:par>
+                                <p:cTn id="36" presetID="10" presetClass="entr" presetSubtype="0" fill="hold" grpId="0" nodeType="afterEffect">
+                                  <p:stCondLst>
+                                    <p:cond delay="0"/>
+                                  </p:stCondLst>
+                                  <p:childTnLst>
+                                    <p:set>
+                                      <p:cBhvr>
+                                        <p:cTn id="37" dur="1" fill="hold">
+                                          <p:stCondLst>
+                                            <p:cond delay="0"/>
+                                          </p:stCondLst>
+                                        </p:cTn>
+                                        <p:tgtEl>
+                                          <p:spTgt spid="14"/>
+                                        </p:tgtEl>
+                                        <p:attrNameLst>
+                                          <p:attrName>style.visibility</p:attrName>
+                                        </p:attrNameLst>
+                                      </p:cBhvr>
+                                      <p:to>
+                                        <p:strVal val="visible"/>
+                                      </p:to>
+                                    </p:set>
+                                    <p:animEffect transition="in" filter="fade">
+                                      <p:cBhvr>
+                                        <p:cTn id="38" dur="500"/>
+                                        <p:tgtEl>
+                                          <p:spTgt spid="14"/>
+                                        </p:tgtEl>
+                                      </p:cBhvr>
+                                    </p:animEffect>
+                                  </p:childTnLst>
+                                </p:cTn>
+                              </p:par>
+                            </p:childTnLst>
+                          </p:cTn>
+                        </p:par>
+                      </p:childTnLst>
+                    </p:cTn>
+                  </p:par>
+                </p:childTnLst>
+              </p:cTn>
+              <p:prevCondLst>
+                <p:cond evt="onPrev" delay="0">
+                  <p:tgtEl>
+                    <p:sldTgt/>
+                  </p:tgtEl>
+                </p:cond>
+              </p:prevCondLst>
+              <p:nextCondLst>
+                <p:cond evt="onNext" delay="0">
+                  <p:tgtEl>
+                    <p:sldTgt/>
+                  </p:tgtEl>
+                </p:cond>
+              </p:nextCondLst>
+            </p:seq>
+          </p:childTnLst>
+        </p:cTn>
+      </p:par>
+    </p:tnLst>
+    <p:bldLst>
+      <p:bldP spid="12" grpId="0" animBg="1"/>
+      <p:bldP spid="13" grpId="0" animBg="1"/>
+      <p:bldP spid="14" grpId="0" animBg="1"/>
+    </p:bldLst>
+  </p:timing>
+</p:sld>
+</file>
+
+<file path=ppt/slides/slide8.xml><?xml version="1.0" encoding="utf-8"?>
+<p:sld xmlns:a="http://schemas.openxmlformats.org/drawingml/2006/main" xmlns:r="http://schemas.openxmlformats.org/officeDocument/2006/relationships" xmlns:p="http://schemas.openxmlformats.org/presentationml/2006/main">
+  <p:cSld>
+    <p:spTree>
+      <p:nvGrpSpPr>
+        <p:cNvPr id="1" name=""/>
+        <p:cNvGrpSpPr/>
+        <p:nvPr/>
+      </p:nvGrpSpPr>
+      <p:grpSpPr>
+        <a:xfrm>
+          <a:off x="0" y="0"/>
+          <a:ext cx="0" cy="0"/>
+          <a:chOff x="0" y="0"/>
+          <a:chExt cx="0" cy="0"/>
+        </a:xfrm>
+      </p:grpSpPr>
+      <p:sp>
+        <p:nvSpPr>
+          <p:cNvPr id="2" name="제목 1">
+            <a:extLst>
+              <a:ext uri="{FF2B5EF4-FFF2-40B4-BE49-F238E27FC236}">
+                <a16:creationId xmlns:a16="http://schemas.microsoft.com/office/drawing/2014/main" id="{20E10F42-3C4D-4DA0-83C7-982533B8A7A6}"/>
+              </a:ext>
+            </a:extLst>
+          </p:cNvPr>
+          <p:cNvSpPr>
+            <a:spLocks noGrp="1"/>
+          </p:cNvSpPr>
+          <p:nvPr>
+            <p:ph type="title"/>
+          </p:nvPr>
+        </p:nvSpPr>
+        <p:spPr/>
+        <p:txBody>
+          <a:bodyPr/>
+          <a:lstStyle/>
+          <a:p>
+            <a:r>
+              <a:rPr lang="en-US" altLang="ko-KR" dirty="0"/>
+              <a:t>Current Progress – Team A</a:t>
+            </a:r>
+            <a:endParaRPr lang="ko-KR" altLang="en-US" dirty="0"/>
+          </a:p>
+        </p:txBody>
+      </p:sp>
+      <p:pic>
+        <p:nvPicPr>
+          <p:cNvPr id="4" name="그림 3">
+            <a:hlinkClick r:id="" action="ppaction://noaction"/>
+            <a:extLst>
+              <a:ext uri="{FF2B5EF4-FFF2-40B4-BE49-F238E27FC236}">
+                <a16:creationId xmlns:a16="http://schemas.microsoft.com/office/drawing/2014/main" id="{86DF1427-FD62-4173-A112-DF852CE9EA83}"/>
+              </a:ext>
+            </a:extLst>
+          </p:cNvPr>
+          <p:cNvPicPr>
+            <a:picLocks noChangeAspect="1"/>
+          </p:cNvPicPr>
+          <p:nvPr/>
+        </p:nvPicPr>
+        <p:blipFill rotWithShape="1">
+          <a:blip r:embed="rId2">
+            <a:alphaModFix amt="50000"/>
+            <a:extLst>
+              <a:ext uri="{28A0092B-C50C-407E-A947-70E740481C1C}">
+                <a14:useLocalDpi xmlns:a14="http://schemas.microsoft.com/office/drawing/2010/main" val="0"/>
+              </a:ext>
+            </a:extLst>
+          </a:blip>
+          <a:srcRect l="34761" t="25054" r="35174" b="27076"/>
+          <a:stretch/>
+        </p:blipFill>
+        <p:spPr>
+          <a:xfrm>
+            <a:off x="10874189" y="5786345"/>
+            <a:ext cx="1317811" cy="1049103"/>
+          </a:xfrm>
+          <a:prstGeom prst="rect">
+            <a:avLst/>
+          </a:prstGeom>
+        </p:spPr>
+      </p:pic>
+      <p:pic>
+        <p:nvPicPr>
+          <p:cNvPr id="6" name="그림 5">
+            <a:extLst>
+              <a:ext uri="{FF2B5EF4-FFF2-40B4-BE49-F238E27FC236}">
+                <a16:creationId xmlns:a16="http://schemas.microsoft.com/office/drawing/2014/main" id="{B5494C1C-8561-4678-A8C0-AB2220501C29}"/>
+              </a:ext>
+            </a:extLst>
+          </p:cNvPr>
+          <p:cNvPicPr>
+            <a:picLocks noChangeAspect="1"/>
+          </p:cNvPicPr>
+          <p:nvPr/>
+        </p:nvPicPr>
+        <p:blipFill>
+          <a:blip r:embed="rId3"/>
+          <a:stretch>
+            <a:fillRect/>
+          </a:stretch>
+        </p:blipFill>
+        <p:spPr>
+          <a:xfrm>
+            <a:off x="3705225" y="1425575"/>
+            <a:ext cx="4781550" cy="5067300"/>
+          </a:xfrm>
+          <a:prstGeom prst="rect">
+            <a:avLst/>
+          </a:prstGeom>
+        </p:spPr>
+      </p:pic>
+      <p:pic>
+        <p:nvPicPr>
+          <p:cNvPr id="7" name="그림 6">
+            <a:extLst>
+              <a:ext uri="{FF2B5EF4-FFF2-40B4-BE49-F238E27FC236}">
+                <a16:creationId xmlns:a16="http://schemas.microsoft.com/office/drawing/2014/main" id="{2BF78C74-3888-439C-8315-9A7BD936D37C}"/>
+              </a:ext>
+            </a:extLst>
+          </p:cNvPr>
+          <p:cNvPicPr>
+            <a:picLocks noChangeAspect="1"/>
+          </p:cNvPicPr>
+          <p:nvPr/>
+        </p:nvPicPr>
+        <p:blipFill>
+          <a:blip r:embed="rId4"/>
+          <a:stretch>
+            <a:fillRect/>
+          </a:stretch>
+        </p:blipFill>
+        <p:spPr>
+          <a:xfrm>
+            <a:off x="3705225" y="1425575"/>
+            <a:ext cx="4781550" cy="5067300"/>
+          </a:xfrm>
+          <a:prstGeom prst="rect">
+            <a:avLst/>
+          </a:prstGeom>
+        </p:spPr>
+      </p:pic>
+      <p:pic>
+        <p:nvPicPr>
+          <p:cNvPr id="10" name="그림 9">
+            <a:extLst>
+              <a:ext uri="{FF2B5EF4-FFF2-40B4-BE49-F238E27FC236}">
+                <a16:creationId xmlns:a16="http://schemas.microsoft.com/office/drawing/2014/main" id="{70F009ED-719E-471B-91E5-A097813294B4}"/>
+              </a:ext>
+            </a:extLst>
+          </p:cNvPr>
+          <p:cNvPicPr>
+            <a:picLocks noChangeAspect="1"/>
+          </p:cNvPicPr>
+          <p:nvPr/>
+        </p:nvPicPr>
+        <p:blipFill>
+          <a:blip r:embed="rId5"/>
+          <a:stretch>
+            <a:fillRect/>
+          </a:stretch>
+        </p:blipFill>
+        <p:spPr>
+          <a:xfrm>
+            <a:off x="3705225" y="1425575"/>
+            <a:ext cx="4781550" cy="5067300"/>
+          </a:xfrm>
+          <a:prstGeom prst="rect">
+            <a:avLst/>
+          </a:prstGeom>
+        </p:spPr>
+      </p:pic>
+      <p:pic>
+        <p:nvPicPr>
+          <p:cNvPr id="11" name="그림 10">
+            <a:extLst>
+              <a:ext uri="{FF2B5EF4-FFF2-40B4-BE49-F238E27FC236}">
+                <a16:creationId xmlns:a16="http://schemas.microsoft.com/office/drawing/2014/main" id="{CA349E2B-C692-4607-BF76-4F3D82746EF8}"/>
+              </a:ext>
+            </a:extLst>
+          </p:cNvPr>
+          <p:cNvPicPr>
+            <a:picLocks noChangeAspect="1"/>
+          </p:cNvPicPr>
+          <p:nvPr/>
+        </p:nvPicPr>
+        <p:blipFill>
+          <a:blip r:embed="rId6"/>
+          <a:stretch>
+            <a:fillRect/>
+          </a:stretch>
+        </p:blipFill>
+        <p:spPr>
+          <a:xfrm>
+            <a:off x="3705225" y="1425575"/>
+            <a:ext cx="4781550" cy="5067300"/>
+          </a:xfrm>
+          <a:prstGeom prst="rect">
+            <a:avLst/>
+          </a:prstGeom>
+        </p:spPr>
+      </p:pic>
+      <p:pic>
+        <p:nvPicPr>
+          <p:cNvPr id="12" name="그림 11">
+            <a:extLst>
+              <a:ext uri="{FF2B5EF4-FFF2-40B4-BE49-F238E27FC236}">
+                <a16:creationId xmlns:a16="http://schemas.microsoft.com/office/drawing/2014/main" id="{7AC1246E-97B4-4C01-9853-4743FB9F246C}"/>
+              </a:ext>
+            </a:extLst>
+          </p:cNvPr>
+          <p:cNvPicPr>
+            <a:picLocks noChangeAspect="1"/>
+          </p:cNvPicPr>
+          <p:nvPr/>
+        </p:nvPicPr>
+        <p:blipFill>
+          <a:blip r:embed="rId7"/>
+          <a:stretch>
+            <a:fillRect/>
+          </a:stretch>
+        </p:blipFill>
+        <p:spPr>
+          <a:xfrm>
+            <a:off x="3705225" y="1425575"/>
+            <a:ext cx="4781550" cy="5067300"/>
+          </a:xfrm>
+          <a:prstGeom prst="rect">
+            <a:avLst/>
+          </a:prstGeom>
+        </p:spPr>
+      </p:pic>
+      <p:pic>
+        <p:nvPicPr>
+          <p:cNvPr id="13" name="그림 12">
+            <a:extLst>
+              <a:ext uri="{FF2B5EF4-FFF2-40B4-BE49-F238E27FC236}">
+                <a16:creationId xmlns:a16="http://schemas.microsoft.com/office/drawing/2014/main" id="{C3C87C0A-BAA5-4692-AB01-8D3EB8682331}"/>
+              </a:ext>
+            </a:extLst>
+          </p:cNvPr>
+          <p:cNvPicPr>
+            <a:picLocks noChangeAspect="1"/>
+          </p:cNvPicPr>
+          <p:nvPr/>
+        </p:nvPicPr>
+        <p:blipFill>
+          <a:blip r:embed="rId8"/>
+          <a:stretch>
+            <a:fillRect/>
+          </a:stretch>
+        </p:blipFill>
+        <p:spPr>
+          <a:xfrm>
+            <a:off x="3705225" y="1425575"/>
+            <a:ext cx="4781550" cy="5067300"/>
+          </a:xfrm>
+          <a:prstGeom prst="rect">
+            <a:avLst/>
+          </a:prstGeom>
+        </p:spPr>
+      </p:pic>
+      <p:pic>
+        <p:nvPicPr>
+          <p:cNvPr id="14" name="그림 13">
+            <a:extLst>
+              <a:ext uri="{FF2B5EF4-FFF2-40B4-BE49-F238E27FC236}">
+                <a16:creationId xmlns:a16="http://schemas.microsoft.com/office/drawing/2014/main" id="{865C55F1-47A1-46AF-9061-3290D3F711B2}"/>
+              </a:ext>
+            </a:extLst>
+          </p:cNvPr>
+          <p:cNvPicPr>
+            <a:picLocks noChangeAspect="1"/>
+          </p:cNvPicPr>
+          <p:nvPr/>
+        </p:nvPicPr>
+        <p:blipFill>
+          <a:blip r:embed="rId9"/>
+          <a:stretch>
+            <a:fillRect/>
+          </a:stretch>
+        </p:blipFill>
+        <p:spPr>
+          <a:xfrm>
+            <a:off x="3705225" y="1425575"/>
+            <a:ext cx="4781550" cy="5067300"/>
+          </a:xfrm>
+          <a:prstGeom prst="rect">
+            <a:avLst/>
+          </a:prstGeom>
+        </p:spPr>
+      </p:pic>
+      <p:pic>
+        <p:nvPicPr>
+          <p:cNvPr id="15" name="그림 14">
+            <a:extLst>
+              <a:ext uri="{FF2B5EF4-FFF2-40B4-BE49-F238E27FC236}">
+                <a16:creationId xmlns:a16="http://schemas.microsoft.com/office/drawing/2014/main" id="{F00E4804-F2AE-4C72-8855-469DE9006A7B}"/>
+              </a:ext>
+            </a:extLst>
+          </p:cNvPr>
+          <p:cNvPicPr>
+            <a:picLocks noChangeAspect="1"/>
+          </p:cNvPicPr>
+          <p:nvPr/>
+        </p:nvPicPr>
+        <p:blipFill>
+          <a:blip r:embed="rId10"/>
+          <a:stretch>
+            <a:fillRect/>
+          </a:stretch>
+        </p:blipFill>
+        <p:spPr>
+          <a:xfrm>
+            <a:off x="3705225" y="1425575"/>
+            <a:ext cx="4781550" cy="5067300"/>
+          </a:xfrm>
+          <a:prstGeom prst="rect">
+            <a:avLst/>
+          </a:prstGeom>
+        </p:spPr>
+      </p:pic>
+      <p:pic>
+        <p:nvPicPr>
+          <p:cNvPr id="16" name="그림 15">
+            <a:extLst>
+              <a:ext uri="{FF2B5EF4-FFF2-40B4-BE49-F238E27FC236}">
+                <a16:creationId xmlns:a16="http://schemas.microsoft.com/office/drawing/2014/main" id="{972737FB-FF33-4541-84ED-92B952EA113E}"/>
+              </a:ext>
+            </a:extLst>
+          </p:cNvPr>
+          <p:cNvPicPr>
+            <a:picLocks noChangeAspect="1"/>
+          </p:cNvPicPr>
+          <p:nvPr/>
+        </p:nvPicPr>
+        <p:blipFill>
+          <a:blip r:embed="rId11"/>
+          <a:stretch>
+            <a:fillRect/>
+          </a:stretch>
+        </p:blipFill>
+        <p:spPr>
+          <a:xfrm>
+            <a:off x="3705225" y="1425575"/>
+            <a:ext cx="4781550" cy="5067300"/>
+          </a:xfrm>
+          <a:prstGeom prst="rect">
+            <a:avLst/>
+          </a:prstGeom>
+        </p:spPr>
+      </p:pic>
+      <p:pic>
+        <p:nvPicPr>
+          <p:cNvPr id="17" name="그림 16">
+            <a:extLst>
+              <a:ext uri="{FF2B5EF4-FFF2-40B4-BE49-F238E27FC236}">
+                <a16:creationId xmlns:a16="http://schemas.microsoft.com/office/drawing/2014/main" id="{1C0ABDA8-7C3A-4223-8150-96B45928D292}"/>
+              </a:ext>
+            </a:extLst>
+          </p:cNvPr>
+          <p:cNvPicPr>
+            <a:picLocks noChangeAspect="1"/>
+          </p:cNvPicPr>
+          <p:nvPr/>
+        </p:nvPicPr>
+        <p:blipFill>
+          <a:blip r:embed="rId12"/>
+          <a:stretch>
+            <a:fillRect/>
+          </a:stretch>
+        </p:blipFill>
+        <p:spPr>
+          <a:xfrm>
+            <a:off x="3705225" y="1425575"/>
+            <a:ext cx="4781550" cy="5067300"/>
+          </a:xfrm>
+          <a:prstGeom prst="rect">
+            <a:avLst/>
+          </a:prstGeom>
+        </p:spPr>
+      </p:pic>
+      <p:pic>
+        <p:nvPicPr>
+          <p:cNvPr id="18" name="그림 17">
+            <a:extLst>
+              <a:ext uri="{FF2B5EF4-FFF2-40B4-BE49-F238E27FC236}">
+                <a16:creationId xmlns:a16="http://schemas.microsoft.com/office/drawing/2014/main" id="{B222CCCA-F6AF-48F8-8B43-1BDD2F112785}"/>
+              </a:ext>
+            </a:extLst>
+          </p:cNvPr>
+          <p:cNvPicPr>
+            <a:picLocks noChangeAspect="1"/>
+          </p:cNvPicPr>
+          <p:nvPr/>
+        </p:nvPicPr>
+        <p:blipFill>
+          <a:blip r:embed="rId13"/>
+          <a:stretch>
+            <a:fillRect/>
+          </a:stretch>
+        </p:blipFill>
+        <p:spPr>
+          <a:xfrm>
+            <a:off x="3705225" y="1425575"/>
+            <a:ext cx="4781550" cy="5067300"/>
+          </a:xfrm>
+          <a:prstGeom prst="rect">
+            <a:avLst/>
+          </a:prstGeom>
+        </p:spPr>
+      </p:pic>
+      <p:sp>
+        <p:nvSpPr>
+          <p:cNvPr id="8" name="TextBox 7">
+            <a:extLst>
+              <a:ext uri="{FF2B5EF4-FFF2-40B4-BE49-F238E27FC236}">
+                <a16:creationId xmlns:a16="http://schemas.microsoft.com/office/drawing/2014/main" id="{861A0005-5EEE-43EF-9119-5CAED4E119F4}"/>
+              </a:ext>
+            </a:extLst>
+          </p:cNvPr>
+          <p:cNvSpPr txBox="1"/>
+          <p:nvPr/>
+        </p:nvSpPr>
+        <p:spPr>
+          <a:xfrm>
+            <a:off x="5566976" y="3768616"/>
+            <a:ext cx="1058047" cy="646331"/>
+          </a:xfrm>
+          <a:prstGeom prst="rect">
+            <a:avLst/>
+          </a:prstGeom>
+          <a:solidFill>
+            <a:schemeClr val="bg1"/>
+          </a:solidFill>
+        </p:spPr>
+        <p:txBody>
+          <a:bodyPr wrap="none" rtlCol="0">
+            <a:spAutoFit/>
+          </a:bodyPr>
+          <a:lstStyle/>
+          <a:p>
+            <a:r>
+              <a:rPr lang="en-US" altLang="ko-KR" sz="3600" dirty="0"/>
+              <a:t>FAIL</a:t>
+            </a:r>
+            <a:endParaRPr lang="ko-KR" altLang="en-US" sz="3600" dirty="0"/>
+          </a:p>
+        </p:txBody>
+      </p:sp>
+      <p:sp>
+        <p:nvSpPr>
+          <p:cNvPr id="9" name="TextBox 8">
+            <a:extLst>
+              <a:ext uri="{FF2B5EF4-FFF2-40B4-BE49-F238E27FC236}">
+                <a16:creationId xmlns:a16="http://schemas.microsoft.com/office/drawing/2014/main" id="{AC61FFC5-71A0-44F9-9C5C-20876AC9E2A0}"/>
+              </a:ext>
+            </a:extLst>
+          </p:cNvPr>
+          <p:cNvSpPr txBox="1"/>
+          <p:nvPr/>
+        </p:nvSpPr>
+        <p:spPr>
+          <a:xfrm>
+            <a:off x="3824515" y="4949029"/>
+            <a:ext cx="3756156" cy="400110"/>
+          </a:xfrm>
+          <a:prstGeom prst="rect">
+            <a:avLst/>
+          </a:prstGeom>
+          <a:solidFill>
+            <a:schemeClr val="bg1"/>
+          </a:solidFill>
+        </p:spPr>
+        <p:txBody>
+          <a:bodyPr wrap="none" rtlCol="0">
+            <a:spAutoFit/>
+          </a:bodyPr>
+          <a:lstStyle/>
+          <a:p>
+            <a:r>
+              <a:rPr lang="en-US" altLang="ko-KR" sz="2000" dirty="0"/>
+              <a:t>Snake[0].pos == Snake[1].pos</a:t>
+            </a:r>
+            <a:endParaRPr lang="ko-KR" altLang="en-US" sz="2000" dirty="0"/>
+          </a:p>
+        </p:txBody>
+      </p:sp>
+    </p:spTree>
+    <p:extLst>
+      <p:ext uri="{BB962C8B-B14F-4D97-AF65-F5344CB8AC3E}">
+        <p14:creationId xmlns:p14="http://schemas.microsoft.com/office/powerpoint/2010/main" val="4024066477"/>
+      </p:ext>
+    </p:extLst>
+  </p:cSld>
+  <p:clrMapOvr>
+    <a:masterClrMapping/>
+  </p:clrMapOvr>
+  <p:timing>
+    <p:tnLst>
+      <p:par>
+        <p:cTn id="1" dur="indefinite" restart="never" nodeType="tmRoot">
+          <p:childTnLst>
+            <p:seq concurrent="1" nextAc="seek">
+              <p:cTn id="2" dur="indefinite" nodeType="mainSeq">
+                <p:childTnLst>
+                  <p:par>
+                    <p:cTn id="3" fill="hold">
+                      <p:stCondLst>
+                        <p:cond delay="indefinite"/>
+                      </p:stCondLst>
+                      <p:childTnLst>
+                        <p:par>
+                          <p:cTn id="4" fill="hold">
+                            <p:stCondLst>
+                              <p:cond delay="0"/>
+                            </p:stCondLst>
+                            <p:childTnLst>
+                              <p:par>
+                                <p:cTn id="5" presetID="1" presetClass="entr" presetSubtype="0" fill="hold" nodeType="clickEffect">
+                                  <p:stCondLst>
+                                    <p:cond delay="0"/>
+                                  </p:stCondLst>
+                                  <p:childTnLst>
+                                    <p:set>
+                                      <p:cBhvr>
+                                        <p:cTn id="6" dur="1" fill="hold">
+                                          <p:stCondLst>
+                                            <p:cond delay="0"/>
+                                          </p:stCondLst>
+                                        </p:cTn>
+                                        <p:tgtEl>
+                                          <p:spTgt spid="7"/>
+                                        </p:tgtEl>
+                                        <p:attrNameLst>
+                                          <p:attrName>style.visibility</p:attrName>
+                                        </p:attrNameLst>
+                                      </p:cBhvr>
+                                      <p:to>
+                                        <p:strVal val="visible"/>
+                                      </p:to>
+                                    </p:set>
+                                  </p:childTnLst>
+                                </p:cTn>
+                              </p:par>
+                            </p:childTnLst>
+                          </p:cTn>
+                        </p:par>
+                      </p:childTnLst>
+                    </p:cTn>
+                  </p:par>
+                  <p:par>
+                    <p:cTn id="7" fill="hold">
+                      <p:stCondLst>
+                        <p:cond delay="indefinite"/>
+                      </p:stCondLst>
+                      <p:childTnLst>
+                        <p:par>
+                          <p:cTn id="8" fill="hold">
+                            <p:stCondLst>
+                              <p:cond delay="0"/>
+                            </p:stCondLst>
+                            <p:childTnLst>
+                              <p:par>
+                                <p:cTn id="9" presetID="1" presetClass="entr" presetSubtype="0" fill="hold" nodeType="clickEffect">
+                                  <p:stCondLst>
+                                    <p:cond delay="0"/>
+                                  </p:stCondLst>
+                                  <p:childTnLst>
+                                    <p:set>
+                                      <p:cBhvr>
+                                        <p:cTn id="10" dur="1" fill="hold">
+                                          <p:stCondLst>
+                                            <p:cond delay="0"/>
+                                          </p:stCondLst>
+                                        </p:cTn>
+                                        <p:tgtEl>
+                                          <p:spTgt spid="10"/>
+                                        </p:tgtEl>
+                                        <p:attrNameLst>
+                                          <p:attrName>style.visibility</p:attrName>
+                                        </p:attrNameLst>
+                                      </p:cBhvr>
+                                      <p:to>
+                                        <p:strVal val="visible"/>
+                                      </p:to>
+                                    </p:set>
+                                  </p:childTnLst>
+                                </p:cTn>
+                              </p:par>
+                            </p:childTnLst>
+                          </p:cTn>
+                        </p:par>
+                      </p:childTnLst>
+                    </p:cTn>
+                  </p:par>
+                  <p:par>
+                    <p:cTn id="11" fill="hold">
+                      <p:stCondLst>
+                        <p:cond delay="indefinite"/>
+                      </p:stCondLst>
+                      <p:childTnLst>
+                        <p:par>
+                          <p:cTn id="12" fill="hold">
+                            <p:stCondLst>
+                              <p:cond delay="0"/>
+                            </p:stCondLst>
+                            <p:childTnLst>
+                              <p:par>
+                                <p:cTn id="13" presetID="1" presetClass="entr" presetSubtype="0" fill="hold" nodeType="clickEffect">
+                                  <p:stCondLst>
+                                    <p:cond delay="0"/>
+                                  </p:stCondLst>
+                                  <p:childTnLst>
+                                    <p:set>
+                                      <p:cBhvr>
+                                        <p:cTn id="14" dur="1" fill="hold">
+                                          <p:stCondLst>
+                                            <p:cond delay="0"/>
+                                          </p:stCondLst>
+                                        </p:cTn>
+                                        <p:tgtEl>
+                                          <p:spTgt spid="11"/>
+                                        </p:tgtEl>
+                                        <p:attrNameLst>
+                                          <p:attrName>style.visibility</p:attrName>
+                                        </p:attrNameLst>
+                                      </p:cBhvr>
+                                      <p:to>
+                                        <p:strVal val="visible"/>
+                                      </p:to>
+                                    </p:set>
+                                  </p:childTnLst>
+                                </p:cTn>
+                              </p:par>
+                            </p:childTnLst>
+                          </p:cTn>
+                        </p:par>
+                      </p:childTnLst>
+                    </p:cTn>
+                  </p:par>
+                  <p:par>
+                    <p:cTn id="15" fill="hold">
+                      <p:stCondLst>
+                        <p:cond delay="indefinite"/>
+                      </p:stCondLst>
+                      <p:childTnLst>
+                        <p:par>
+                          <p:cTn id="16" fill="hold">
+                            <p:stCondLst>
+                              <p:cond delay="0"/>
+                            </p:stCondLst>
+                            <p:childTnLst>
+                              <p:par>
+                                <p:cTn id="17" presetID="1" presetClass="entr" presetSubtype="0" fill="hold" nodeType="clickEffect">
+                                  <p:stCondLst>
+                                    <p:cond delay="0"/>
+                                  </p:stCondLst>
+                                  <p:childTnLst>
+                                    <p:set>
+                                      <p:cBhvr>
+                                        <p:cTn id="18" dur="1" fill="hold">
+                                          <p:stCondLst>
+                                            <p:cond delay="0"/>
+                                          </p:stCondLst>
+                                        </p:cTn>
+                                        <p:tgtEl>
+                                          <p:spTgt spid="12"/>
+                                        </p:tgtEl>
+                                        <p:attrNameLst>
+                                          <p:attrName>style.visibility</p:attrName>
+                                        </p:attrNameLst>
+                                      </p:cBhvr>
+                                      <p:to>
+                                        <p:strVal val="visible"/>
+                                      </p:to>
+                                    </p:set>
+                                  </p:childTnLst>
+                                </p:cTn>
+                              </p:par>
+                            </p:childTnLst>
+                          </p:cTn>
+                        </p:par>
+                      </p:childTnLst>
+                    </p:cTn>
+                  </p:par>
+                  <p:par>
+                    <p:cTn id="19" fill="hold">
+                      <p:stCondLst>
+                        <p:cond delay="indefinite"/>
+                      </p:stCondLst>
+                      <p:childTnLst>
+                        <p:par>
+                          <p:cTn id="20" fill="hold">
+                            <p:stCondLst>
+                              <p:cond delay="0"/>
+                            </p:stCondLst>
+                            <p:childTnLst>
+                              <p:par>
+                                <p:cTn id="21" presetID="1" presetClass="entr" presetSubtype="0" fill="hold" nodeType="clickEffect">
+                                  <p:stCondLst>
+                                    <p:cond delay="0"/>
+                                  </p:stCondLst>
+                                  <p:childTnLst>
+                                    <p:set>
+                                      <p:cBhvr>
+                                        <p:cTn id="22" dur="1" fill="hold">
+                                          <p:stCondLst>
+                                            <p:cond delay="0"/>
+                                          </p:stCondLst>
+                                        </p:cTn>
+                                        <p:tgtEl>
+                                          <p:spTgt spid="13"/>
+                                        </p:tgtEl>
+                                        <p:attrNameLst>
+                                          <p:attrName>style.visibility</p:attrName>
+                                        </p:attrNameLst>
+                                      </p:cBhvr>
+                                      <p:to>
+                                        <p:strVal val="visible"/>
+                                      </p:to>
+                                    </p:set>
+                                  </p:childTnLst>
+                                </p:cTn>
+                              </p:par>
+                            </p:childTnLst>
+                          </p:cTn>
+                        </p:par>
+                      </p:childTnLst>
+                    </p:cTn>
+                  </p:par>
+                  <p:par>
+                    <p:cTn id="23" fill="hold">
+                      <p:stCondLst>
+                        <p:cond delay="indefinite"/>
+                      </p:stCondLst>
+                      <p:childTnLst>
+                        <p:par>
+                          <p:cTn id="24" fill="hold">
+                            <p:stCondLst>
+                              <p:cond delay="0"/>
+                            </p:stCondLst>
+                            <p:childTnLst>
+                              <p:par>
+                                <p:cTn id="25" presetID="1" presetClass="entr" presetSubtype="0" fill="hold" nodeType="clickEffect">
+                                  <p:stCondLst>
+                                    <p:cond delay="0"/>
+                                  </p:stCondLst>
+                                  <p:childTnLst>
+                                    <p:set>
+                                      <p:cBhvr>
+                                        <p:cTn id="26" dur="1" fill="hold">
+                                          <p:stCondLst>
+                                            <p:cond delay="0"/>
+                                          </p:stCondLst>
+                                        </p:cTn>
+                                        <p:tgtEl>
+                                          <p:spTgt spid="14"/>
+                                        </p:tgtEl>
+                                        <p:attrNameLst>
+                                          <p:attrName>style.visibility</p:attrName>
+                                        </p:attrNameLst>
+                                      </p:cBhvr>
+                                      <p:to>
+                                        <p:strVal val="visible"/>
+                                      </p:to>
+                                    </p:set>
+                                  </p:childTnLst>
+                                </p:cTn>
+                              </p:par>
+                            </p:childTnLst>
+                          </p:cTn>
+                        </p:par>
+                      </p:childTnLst>
+                    </p:cTn>
+                  </p:par>
+                  <p:par>
+                    <p:cTn id="27" fill="hold">
+                      <p:stCondLst>
+                        <p:cond delay="indefinite"/>
+                      </p:stCondLst>
+                      <p:childTnLst>
+                        <p:par>
+                          <p:cTn id="28" fill="hold">
+                            <p:stCondLst>
+                              <p:cond delay="0"/>
+                            </p:stCondLst>
+                            <p:childTnLst>
+                              <p:par>
+                                <p:cTn id="29" presetID="1" presetClass="entr" presetSubtype="0" fill="hold" nodeType="clickEffect">
+                                  <p:stCondLst>
+                                    <p:cond delay="0"/>
+                                  </p:stCondLst>
+                                  <p:childTnLst>
+                                    <p:set>
+                                      <p:cBhvr>
+                                        <p:cTn id="30" dur="1" fill="hold">
+                                          <p:stCondLst>
+                                            <p:cond delay="0"/>
+                                          </p:stCondLst>
+                                        </p:cTn>
+                                        <p:tgtEl>
+                                          <p:spTgt spid="15"/>
+                                        </p:tgtEl>
+                                        <p:attrNameLst>
+                                          <p:attrName>style.visibility</p:attrName>
+                                        </p:attrNameLst>
+                                      </p:cBhvr>
+                                      <p:to>
+                                        <p:strVal val="visible"/>
+                                      </p:to>
+                                    </p:set>
+                                  </p:childTnLst>
+                                </p:cTn>
+                              </p:par>
+                            </p:childTnLst>
+                          </p:cTn>
+                        </p:par>
+                      </p:childTnLst>
+                    </p:cTn>
+                  </p:par>
+                  <p:par>
+                    <p:cTn id="31" fill="hold">
+                      <p:stCondLst>
+                        <p:cond delay="indefinite"/>
+                      </p:stCondLst>
+                      <p:childTnLst>
+                        <p:par>
+                          <p:cTn id="32" fill="hold">
+                            <p:stCondLst>
+                              <p:cond delay="0"/>
+                            </p:stCondLst>
+                            <p:childTnLst>
+                              <p:par>
+                                <p:cTn id="33" presetID="1" presetClass="entr" presetSubtype="0" fill="hold" nodeType="clickEffect">
+                                  <p:stCondLst>
+                                    <p:cond delay="0"/>
+                                  </p:stCondLst>
+                                  <p:childTnLst>
+                                    <p:set>
+                                      <p:cBhvr>
+                                        <p:cTn id="34" dur="1" fill="hold">
+                                          <p:stCondLst>
+                                            <p:cond delay="0"/>
+                                          </p:stCondLst>
+                                        </p:cTn>
+                                        <p:tgtEl>
+                                          <p:spTgt spid="16"/>
+                                        </p:tgtEl>
+                                        <p:attrNameLst>
+                                          <p:attrName>style.visibility</p:attrName>
+                                        </p:attrNameLst>
+                                      </p:cBhvr>
+                                      <p:to>
+                                        <p:strVal val="visible"/>
+                                      </p:to>
+                                    </p:set>
+                                  </p:childTnLst>
+                                </p:cTn>
+                              </p:par>
+                            </p:childTnLst>
+                          </p:cTn>
+                        </p:par>
+                      </p:childTnLst>
+                    </p:cTn>
+                  </p:par>
+                  <p:par>
+                    <p:cTn id="35" fill="hold">
+                      <p:stCondLst>
+                        <p:cond delay="indefinite"/>
+                      </p:stCondLst>
+                      <p:childTnLst>
+                        <p:par>
+                          <p:cTn id="36" fill="hold">
+                            <p:stCondLst>
+                              <p:cond delay="0"/>
+                            </p:stCondLst>
+                            <p:childTnLst>
+                              <p:par>
+                                <p:cTn id="37" presetID="1" presetClass="entr" presetSubtype="0" fill="hold" nodeType="clickEffect">
+                                  <p:stCondLst>
+                                    <p:cond delay="0"/>
+                                  </p:stCondLst>
+                                  <p:childTnLst>
+                                    <p:set>
+                                      <p:cBhvr>
+                                        <p:cTn id="38" dur="1" fill="hold">
+                                          <p:stCondLst>
+                                            <p:cond delay="0"/>
+                                          </p:stCondLst>
+                                        </p:cTn>
+                                        <p:tgtEl>
+                                          <p:spTgt spid="17"/>
+                                        </p:tgtEl>
+                                        <p:attrNameLst>
+                                          <p:attrName>style.visibility</p:attrName>
+                                        </p:attrNameLst>
+                                      </p:cBhvr>
+                                      <p:to>
+                                        <p:strVal val="visible"/>
+                                      </p:to>
+                                    </p:set>
+                                  </p:childTnLst>
+                                </p:cTn>
+                              </p:par>
+                            </p:childTnLst>
+                          </p:cTn>
+                        </p:par>
+                      </p:childTnLst>
+                    </p:cTn>
+                  </p:par>
+                  <p:par>
+                    <p:cTn id="39" fill="hold">
+                      <p:stCondLst>
+                        <p:cond delay="indefinite"/>
+                      </p:stCondLst>
+                      <p:childTnLst>
+                        <p:par>
+                          <p:cTn id="40" fill="hold">
+                            <p:stCondLst>
+                              <p:cond delay="0"/>
+                            </p:stCondLst>
+                            <p:childTnLst>
+                              <p:par>
+                                <p:cTn id="41" presetID="1" presetClass="entr" presetSubtype="0" fill="hold" nodeType="clickEffect">
+                                  <p:stCondLst>
+                                    <p:cond delay="0"/>
+                                  </p:stCondLst>
+                                  <p:childTnLst>
+                                    <p:set>
+                                      <p:cBhvr>
+                                        <p:cTn id="42" dur="1" fill="hold">
+                                          <p:stCondLst>
+                                            <p:cond delay="0"/>
+                                          </p:stCondLst>
+                                        </p:cTn>
+                                        <p:tgtEl>
+                                          <p:spTgt spid="18"/>
+                                        </p:tgtEl>
+                                        <p:attrNameLst>
+                                          <p:attrName>style.visibility</p:attrName>
+                                        </p:attrNameLst>
+                                      </p:cBhvr>
+                                      <p:to>
+                                        <p:strVal val="visible"/>
+                                      </p:to>
+                                    </p:set>
+                                  </p:childTnLst>
+                                </p:cTn>
+                              </p:par>
+                            </p:childTnLst>
+                          </p:cTn>
+                        </p:par>
+                        <p:par>
+                          <p:cTn id="43" fill="hold">
+                            <p:stCondLst>
+                              <p:cond delay="0"/>
+                            </p:stCondLst>
+                            <p:childTnLst>
+                              <p:par>
+                                <p:cTn id="44" presetID="10" presetClass="entr" presetSubtype="0" fill="hold" grpId="0" nodeType="afterEffect">
+                                  <p:stCondLst>
+                                    <p:cond delay="0"/>
+                                  </p:stCondLst>
+                                  <p:childTnLst>
+                                    <p:set>
+                                      <p:cBhvr>
+                                        <p:cTn id="45" dur="1" fill="hold">
+                                          <p:stCondLst>
+                                            <p:cond delay="0"/>
+                                          </p:stCondLst>
+                                        </p:cTn>
+                                        <p:tgtEl>
+                                          <p:spTgt spid="9"/>
+                                        </p:tgtEl>
+                                        <p:attrNameLst>
+                                          <p:attrName>style.visibility</p:attrName>
+                                        </p:attrNameLst>
+                                      </p:cBhvr>
+                                      <p:to>
+                                        <p:strVal val="visible"/>
+                                      </p:to>
+                                    </p:set>
+                                    <p:animEffect transition="in" filter="fade">
+                                      <p:cBhvr>
+                                        <p:cTn id="46" dur="500"/>
+                                        <p:tgtEl>
+                                          <p:spTgt spid="9"/>
+                                        </p:tgtEl>
+                                      </p:cBhvr>
+                                    </p:animEffect>
+                                  </p:childTnLst>
+                                </p:cTn>
+                              </p:par>
+                            </p:childTnLst>
+                          </p:cTn>
+                        </p:par>
+                        <p:par>
+                          <p:cTn id="47" fill="hold">
+                            <p:stCondLst>
+                              <p:cond delay="500"/>
+                            </p:stCondLst>
+                            <p:childTnLst>
+                              <p:par>
+                                <p:cTn id="48" presetID="10" presetClass="entr" presetSubtype="0" fill="hold" grpId="0" nodeType="afterEffect">
+                                  <p:stCondLst>
+                                    <p:cond delay="0"/>
+                                  </p:stCondLst>
+                                  <p:childTnLst>
+                                    <p:set>
+                                      <p:cBhvr>
+                                        <p:cTn id="49" dur="1" fill="hold">
+                                          <p:stCondLst>
+                                            <p:cond delay="0"/>
+                                          </p:stCondLst>
+                                        </p:cTn>
+                                        <p:tgtEl>
+                                          <p:spTgt spid="8"/>
+                                        </p:tgtEl>
+                                        <p:attrNameLst>
+                                          <p:attrName>style.visibility</p:attrName>
+                                        </p:attrNameLst>
+                                      </p:cBhvr>
+                                      <p:to>
+                                        <p:strVal val="visible"/>
+                                      </p:to>
+                                    </p:set>
+                                    <p:animEffect transition="in" filter="fade">
+                                      <p:cBhvr>
+                                        <p:cTn id="50" dur="500"/>
+                                        <p:tgtEl>
+                                          <p:spTgt spid="8"/>
+                                        </p:tgtEl>
+                                      </p:cBhvr>
+                                    </p:animEffect>
+                                  </p:childTnLst>
+                                </p:cTn>
+                              </p:par>
+                            </p:childTnLst>
+                          </p:cTn>
+                        </p:par>
+                      </p:childTnLst>
+                    </p:cTn>
+                  </p:par>
+                </p:childTnLst>
+              </p:cTn>
+              <p:prevCondLst>
+                <p:cond evt="onPrev" delay="0">
+                  <p:tgtEl>
+                    <p:sldTgt/>
+                  </p:tgtEl>
+                </p:cond>
+              </p:prevCondLst>
+              <p:nextCondLst>
+                <p:cond evt="onNext" delay="0">
+                  <p:tgtEl>
+                    <p:sldTgt/>
+                  </p:tgtEl>
+                </p:cond>
+              </p:nextCondLst>
+            </p:seq>
+          </p:childTnLst>
+        </p:cTn>
+      </p:par>
+    </p:tnLst>
+    <p:bldLst>
+      <p:bldP spid="8" grpId="0" animBg="1"/>
+      <p:bldP spid="9" grpId="0" animBg="1"/>
+    </p:bldLst>
+  </p:timing>
+</p:sld>
+</file>
+
+<file path=ppt/slides/slide9.xml><?xml version="1.0" encoding="utf-8"?>
+<p:sld xmlns:a="http://schemas.openxmlformats.org/drawingml/2006/main" xmlns:r="http://schemas.openxmlformats.org/officeDocument/2006/relationships" xmlns:p="http://schemas.openxmlformats.org/presentationml/2006/main">
+  <p:cSld>
+    <p:spTree>
+      <p:nvGrpSpPr>
+        <p:cNvPr id="1" name=""/>
+        <p:cNvGrpSpPr/>
+        <p:nvPr/>
+      </p:nvGrpSpPr>
+      <p:grpSpPr>
+        <a:xfrm>
+          <a:off x="0" y="0"/>
+          <a:ext cx="0" cy="0"/>
+          <a:chOff x="0" y="0"/>
+          <a:chExt cx="0" cy="0"/>
+        </a:xfrm>
+      </p:grpSpPr>
+      <p:sp>
+        <p:nvSpPr>
+          <p:cNvPr id="2" name="제목 1">
+            <a:extLst>
+              <a:ext uri="{FF2B5EF4-FFF2-40B4-BE49-F238E27FC236}">
+                <a16:creationId xmlns:a16="http://schemas.microsoft.com/office/drawing/2014/main" id="{20E10F42-3C4D-4DA0-83C7-982533B8A7A6}"/>
+              </a:ext>
+            </a:extLst>
+          </p:cNvPr>
+          <p:cNvSpPr>
+            <a:spLocks noGrp="1"/>
+          </p:cNvSpPr>
+          <p:nvPr>
+            <p:ph type="title"/>
+          </p:nvPr>
+        </p:nvSpPr>
+        <p:spPr/>
+        <p:txBody>
+          <a:bodyPr/>
+          <a:lstStyle/>
+          <a:p>
+            <a:r>
+              <a:rPr lang="en-US" altLang="ko-KR" dirty="0"/>
+              <a:t>Last Progress – Team A</a:t>
+            </a:r>
+            <a:endParaRPr lang="ko-KR" altLang="en-US" dirty="0"/>
+          </a:p>
+        </p:txBody>
+      </p:sp>
+      <p:pic>
+        <p:nvPicPr>
+          <p:cNvPr id="4" name="그림 3">
+            <a:hlinkClick r:id="" action="ppaction://noaction"/>
+            <a:extLst>
+              <a:ext uri="{FF2B5EF4-FFF2-40B4-BE49-F238E27FC236}">
+                <a16:creationId xmlns:a16="http://schemas.microsoft.com/office/drawing/2014/main" id="{86DF1427-FD62-4173-A112-DF852CE9EA83}"/>
+              </a:ext>
+            </a:extLst>
+          </p:cNvPr>
+          <p:cNvPicPr>
+            <a:picLocks noChangeAspect="1"/>
+          </p:cNvPicPr>
+          <p:nvPr/>
+        </p:nvPicPr>
+        <p:blipFill rotWithShape="1">
+          <a:blip r:embed="rId2">
+            <a:alphaModFix amt="50000"/>
+            <a:extLst>
+              <a:ext uri="{28A0092B-C50C-407E-A947-70E740481C1C}">
+                <a14:useLocalDpi xmlns:a14="http://schemas.microsoft.com/office/drawing/2010/main" val="0"/>
+              </a:ext>
+            </a:extLst>
+          </a:blip>
+          <a:srcRect l="34761" t="25054" r="35174" b="27076"/>
+          <a:stretch/>
+        </p:blipFill>
+        <p:spPr>
+          <a:xfrm>
+            <a:off x="10874189" y="5786345"/>
+            <a:ext cx="1317811" cy="1049103"/>
+          </a:xfrm>
+          <a:prstGeom prst="rect">
+            <a:avLst/>
+          </a:prstGeom>
+        </p:spPr>
+      </p:pic>
+      <p:pic>
+        <p:nvPicPr>
+          <p:cNvPr id="7" name="그림 6">
+            <a:extLst>
+              <a:ext uri="{FF2B5EF4-FFF2-40B4-BE49-F238E27FC236}">
+                <a16:creationId xmlns:a16="http://schemas.microsoft.com/office/drawing/2014/main" id="{3E6F9AFA-62AA-4D44-B345-4EE5EEEF9F0F}"/>
+              </a:ext>
+            </a:extLst>
+          </p:cNvPr>
+          <p:cNvPicPr>
+            <a:picLocks noChangeAspect="1"/>
+          </p:cNvPicPr>
+          <p:nvPr/>
+        </p:nvPicPr>
+        <p:blipFill>
+          <a:blip r:embed="rId3">
+            <a:extLst>
+              <a:ext uri="{28A0092B-C50C-407E-A947-70E740481C1C}">
+                <a14:useLocalDpi xmlns:a14="http://schemas.microsoft.com/office/drawing/2010/main" val="0"/>
+              </a:ext>
+            </a:extLst>
+          </a:blip>
+          <a:stretch>
+            <a:fillRect/>
+          </a:stretch>
+        </p:blipFill>
+        <p:spPr>
+          <a:xfrm>
+            <a:off x="1314450" y="1425574"/>
+            <a:ext cx="4781550" cy="5067301"/>
+          </a:xfrm>
+          <a:prstGeom prst="rect">
+            <a:avLst/>
+          </a:prstGeom>
+        </p:spPr>
+      </p:pic>
+    </p:spTree>
+    <p:extLst>
+      <p:ext uri="{BB962C8B-B14F-4D97-AF65-F5344CB8AC3E}">
+        <p14:creationId xmlns:p14="http://schemas.microsoft.com/office/powerpoint/2010/main" val="192458960"/>
+      </p:ext>
+    </p:extLst>
+  </p:cSld>
+  <p:clrMapOvr>
+    <a:masterClrMapping/>
+  </p:clrMapOvr>
+  <mc:AlternateContent xmlns:mc="http://schemas.openxmlformats.org/markup-compatibility/2006" xmlns:p14="http://schemas.microsoft.com/office/powerpoint/2010/main">
+    <mc:Choice Requires="p14">
+      <p:transition spd="med" p14:dur="700">
+        <p:fade/>
+      </p:transition>
+    </mc:Choice>
+    <mc:Fallback xmlns="">
+      <p:transition spd="med">
+        <p:fade/>
+      </p:transition>
+    </mc:Fallback>
+  </mc:AlternateContent>
 </p:sld>
 </file>
 
